--- a/文件/期末專題 PPT (1).pptx
+++ b/文件/期末專題 PPT (1).pptx
@@ -34,31 +34,23 @@
     <p:sldId id="279" r:id="rId29"/>
     <p:sldId id="280" r:id="rId30"/>
     <p:sldId id="281" r:id="rId31"/>
-    <p:sldId id="282" r:id="rId32"/>
   </p:sldIdLst>
   <p:sldSz cy="5143500" cx="9144000"/>
   <p:notesSz cx="6858000" cy="9144000"/>
   <p:embeddedFontLst>
     <p:embeddedFont>
       <p:font typeface="Montserrat"/>
-      <p:regular r:id="rId33"/>
-      <p:bold r:id="rId34"/>
-      <p:italic r:id="rId35"/>
-      <p:boldItalic r:id="rId36"/>
+      <p:regular r:id="rId32"/>
+      <p:bold r:id="rId33"/>
+      <p:italic r:id="rId34"/>
+      <p:boldItalic r:id="rId35"/>
     </p:embeddedFont>
     <p:embeddedFont>
       <p:font typeface="Lato"/>
-      <p:regular r:id="rId37"/>
-      <p:bold r:id="rId38"/>
-      <p:italic r:id="rId39"/>
-      <p:boldItalic r:id="rId40"/>
-    </p:embeddedFont>
-    <p:embeddedFont>
-      <p:font typeface="Roboto Mono"/>
-      <p:regular r:id="rId41"/>
-      <p:bold r:id="rId42"/>
-      <p:italic r:id="rId43"/>
-      <p:boldItalic r:id="rId44"/>
+      <p:regular r:id="rId36"/>
+      <p:bold r:id="rId37"/>
+      <p:italic r:id="rId38"/>
+      <p:boldItalic r:id="rId39"/>
     </p:embeddedFont>
   </p:embeddedFontLst>
   <p:defaultTextStyle>
@@ -839,7 +831,7 @@
   <p:cSld>
     <p:spTree>
       <p:nvGrpSpPr>
-        <p:cNvPr id="197" name="Shape 197"/>
+        <p:cNvPr id="196" name="Shape 196"/>
         <p:cNvGrpSpPr/>
         <p:nvPr/>
       </p:nvGrpSpPr>
@@ -853,7 +845,7 @@
       </p:grpSpPr>
       <p:sp>
         <p:nvSpPr>
-          <p:cNvPr id="198" name="Google Shape;198;g35d45f693f5_0_145:notes"/>
+          <p:cNvPr id="197" name="Google Shape;197;g35d45f693f5_0_145:notes"/>
           <p:cNvSpPr/>
           <p:nvPr>
             <p:ph idx="2" type="sldImg"/>
@@ -888,7 +880,7 @@
       </p:sp>
       <p:sp>
         <p:nvSpPr>
-          <p:cNvPr id="199" name="Google Shape;199;g35d45f693f5_0_145:notes"/>
+          <p:cNvPr id="198" name="Google Shape;198;g35d45f693f5_0_145:notes"/>
           <p:cNvSpPr txBox="1"/>
           <p:nvPr>
             <p:ph idx="1" type="body"/>
@@ -938,7 +930,7 @@
   <p:cSld>
     <p:spTree>
       <p:nvGrpSpPr>
-        <p:cNvPr id="207" name="Shape 207"/>
+        <p:cNvPr id="206" name="Shape 206"/>
         <p:cNvGrpSpPr/>
         <p:nvPr/>
       </p:nvGrpSpPr>
@@ -952,7 +944,7 @@
       </p:grpSpPr>
       <p:sp>
         <p:nvSpPr>
-          <p:cNvPr id="208" name="Google Shape;208;g35e5b9448b4_0_0:notes"/>
+          <p:cNvPr id="207" name="Google Shape;207;g35e5b9448b4_0_0:notes"/>
           <p:cNvSpPr/>
           <p:nvPr>
             <p:ph idx="2" type="sldImg"/>
@@ -987,7 +979,7 @@
       </p:sp>
       <p:sp>
         <p:nvSpPr>
-          <p:cNvPr id="209" name="Google Shape;209;g35e5b9448b4_0_0:notes"/>
+          <p:cNvPr id="208" name="Google Shape;208;g35e5b9448b4_0_0:notes"/>
           <p:cNvSpPr txBox="1"/>
           <p:nvPr>
             <p:ph idx="1" type="body"/>
@@ -1037,7 +1029,7 @@
   <p:cSld>
     <p:spTree>
       <p:nvGrpSpPr>
-        <p:cNvPr id="215" name="Shape 215"/>
+        <p:cNvPr id="214" name="Shape 214"/>
         <p:cNvGrpSpPr/>
         <p:nvPr/>
       </p:nvGrpSpPr>
@@ -1051,7 +1043,7 @@
       </p:grpSpPr>
       <p:sp>
         <p:nvSpPr>
-          <p:cNvPr id="216" name="Google Shape;216;g35d45f693f5_0_157:notes"/>
+          <p:cNvPr id="215" name="Google Shape;215;g35d45f693f5_0_157:notes"/>
           <p:cNvSpPr/>
           <p:nvPr>
             <p:ph idx="2" type="sldImg"/>
@@ -1086,7 +1078,7 @@
       </p:sp>
       <p:sp>
         <p:nvSpPr>
-          <p:cNvPr id="217" name="Google Shape;217;g35d45f693f5_0_157:notes"/>
+          <p:cNvPr id="216" name="Google Shape;216;g35d45f693f5_0_157:notes"/>
           <p:cNvSpPr txBox="1"/>
           <p:nvPr>
             <p:ph idx="1" type="body"/>
@@ -1136,7 +1128,7 @@
   <p:cSld>
     <p:spTree>
       <p:nvGrpSpPr>
-        <p:cNvPr id="224" name="Shape 224"/>
+        <p:cNvPr id="223" name="Shape 223"/>
         <p:cNvGrpSpPr/>
         <p:nvPr/>
       </p:nvGrpSpPr>
@@ -1150,7 +1142,7 @@
       </p:grpSpPr>
       <p:sp>
         <p:nvSpPr>
-          <p:cNvPr id="225" name="Google Shape;225;g35d45f693f5_0_199:notes"/>
+          <p:cNvPr id="224" name="Google Shape;224;g35d45f693f5_0_199:notes"/>
           <p:cNvSpPr/>
           <p:nvPr>
             <p:ph idx="2" type="sldImg"/>
@@ -1185,7 +1177,7 @@
       </p:sp>
       <p:sp>
         <p:nvSpPr>
-          <p:cNvPr id="226" name="Google Shape;226;g35d45f693f5_0_199:notes"/>
+          <p:cNvPr id="225" name="Google Shape;225;g35d45f693f5_0_199:notes"/>
           <p:cNvSpPr txBox="1"/>
           <p:nvPr>
             <p:ph idx="1" type="body"/>
@@ -1235,7 +1227,7 @@
   <p:cSld>
     <p:spTree>
       <p:nvGrpSpPr>
-        <p:cNvPr id="233" name="Shape 233"/>
+        <p:cNvPr id="232" name="Shape 232"/>
         <p:cNvGrpSpPr/>
         <p:nvPr/>
       </p:nvGrpSpPr>
@@ -1249,7 +1241,7 @@
       </p:grpSpPr>
       <p:sp>
         <p:nvSpPr>
-          <p:cNvPr id="234" name="Google Shape;234;g35d45f693f5_0_249:notes"/>
+          <p:cNvPr id="233" name="Google Shape;233;g35d45f693f5_0_249:notes"/>
           <p:cNvSpPr/>
           <p:nvPr>
             <p:ph idx="2" type="sldImg"/>
@@ -1284,7 +1276,7 @@
       </p:sp>
       <p:sp>
         <p:nvSpPr>
-          <p:cNvPr id="235" name="Google Shape;235;g35d45f693f5_0_249:notes"/>
+          <p:cNvPr id="234" name="Google Shape;234;g35d45f693f5_0_249:notes"/>
           <p:cNvSpPr txBox="1"/>
           <p:nvPr>
             <p:ph idx="1" type="body"/>
@@ -1334,7 +1326,7 @@
   <p:cSld>
     <p:spTree>
       <p:nvGrpSpPr>
-        <p:cNvPr id="242" name="Shape 242"/>
+        <p:cNvPr id="241" name="Shape 241"/>
         <p:cNvGrpSpPr/>
         <p:nvPr/>
       </p:nvGrpSpPr>
@@ -1348,7 +1340,7 @@
       </p:grpSpPr>
       <p:sp>
         <p:nvSpPr>
-          <p:cNvPr id="243" name="Google Shape;243;g35d45f693f5_5_0:notes"/>
+          <p:cNvPr id="242" name="Google Shape;242;g35d45f693f5_5_0:notes"/>
           <p:cNvSpPr/>
           <p:nvPr>
             <p:ph idx="2" type="sldImg"/>
@@ -1383,7 +1375,7 @@
       </p:sp>
       <p:sp>
         <p:nvSpPr>
-          <p:cNvPr id="244" name="Google Shape;244;g35d45f693f5_5_0:notes"/>
+          <p:cNvPr id="243" name="Google Shape;243;g35d45f693f5_5_0:notes"/>
           <p:cNvSpPr txBox="1"/>
           <p:nvPr>
             <p:ph idx="1" type="body"/>
@@ -1447,7 +1439,7 @@
       </p:grpSpPr>
       <p:sp>
         <p:nvSpPr>
-          <p:cNvPr id="251" name="Google Shape;251;g35d45f693f5_5_8:notes"/>
+          <p:cNvPr id="251" name="Google Shape;251;g35d45f693f5_7_8:notes"/>
           <p:cNvSpPr/>
           <p:nvPr>
             <p:ph idx="2" type="sldImg"/>
@@ -1482,7 +1474,7 @@
       </p:sp>
       <p:sp>
         <p:nvSpPr>
-          <p:cNvPr id="252" name="Google Shape;252;g35d45f693f5_5_8:notes"/>
+          <p:cNvPr id="252" name="Google Shape;252;g35d45f693f5_7_8:notes"/>
           <p:cNvSpPr txBox="1"/>
           <p:nvPr>
             <p:ph idx="1" type="body"/>
@@ -1546,7 +1538,7 @@
       </p:grpSpPr>
       <p:sp>
         <p:nvSpPr>
-          <p:cNvPr id="259" name="Google Shape;259;g35d45f693f5_7_8:notes"/>
+          <p:cNvPr id="259" name="Google Shape;259;g35d45f693f5_7_30:notes"/>
           <p:cNvSpPr/>
           <p:nvPr>
             <p:ph idx="2" type="sldImg"/>
@@ -1581,7 +1573,7 @@
       </p:sp>
       <p:sp>
         <p:nvSpPr>
-          <p:cNvPr id="260" name="Google Shape;260;g35d45f693f5_7_8:notes"/>
+          <p:cNvPr id="260" name="Google Shape;260;g35d45f693f5_7_30:notes"/>
           <p:cNvSpPr txBox="1"/>
           <p:nvPr>
             <p:ph idx="1" type="body"/>
@@ -1631,7 +1623,7 @@
   <p:cSld>
     <p:spTree>
       <p:nvGrpSpPr>
-        <p:cNvPr id="266" name="Shape 266"/>
+        <p:cNvPr id="267" name="Shape 267"/>
         <p:cNvGrpSpPr/>
         <p:nvPr/>
       </p:nvGrpSpPr>
@@ -1645,7 +1637,7 @@
       </p:grpSpPr>
       <p:sp>
         <p:nvSpPr>
-          <p:cNvPr id="267" name="Google Shape;267;g35d45f693f5_7_30:notes"/>
+          <p:cNvPr id="268" name="Google Shape;268;g35d45f693f5_8_9:notes"/>
           <p:cNvSpPr/>
           <p:nvPr>
             <p:ph idx="2" type="sldImg"/>
@@ -1680,7 +1672,7 @@
       </p:sp>
       <p:sp>
         <p:nvSpPr>
-          <p:cNvPr id="268" name="Google Shape;268;g35d45f693f5_7_30:notes"/>
+          <p:cNvPr id="269" name="Google Shape;269;g35d45f693f5_8_9:notes"/>
           <p:cNvSpPr txBox="1"/>
           <p:nvPr>
             <p:ph idx="1" type="body"/>
@@ -1744,7 +1736,7 @@
       </p:grpSpPr>
       <p:sp>
         <p:nvSpPr>
-          <p:cNvPr id="276" name="Google Shape;276;g35d45f693f5_8_9:notes"/>
+          <p:cNvPr id="276" name="Google Shape;276;g35d45f693f5_8_25:notes"/>
           <p:cNvSpPr/>
           <p:nvPr>
             <p:ph idx="2" type="sldImg"/>
@@ -1779,7 +1771,7 @@
       </p:sp>
       <p:sp>
         <p:nvSpPr>
-          <p:cNvPr id="277" name="Google Shape;277;g35d45f693f5_8_9:notes"/>
+          <p:cNvPr id="277" name="Google Shape;277;g35d45f693f5_8_25:notes"/>
           <p:cNvSpPr txBox="1"/>
           <p:nvPr>
             <p:ph idx="1" type="body"/>
@@ -1942,7 +1934,7 @@
       </p:grpSpPr>
       <p:sp>
         <p:nvSpPr>
-          <p:cNvPr id="284" name="Google Shape;284;g35d45f693f5_8_25:notes"/>
+          <p:cNvPr id="284" name="Google Shape;284;g35d45f693f5_8_17:notes"/>
           <p:cNvSpPr/>
           <p:nvPr>
             <p:ph idx="2" type="sldImg"/>
@@ -1977,7 +1969,7 @@
       </p:sp>
       <p:sp>
         <p:nvSpPr>
-          <p:cNvPr id="285" name="Google Shape;285;g35d45f693f5_8_25:notes"/>
+          <p:cNvPr id="285" name="Google Shape;285;g35d45f693f5_8_17:notes"/>
           <p:cNvSpPr txBox="1"/>
           <p:nvPr>
             <p:ph idx="1" type="body"/>
@@ -2041,7 +2033,7 @@
       </p:grpSpPr>
       <p:sp>
         <p:nvSpPr>
-          <p:cNvPr id="292" name="Google Shape;292;g35d45f693f5_8_17:notes"/>
+          <p:cNvPr id="292" name="Google Shape;292;g35d45f693f5_8_33:notes"/>
           <p:cNvSpPr/>
           <p:nvPr>
             <p:ph idx="2" type="sldImg"/>
@@ -2076,7 +2068,7 @@
       </p:sp>
       <p:sp>
         <p:nvSpPr>
-          <p:cNvPr id="293" name="Google Shape;293;g35d45f693f5_8_17:notes"/>
+          <p:cNvPr id="293" name="Google Shape;293;g35d45f693f5_8_33:notes"/>
           <p:cNvSpPr txBox="1"/>
           <p:nvPr>
             <p:ph idx="1" type="body"/>
@@ -2126,7 +2118,7 @@
   <p:cSld>
     <p:spTree>
       <p:nvGrpSpPr>
-        <p:cNvPr id="299" name="Shape 299"/>
+        <p:cNvPr id="300" name="Shape 300"/>
         <p:cNvGrpSpPr/>
         <p:nvPr/>
       </p:nvGrpSpPr>
@@ -2140,7 +2132,7 @@
       </p:grpSpPr>
       <p:sp>
         <p:nvSpPr>
-          <p:cNvPr id="300" name="Google Shape;300;g35d45f693f5_8_33:notes"/>
+          <p:cNvPr id="301" name="Google Shape;301;g35d45f693f5_9_0:notes"/>
           <p:cNvSpPr/>
           <p:nvPr>
             <p:ph idx="2" type="sldImg"/>
@@ -2175,7 +2167,7 @@
       </p:sp>
       <p:sp>
         <p:nvSpPr>
-          <p:cNvPr id="301" name="Google Shape;301;g35d45f693f5_8_33:notes"/>
+          <p:cNvPr id="302" name="Google Shape;302;g35d45f693f5_9_0:notes"/>
           <p:cNvSpPr txBox="1"/>
           <p:nvPr>
             <p:ph idx="1" type="body"/>
@@ -2239,7 +2231,7 @@
       </p:grpSpPr>
       <p:sp>
         <p:nvSpPr>
-          <p:cNvPr id="309" name="Google Shape;309;g35d45f693f5_9_0:notes"/>
+          <p:cNvPr id="309" name="Google Shape;309;g35e5b9448b4_1_0:notes"/>
           <p:cNvSpPr/>
           <p:nvPr>
             <p:ph idx="2" type="sldImg"/>
@@ -2274,7 +2266,7 @@
       </p:sp>
       <p:sp>
         <p:nvSpPr>
-          <p:cNvPr id="310" name="Google Shape;310;g35d45f693f5_9_0:notes"/>
+          <p:cNvPr id="310" name="Google Shape;310;g35e5b9448b4_1_0:notes"/>
           <p:cNvSpPr txBox="1"/>
           <p:nvPr>
             <p:ph idx="1" type="body"/>
@@ -2338,7 +2330,7 @@
       </p:grpSpPr>
       <p:sp>
         <p:nvSpPr>
-          <p:cNvPr id="317" name="Google Shape;317;g35e5b9448b4_1_0:notes"/>
+          <p:cNvPr id="317" name="Google Shape;317;g35d45f693f5_9_16:notes"/>
           <p:cNvSpPr/>
           <p:nvPr>
             <p:ph idx="2" type="sldImg"/>
@@ -2373,7 +2365,7 @@
       </p:sp>
       <p:sp>
         <p:nvSpPr>
-          <p:cNvPr id="318" name="Google Shape;318;g35e5b9448b4_1_0:notes"/>
+          <p:cNvPr id="318" name="Google Shape;318;g35d45f693f5_9_16:notes"/>
           <p:cNvSpPr txBox="1"/>
           <p:nvPr>
             <p:ph idx="1" type="body"/>
@@ -2423,7 +2415,7 @@
   <p:cSld>
     <p:spTree>
       <p:nvGrpSpPr>
-        <p:cNvPr id="324" name="Shape 324"/>
+        <p:cNvPr id="325" name="Shape 325"/>
         <p:cNvGrpSpPr/>
         <p:nvPr/>
       </p:nvGrpSpPr>
@@ -2437,7 +2429,7 @@
       </p:grpSpPr>
       <p:sp>
         <p:nvSpPr>
-          <p:cNvPr id="325" name="Google Shape;325;g35d45f693f5_9_16:notes"/>
+          <p:cNvPr id="326" name="Google Shape;326;g35d45f693f5_9_23:notes"/>
           <p:cNvSpPr/>
           <p:nvPr>
             <p:ph idx="2" type="sldImg"/>
@@ -2472,7 +2464,7 @@
       </p:sp>
       <p:sp>
         <p:nvSpPr>
-          <p:cNvPr id="326" name="Google Shape;326;g35d45f693f5_9_16:notes"/>
+          <p:cNvPr id="327" name="Google Shape;327;g35d45f693f5_9_23:notes"/>
           <p:cNvSpPr txBox="1"/>
           <p:nvPr>
             <p:ph idx="1" type="body"/>
@@ -2522,7 +2514,7 @@
   <p:cSld>
     <p:spTree>
       <p:nvGrpSpPr>
-        <p:cNvPr id="333" name="Shape 333"/>
+        <p:cNvPr id="334" name="Shape 334"/>
         <p:cNvGrpSpPr/>
         <p:nvPr/>
       </p:nvGrpSpPr>
@@ -2536,7 +2528,7 @@
       </p:grpSpPr>
       <p:sp>
         <p:nvSpPr>
-          <p:cNvPr id="334" name="Google Shape;334;g35d45f693f5_9_23:notes"/>
+          <p:cNvPr id="335" name="Google Shape;335;g35fd8960f65_0_46:notes"/>
           <p:cNvSpPr/>
           <p:nvPr>
             <p:ph idx="2" type="sldImg"/>
@@ -2571,106 +2563,7 @@
       </p:sp>
       <p:sp>
         <p:nvSpPr>
-          <p:cNvPr id="335" name="Google Shape;335;g35d45f693f5_9_23:notes"/>
-          <p:cNvSpPr txBox="1"/>
-          <p:nvPr>
-            <p:ph idx="1" type="body"/>
-          </p:nvPr>
-        </p:nvSpPr>
-        <p:spPr>
-          <a:xfrm>
-            <a:off x="685800" y="4343400"/>
-            <a:ext cx="5486400" cy="4114800"/>
-          </a:xfrm>
-          <a:prstGeom prst="rect">
-            <a:avLst/>
-          </a:prstGeom>
-        </p:spPr>
-        <p:txBody>
-          <a:bodyPr anchorCtr="0" anchor="t" bIns="91425" lIns="91425" spcFirstLastPara="1" rIns="91425" wrap="square" tIns="91425">
-            <a:noAutofit/>
-          </a:bodyPr>
-          <a:lstStyle/>
-          <a:p>
-            <a:pPr indent="0" lvl="0" marL="0" rtl="0" algn="l">
-              <a:spcBef>
-                <a:spcPts val="0"/>
-              </a:spcBef>
-              <a:spcAft>
-                <a:spcPts val="0"/>
-              </a:spcAft>
-              <a:buNone/>
-            </a:pPr>
-            <a:r>
-              <a:t/>
-            </a:r>
-            <a:endParaRPr/>
-          </a:p>
-        </p:txBody>
-      </p:sp>
-    </p:spTree>
-  </p:cSld>
-  <p:clrMapOvr>
-    <a:masterClrMapping/>
-  </p:clrMapOvr>
-</p:notes>
-</file>
-
-<file path=ppt/notesSlides/notesSlide27.xml><?xml version="1.0" encoding="utf-8"?>
-<p:notes xmlns:a="http://schemas.openxmlformats.org/drawingml/2006/main" xmlns:r="http://schemas.openxmlformats.org/officeDocument/2006/relationships" xmlns:mc="http://schemas.openxmlformats.org/markup-compatibility/2006" xmlns:mv="urn:schemas-microsoft-com:mac:vml" xmlns:p="http://schemas.openxmlformats.org/presentationml/2006/main" xmlns:c="http://schemas.openxmlformats.org/drawingml/2006/chart" xmlns:dgm="http://schemas.openxmlformats.org/drawingml/2006/diagram" xmlns:o="urn:schemas-microsoft-com:office:office" xmlns:v="urn:schemas-microsoft-com:vml" xmlns:pvml="urn:schemas-microsoft-com:office:powerpoint" xmlns:com="http://schemas.openxmlformats.org/drawingml/2006/compatibility" xmlns:p14="http://schemas.microsoft.com/office/powerpoint/2010/main" xmlns:p15="http://schemas.microsoft.com/office/powerpoint/2012/main" xmlns:ahyp="http://schemas.microsoft.com/office/drawing/2018/hyperlinkcolor" showMasterPhAnim="0" showMasterSp="0">
-  <p:cSld>
-    <p:spTree>
-      <p:nvGrpSpPr>
-        <p:cNvPr id="342" name="Shape 342"/>
-        <p:cNvGrpSpPr/>
-        <p:nvPr/>
-      </p:nvGrpSpPr>
-      <p:grpSpPr>
-        <a:xfrm>
-          <a:off x="0" y="0"/>
-          <a:ext cx="0" cy="0"/>
-          <a:chOff x="0" y="0"/>
-          <a:chExt cx="0" cy="0"/>
-        </a:xfrm>
-      </p:grpSpPr>
-      <p:sp>
-        <p:nvSpPr>
-          <p:cNvPr id="343" name="Google Shape;343;g35fd8960f65_0_46:notes"/>
-          <p:cNvSpPr/>
-          <p:nvPr>
-            <p:ph idx="2" type="sldImg"/>
-          </p:nvPr>
-        </p:nvSpPr>
-        <p:spPr>
-          <a:xfrm>
-            <a:off x="381300" y="685800"/>
-            <a:ext cx="6096000" cy="3429000"/>
-          </a:xfrm>
-          <a:custGeom>
-            <a:rect b="b" l="l" r="r" t="t"/>
-            <a:pathLst>
-              <a:path extrusionOk="0" h="120000" w="120000">
-                <a:moveTo>
-                  <a:pt x="0" y="0"/>
-                </a:moveTo>
-                <a:lnTo>
-                  <a:pt x="120000" y="0"/>
-                </a:lnTo>
-                <a:lnTo>
-                  <a:pt x="120000" y="120000"/>
-                </a:lnTo>
-                <a:lnTo>
-                  <a:pt x="0" y="120000"/>
-                </a:lnTo>
-                <a:close/>
-              </a:path>
-            </a:pathLst>
-          </a:custGeom>
-        </p:spPr>
-      </p:sp>
-      <p:sp>
-        <p:nvSpPr>
-          <p:cNvPr id="344" name="Google Shape;344;g35fd8960f65_0_46:notes"/>
+          <p:cNvPr id="336" name="Google Shape;336;g35fd8960f65_0_46:notes"/>
           <p:cNvSpPr txBox="1"/>
           <p:nvPr>
             <p:ph idx="1" type="body"/>
@@ -3116,7 +3009,7 @@
   <p:cSld>
     <p:spTree>
       <p:nvGrpSpPr>
-        <p:cNvPr id="170" name="Shape 170"/>
+        <p:cNvPr id="169" name="Shape 169"/>
         <p:cNvGrpSpPr/>
         <p:nvPr/>
       </p:nvGrpSpPr>
@@ -3130,7 +3023,7 @@
       </p:grpSpPr>
       <p:sp>
         <p:nvSpPr>
-          <p:cNvPr id="171" name="Google Shape;171;g35d45f693f5_0_0:notes"/>
+          <p:cNvPr id="170" name="Google Shape;170;g35d45f693f5_0_0:notes"/>
           <p:cNvSpPr/>
           <p:nvPr>
             <p:ph idx="2" type="sldImg"/>
@@ -3165,7 +3058,7 @@
       </p:sp>
       <p:sp>
         <p:nvSpPr>
-          <p:cNvPr id="172" name="Google Shape;172;g35d45f693f5_0_0:notes"/>
+          <p:cNvPr id="171" name="Google Shape;171;g35d45f693f5_0_0:notes"/>
           <p:cNvSpPr txBox="1"/>
           <p:nvPr>
             <p:ph idx="1" type="body"/>
@@ -3215,7 +3108,7 @@
   <p:cSld>
     <p:spTree>
       <p:nvGrpSpPr>
-        <p:cNvPr id="179" name="Shape 179"/>
+        <p:cNvPr id="178" name="Shape 178"/>
         <p:cNvGrpSpPr/>
         <p:nvPr/>
       </p:nvGrpSpPr>
@@ -3229,7 +3122,7 @@
       </p:grpSpPr>
       <p:sp>
         <p:nvSpPr>
-          <p:cNvPr id="180" name="Google Shape;180;g35d45f693f5_0_135:notes"/>
+          <p:cNvPr id="179" name="Google Shape;179;g35d45f693f5_0_135:notes"/>
           <p:cNvSpPr/>
           <p:nvPr>
             <p:ph idx="2" type="sldImg"/>
@@ -3264,7 +3157,7 @@
       </p:sp>
       <p:sp>
         <p:nvSpPr>
-          <p:cNvPr id="181" name="Google Shape;181;g35d45f693f5_0_135:notes"/>
+          <p:cNvPr id="180" name="Google Shape;180;g35d45f693f5_0_135:notes"/>
           <p:cNvSpPr txBox="1"/>
           <p:nvPr>
             <p:ph idx="1" type="body"/>
@@ -3314,7 +3207,7 @@
   <p:cSld>
     <p:spTree>
       <p:nvGrpSpPr>
-        <p:cNvPr id="188" name="Shape 188"/>
+        <p:cNvPr id="187" name="Shape 187"/>
         <p:cNvGrpSpPr/>
         <p:nvPr/>
       </p:nvGrpSpPr>
@@ -3328,7 +3221,7 @@
       </p:grpSpPr>
       <p:sp>
         <p:nvSpPr>
-          <p:cNvPr id="189" name="Google Shape;189;g35d45f693f5_0_166:notes"/>
+          <p:cNvPr id="188" name="Google Shape;188;g35d45f693f5_0_166:notes"/>
           <p:cNvSpPr/>
           <p:nvPr>
             <p:ph idx="2" type="sldImg"/>
@@ -3363,7 +3256,7 @@
       </p:sp>
       <p:sp>
         <p:nvSpPr>
-          <p:cNvPr id="190" name="Google Shape;190;g35d45f693f5_0_166:notes"/>
+          <p:cNvPr id="189" name="Google Shape;189;g35d45f693f5_0_166:notes"/>
           <p:cNvSpPr txBox="1"/>
           <p:nvPr>
             <p:ph idx="1" type="body"/>
@@ -11729,7 +11622,7 @@
   <p:cSld>
     <p:spTree>
       <p:nvGrpSpPr>
-        <p:cNvPr id="200" name="Shape 200"/>
+        <p:cNvPr id="199" name="Shape 199"/>
         <p:cNvGrpSpPr/>
         <p:nvPr/>
       </p:nvGrpSpPr>
@@ -11743,7 +11636,7 @@
       </p:grpSpPr>
       <p:sp>
         <p:nvSpPr>
-          <p:cNvPr id="201" name="Google Shape;201;p22"/>
+          <p:cNvPr id="200" name="Google Shape;200;p22"/>
           <p:cNvSpPr txBox="1"/>
           <p:nvPr>
             <p:ph type="title"/>
@@ -11783,7 +11676,7 @@
       </p:sp>
       <p:sp>
         <p:nvSpPr>
-          <p:cNvPr id="202" name="Google Shape;202;p22"/>
+          <p:cNvPr id="201" name="Google Shape;201;p22"/>
           <p:cNvSpPr txBox="1"/>
           <p:nvPr>
             <p:ph idx="1" type="body"/>
@@ -11822,7 +11715,7 @@
       </p:sp>
       <p:sp>
         <p:nvSpPr>
-          <p:cNvPr id="203" name="Google Shape;203;p22"/>
+          <p:cNvPr id="202" name="Google Shape;202;p22"/>
           <p:cNvSpPr txBox="1"/>
           <p:nvPr>
             <p:ph idx="2" type="body"/>
@@ -11861,7 +11754,7 @@
       </p:sp>
       <p:pic>
         <p:nvPicPr>
-          <p:cNvPr id="204" name="Google Shape;204;p22"/>
+          <p:cNvPr id="203" name="Google Shape;203;p22"/>
           <p:cNvPicPr preferRelativeResize="0"/>
           <p:nvPr/>
         </p:nvPicPr>
@@ -11889,7 +11782,7 @@
       </p:pic>
       <p:pic>
         <p:nvPicPr>
-          <p:cNvPr id="205" name="Google Shape;205;p22"/>
+          <p:cNvPr id="204" name="Google Shape;204;p22"/>
           <p:cNvPicPr preferRelativeResize="0"/>
           <p:nvPr/>
         </p:nvPicPr>
@@ -11917,7 +11810,7 @@
       </p:pic>
       <p:pic>
         <p:nvPicPr>
-          <p:cNvPr id="206" name="Google Shape;206;p22"/>
+          <p:cNvPr id="205" name="Google Shape;205;p22"/>
           <p:cNvPicPr preferRelativeResize="0"/>
           <p:nvPr/>
         </p:nvPicPr>
@@ -11956,7 +11849,7 @@
   <p:cSld>
     <p:spTree>
       <p:nvGrpSpPr>
-        <p:cNvPr id="210" name="Shape 210"/>
+        <p:cNvPr id="209" name="Shape 209"/>
         <p:cNvGrpSpPr/>
         <p:nvPr/>
       </p:nvGrpSpPr>
@@ -11970,7 +11863,7 @@
       </p:grpSpPr>
       <p:sp>
         <p:nvSpPr>
-          <p:cNvPr id="211" name="Google Shape;211;p23"/>
+          <p:cNvPr id="210" name="Google Shape;210;p23"/>
           <p:cNvSpPr txBox="1"/>
           <p:nvPr>
             <p:ph type="title"/>
@@ -12014,7 +11907,7 @@
       </p:sp>
       <p:sp>
         <p:nvSpPr>
-          <p:cNvPr id="212" name="Google Shape;212;p23"/>
+          <p:cNvPr id="211" name="Google Shape;211;p23"/>
           <p:cNvSpPr txBox="1"/>
           <p:nvPr>
             <p:ph idx="1" type="body"/>
@@ -12053,7 +11946,7 @@
       </p:sp>
       <p:sp>
         <p:nvSpPr>
-          <p:cNvPr id="213" name="Google Shape;213;p23"/>
+          <p:cNvPr id="212" name="Google Shape;212;p23"/>
           <p:cNvSpPr txBox="1"/>
           <p:nvPr>
             <p:ph idx="2" type="body"/>
@@ -12092,7 +11985,7 @@
       </p:sp>
       <p:pic>
         <p:nvPicPr>
-          <p:cNvPr id="214" name="Google Shape;214;p23" title="螢幕擷取畫面 2025-05-26 162545.png"/>
+          <p:cNvPr id="213" name="Google Shape;213;p23" title="螢幕擷取畫面 2025-05-26 162545.png"/>
           <p:cNvPicPr preferRelativeResize="0"/>
           <p:nvPr/>
         </p:nvPicPr>
@@ -12130,7 +12023,7 @@
   <p:cSld>
     <p:spTree>
       <p:nvGrpSpPr>
-        <p:cNvPr id="218" name="Shape 218"/>
+        <p:cNvPr id="217" name="Shape 217"/>
         <p:cNvGrpSpPr/>
         <p:nvPr/>
       </p:nvGrpSpPr>
@@ -12144,7 +12037,7 @@
       </p:grpSpPr>
       <p:sp>
         <p:nvSpPr>
-          <p:cNvPr id="219" name="Google Shape;219;p24"/>
+          <p:cNvPr id="218" name="Google Shape;218;p24"/>
           <p:cNvSpPr txBox="1"/>
           <p:nvPr>
             <p:ph type="title"/>
@@ -12188,7 +12081,7 @@
       </p:sp>
       <p:sp>
         <p:nvSpPr>
-          <p:cNvPr id="220" name="Google Shape;220;p24"/>
+          <p:cNvPr id="219" name="Google Shape;219;p24"/>
           <p:cNvSpPr txBox="1"/>
           <p:nvPr>
             <p:ph idx="1" type="body"/>
@@ -12227,7 +12120,7 @@
       </p:sp>
       <p:sp>
         <p:nvSpPr>
-          <p:cNvPr id="221" name="Google Shape;221;p24"/>
+          <p:cNvPr id="220" name="Google Shape;220;p24"/>
           <p:cNvSpPr txBox="1"/>
           <p:nvPr>
             <p:ph idx="2" type="body"/>
@@ -12266,7 +12159,7 @@
       </p:sp>
       <p:pic>
         <p:nvPicPr>
-          <p:cNvPr id="222" name="Google Shape;222;p24" title="螢幕擷取畫面 2025-05-26 162545.png"/>
+          <p:cNvPr id="221" name="Google Shape;221;p24" title="螢幕擷取畫面 2025-05-26 162545.png"/>
           <p:cNvPicPr preferRelativeResize="0"/>
           <p:nvPr/>
         </p:nvPicPr>
@@ -12293,7 +12186,7 @@
       </p:pic>
       <p:pic>
         <p:nvPicPr>
-          <p:cNvPr id="223" name="Google Shape;223;p24"/>
+          <p:cNvPr id="222" name="Google Shape;222;p24"/>
           <p:cNvPicPr preferRelativeResize="0"/>
           <p:nvPr/>
         </p:nvPicPr>
@@ -12332,7 +12225,7 @@
   <p:cSld>
     <p:spTree>
       <p:nvGrpSpPr>
-        <p:cNvPr id="227" name="Shape 227"/>
+        <p:cNvPr id="226" name="Shape 226"/>
         <p:cNvGrpSpPr/>
         <p:nvPr/>
       </p:nvGrpSpPr>
@@ -12346,7 +12239,7 @@
       </p:grpSpPr>
       <p:sp>
         <p:nvSpPr>
-          <p:cNvPr id="228" name="Google Shape;228;p25"/>
+          <p:cNvPr id="227" name="Google Shape;227;p25"/>
           <p:cNvSpPr txBox="1"/>
           <p:nvPr>
             <p:ph type="title"/>
@@ -12386,7 +12279,7 @@
       </p:sp>
       <p:sp>
         <p:nvSpPr>
-          <p:cNvPr id="229" name="Google Shape;229;p25"/>
+          <p:cNvPr id="228" name="Google Shape;228;p25"/>
           <p:cNvSpPr txBox="1"/>
           <p:nvPr>
             <p:ph idx="1" type="body"/>
@@ -12425,7 +12318,7 @@
       </p:sp>
       <p:sp>
         <p:nvSpPr>
-          <p:cNvPr id="230" name="Google Shape;230;p25"/>
+          <p:cNvPr id="229" name="Google Shape;229;p25"/>
           <p:cNvSpPr txBox="1"/>
           <p:nvPr>
             <p:ph idx="2" type="body"/>
@@ -12464,7 +12357,7 @@
       </p:sp>
       <p:pic>
         <p:nvPicPr>
-          <p:cNvPr id="231" name="Google Shape;231;p25" title="螢幕擷取畫面 2025-05-26 162545.png"/>
+          <p:cNvPr id="230" name="Google Shape;230;p25" title="螢幕擷取畫面 2025-05-26 162545.png"/>
           <p:cNvPicPr preferRelativeResize="0"/>
           <p:nvPr/>
         </p:nvPicPr>
@@ -12491,7 +12384,7 @@
       </p:pic>
       <p:pic>
         <p:nvPicPr>
-          <p:cNvPr id="232" name="Google Shape;232;p25" title="螢幕擷取畫面 2025-05-26 162545.png"/>
+          <p:cNvPr id="231" name="Google Shape;231;p25" title="螢幕擷取畫面 2025-05-26 162545.png"/>
           <p:cNvPicPr preferRelativeResize="0"/>
           <p:nvPr/>
         </p:nvPicPr>
@@ -12529,7 +12422,7 @@
   <p:cSld>
     <p:spTree>
       <p:nvGrpSpPr>
-        <p:cNvPr id="236" name="Shape 236"/>
+        <p:cNvPr id="235" name="Shape 235"/>
         <p:cNvGrpSpPr/>
         <p:nvPr/>
       </p:nvGrpSpPr>
@@ -12543,7 +12436,7 @@
       </p:grpSpPr>
       <p:sp>
         <p:nvSpPr>
-          <p:cNvPr id="237" name="Google Shape;237;p26"/>
+          <p:cNvPr id="236" name="Google Shape;236;p26"/>
           <p:cNvSpPr txBox="1"/>
           <p:nvPr>
             <p:ph type="title"/>
@@ -12583,7 +12476,7 @@
       </p:sp>
       <p:sp>
         <p:nvSpPr>
-          <p:cNvPr id="238" name="Google Shape;238;p26"/>
+          <p:cNvPr id="237" name="Google Shape;237;p26"/>
           <p:cNvSpPr txBox="1"/>
           <p:nvPr>
             <p:ph idx="1" type="body"/>
@@ -12622,7 +12515,7 @@
       </p:sp>
       <p:sp>
         <p:nvSpPr>
-          <p:cNvPr id="239" name="Google Shape;239;p26"/>
+          <p:cNvPr id="238" name="Google Shape;238;p26"/>
           <p:cNvSpPr txBox="1"/>
           <p:nvPr>
             <p:ph idx="2" type="body"/>
@@ -12661,7 +12554,7 @@
       </p:sp>
       <p:pic>
         <p:nvPicPr>
-          <p:cNvPr id="240" name="Google Shape;240;p26" title="螢幕擷取畫面 2025-05-26 162545.png"/>
+          <p:cNvPr id="239" name="Google Shape;239;p26" title="螢幕擷取畫面 2025-05-26 162545.png"/>
           <p:cNvPicPr preferRelativeResize="0"/>
           <p:nvPr/>
         </p:nvPicPr>
@@ -12688,7 +12581,7 @@
       </p:pic>
       <p:pic>
         <p:nvPicPr>
-          <p:cNvPr id="241" name="Google Shape;241;p26" title="螢幕擷取畫面 2025-05-26 162545.png"/>
+          <p:cNvPr id="240" name="Google Shape;240;p26" title="螢幕擷取畫面 2025-05-26 162545.png"/>
           <p:cNvPicPr preferRelativeResize="0"/>
           <p:nvPr/>
         </p:nvPicPr>
@@ -12726,7 +12619,7 @@
   <p:cSld>
     <p:spTree>
       <p:nvGrpSpPr>
-        <p:cNvPr id="245" name="Shape 245"/>
+        <p:cNvPr id="244" name="Shape 244"/>
         <p:cNvGrpSpPr/>
         <p:nvPr/>
       </p:nvGrpSpPr>
@@ -12740,7 +12633,7 @@
       </p:grpSpPr>
       <p:sp>
         <p:nvSpPr>
-          <p:cNvPr id="246" name="Google Shape;246;p27"/>
+          <p:cNvPr id="245" name="Google Shape;245;p27"/>
           <p:cNvSpPr txBox="1"/>
           <p:nvPr>
             <p:ph type="title"/>
@@ -12780,7 +12673,7 @@
       </p:sp>
       <p:sp>
         <p:nvSpPr>
-          <p:cNvPr id="247" name="Google Shape;247;p27"/>
+          <p:cNvPr id="246" name="Google Shape;246;p27"/>
           <p:cNvSpPr txBox="1"/>
           <p:nvPr>
             <p:ph idx="1" type="body"/>
@@ -12819,7 +12712,7 @@
       </p:sp>
       <p:sp>
         <p:nvSpPr>
-          <p:cNvPr id="248" name="Google Shape;248;p27"/>
+          <p:cNvPr id="247" name="Google Shape;247;p27"/>
           <p:cNvSpPr txBox="1"/>
           <p:nvPr>
             <p:ph idx="2" type="body"/>
@@ -12858,7 +12751,7 @@
       </p:sp>
       <p:pic>
         <p:nvPicPr>
-          <p:cNvPr id="249" name="Google Shape;249;p27" title="螢幕擷取畫面 2025-05-26 162545.png"/>
+          <p:cNvPr id="248" name="Google Shape;248;p27" title="螢幕擷取畫面 2025-05-26 162545.png"/>
           <p:cNvPicPr preferRelativeResize="0"/>
           <p:nvPr/>
         </p:nvPicPr>
@@ -12873,6 +12766,34 @@
           <a:xfrm>
             <a:off x="1054350" y="1022400"/>
             <a:ext cx="5991424" cy="4121100"/>
+          </a:xfrm>
+          <a:prstGeom prst="rect">
+            <a:avLst/>
+          </a:prstGeom>
+          <a:noFill/>
+          <a:ln>
+            <a:noFill/>
+          </a:ln>
+        </p:spPr>
+      </p:pic>
+      <p:pic>
+        <p:nvPicPr>
+          <p:cNvPr id="249" name="Google Shape;249;p27"/>
+          <p:cNvPicPr preferRelativeResize="0"/>
+          <p:nvPr/>
+        </p:nvPicPr>
+        <p:blipFill>
+          <a:blip r:embed="rId4">
+            <a:alphaModFix/>
+          </a:blip>
+          <a:stretch>
+            <a:fillRect/>
+          </a:stretch>
+        </p:blipFill>
+        <p:spPr>
+          <a:xfrm>
+            <a:off x="1054350" y="1040568"/>
+            <a:ext cx="5991426" cy="4084757"/>
           </a:xfrm>
           <a:prstGeom prst="rect">
             <a:avLst/>
@@ -12942,7 +12863,7 @@
             </a:pPr>
             <a:r>
               <a:rPr lang="zh-TW"/>
-              <a:t>限制傳送文字字數</a:t>
+              <a:t>表情選單及傳送</a:t>
             </a:r>
             <a:endParaRPr/>
           </a:p>
@@ -13028,21 +12949,22 @@
       </p:sp>
       <p:pic>
         <p:nvPicPr>
-          <p:cNvPr id="257" name="Google Shape;257;p28" title="螢幕擷取畫面 2025-05-26 162545.png"/>
+          <p:cNvPr id="257" name="Google Shape;257;p28"/>
           <p:cNvPicPr preferRelativeResize="0"/>
           <p:nvPr/>
         </p:nvPicPr>
-        <p:blipFill rotWithShape="1">
+        <p:blipFill>
           <a:blip r:embed="rId3">
             <a:alphaModFix/>
           </a:blip>
-          <a:srcRect b="0" l="308" r="308" t="0"/>
-          <a:stretch/>
+          <a:stretch>
+            <a:fillRect/>
+          </a:stretch>
         </p:blipFill>
         <p:spPr>
           <a:xfrm>
-            <a:off x="1081550" y="1014550"/>
-            <a:ext cx="6002824" cy="4128949"/>
+            <a:off x="1077274" y="900525"/>
+            <a:ext cx="5902326" cy="4245250"/>
           </a:xfrm>
           <a:prstGeom prst="rect">
             <a:avLst/>
@@ -13112,7 +13034,7 @@
             </a:pPr>
             <a:r>
               <a:rPr lang="zh-TW"/>
-              <a:t>表情選單及傳送</a:t>
+              <a:t>清除聊天室</a:t>
             </a:r>
             <a:endParaRPr/>
           </a:p>
@@ -13128,7 +13050,7 @@
         </p:nvSpPr>
         <p:spPr>
           <a:xfrm>
-            <a:off x="1297500" y="1567550"/>
+            <a:off x="109950" y="1465300"/>
             <a:ext cx="3403200" cy="2911200"/>
           </a:xfrm>
           <a:prstGeom prst="rect">
@@ -13151,7 +13073,8 @@
               <a:buNone/>
             </a:pPr>
             <a:r>
-              <a:t/>
+              <a:rPr lang="zh-TW" sz="1600"/>
+              <a:t>清除前</a:t>
             </a:r>
             <a:endParaRPr sz="1600"/>
           </a:p>
@@ -13167,7 +13090,7 @@
         </p:nvSpPr>
         <p:spPr>
           <a:xfrm>
-            <a:off x="4933221" y="1567550"/>
+            <a:off x="4571996" y="1465300"/>
             <a:ext cx="3403200" cy="2911200"/>
           </a:xfrm>
           <a:prstGeom prst="rect">
@@ -13190,7 +13113,8 @@
               <a:buNone/>
             </a:pPr>
             <a:r>
-              <a:t/>
+              <a:rPr lang="zh-TW" sz="1600"/>
+              <a:t>清除後</a:t>
             </a:r>
             <a:endParaRPr sz="1600"/>
           </a:p>
@@ -13198,22 +13122,48 @@
       </p:sp>
       <p:pic>
         <p:nvPicPr>
-          <p:cNvPr id="265" name="Google Shape;265;p29"/>
+          <p:cNvPr id="265" name="Google Shape;265;p29" title="螢幕擷取畫面 2025-05-26 162545.png"/>
           <p:cNvPicPr preferRelativeResize="0"/>
           <p:nvPr/>
         </p:nvPicPr>
-        <p:blipFill>
+        <p:blipFill rotWithShape="1">
           <a:blip r:embed="rId3">
             <a:alphaModFix/>
           </a:blip>
-          <a:stretch>
-            <a:fillRect/>
-          </a:stretch>
+          <a:srcRect b="0" l="386" r="386" t="0"/>
+          <a:stretch/>
         </p:blipFill>
         <p:spPr>
           <a:xfrm>
-            <a:off x="1077274" y="900525"/>
-            <a:ext cx="5902326" cy="4245250"/>
+            <a:off x="0" y="1842800"/>
+            <a:ext cx="4557320" cy="3134675"/>
+          </a:xfrm>
+          <a:prstGeom prst="rect">
+            <a:avLst/>
+          </a:prstGeom>
+          <a:noFill/>
+          <a:ln>
+            <a:noFill/>
+          </a:ln>
+        </p:spPr>
+      </p:pic>
+      <p:pic>
+        <p:nvPicPr>
+          <p:cNvPr id="266" name="Google Shape;266;p29" title="螢幕擷取畫面 2025-05-26 162545.png"/>
+          <p:cNvPicPr preferRelativeResize="0"/>
+          <p:nvPr/>
+        </p:nvPicPr>
+        <p:blipFill rotWithShape="1">
+          <a:blip r:embed="rId4">
+            <a:alphaModFix/>
+          </a:blip>
+          <a:srcRect b="406" l="0" r="0" t="416"/>
+          <a:stretch/>
+        </p:blipFill>
+        <p:spPr>
+          <a:xfrm>
+            <a:off x="4522200" y="1842800"/>
+            <a:ext cx="4621801" cy="3134675"/>
           </a:xfrm>
           <a:prstGeom prst="rect">
             <a:avLst/>
@@ -13237,7 +13187,7 @@
   <p:cSld>
     <p:spTree>
       <p:nvGrpSpPr>
-        <p:cNvPr id="269" name="Shape 269"/>
+        <p:cNvPr id="270" name="Shape 270"/>
         <p:cNvGrpSpPr/>
         <p:nvPr/>
       </p:nvGrpSpPr>
@@ -13251,7 +13201,7 @@
       </p:grpSpPr>
       <p:sp>
         <p:nvSpPr>
-          <p:cNvPr id="270" name="Google Shape;270;p30"/>
+          <p:cNvPr id="271" name="Google Shape;271;p30"/>
           <p:cNvSpPr txBox="1"/>
           <p:nvPr>
             <p:ph type="title"/>
@@ -13283,49 +13233,9 @@
             </a:pPr>
             <a:r>
               <a:rPr lang="zh-TW"/>
-              <a:t>清除聊天室</a:t>
+              <a:t>輸入圖片連結視窗</a:t>
             </a:r>
             <a:endParaRPr/>
-          </a:p>
-        </p:txBody>
-      </p:sp>
-      <p:sp>
-        <p:nvSpPr>
-          <p:cNvPr id="271" name="Google Shape;271;p30"/>
-          <p:cNvSpPr txBox="1"/>
-          <p:nvPr>
-            <p:ph idx="1" type="body"/>
-          </p:nvPr>
-        </p:nvSpPr>
-        <p:spPr>
-          <a:xfrm>
-            <a:off x="109950" y="1465300"/>
-            <a:ext cx="3403200" cy="2911200"/>
-          </a:xfrm>
-          <a:prstGeom prst="rect">
-            <a:avLst/>
-          </a:prstGeom>
-        </p:spPr>
-        <p:txBody>
-          <a:bodyPr anchorCtr="0" anchor="t" bIns="91425" lIns="91425" spcFirstLastPara="1" rIns="91425" wrap="square" tIns="91425">
-            <a:normAutofit/>
-          </a:bodyPr>
-          <a:lstStyle/>
-          <a:p>
-            <a:pPr indent="0" lvl="0" marL="0" rtl="0" algn="l">
-              <a:spcBef>
-                <a:spcPts val="0"/>
-              </a:spcBef>
-              <a:spcAft>
-                <a:spcPts val="1200"/>
-              </a:spcAft>
-              <a:buNone/>
-            </a:pPr>
-            <a:r>
-              <a:rPr lang="zh-TW" sz="1600"/>
-              <a:t>清除前</a:t>
-            </a:r>
-            <a:endParaRPr sz="1600"/>
           </a:p>
         </p:txBody>
       </p:sp>
@@ -13334,12 +13244,12 @@
           <p:cNvPr id="272" name="Google Shape;272;p30"/>
           <p:cNvSpPr txBox="1"/>
           <p:nvPr>
-            <p:ph idx="2" type="body"/>
+            <p:ph idx="1" type="body"/>
           </p:nvPr>
         </p:nvSpPr>
         <p:spPr>
           <a:xfrm>
-            <a:off x="4571996" y="1465300"/>
+            <a:off x="1297500" y="1567550"/>
             <a:ext cx="3403200" cy="2911200"/>
           </a:xfrm>
           <a:prstGeom prst="rect">
@@ -13362,8 +13272,46 @@
               <a:buNone/>
             </a:pPr>
             <a:r>
-              <a:rPr lang="zh-TW" sz="1600"/>
-              <a:t>清除後</a:t>
+              <a:t/>
+            </a:r>
+            <a:endParaRPr sz="1600"/>
+          </a:p>
+        </p:txBody>
+      </p:sp>
+      <p:sp>
+        <p:nvSpPr>
+          <p:cNvPr id="273" name="Google Shape;273;p30"/>
+          <p:cNvSpPr txBox="1"/>
+          <p:nvPr>
+            <p:ph idx="2" type="body"/>
+          </p:nvPr>
+        </p:nvSpPr>
+        <p:spPr>
+          <a:xfrm>
+            <a:off x="4933221" y="1567550"/>
+            <a:ext cx="3403200" cy="2911200"/>
+          </a:xfrm>
+          <a:prstGeom prst="rect">
+            <a:avLst/>
+          </a:prstGeom>
+        </p:spPr>
+        <p:txBody>
+          <a:bodyPr anchorCtr="0" anchor="t" bIns="91425" lIns="91425" spcFirstLastPara="1" rIns="91425" wrap="square" tIns="91425">
+            <a:normAutofit/>
+          </a:bodyPr>
+          <a:lstStyle/>
+          <a:p>
+            <a:pPr indent="0" lvl="0" marL="0" rtl="0" algn="l">
+              <a:spcBef>
+                <a:spcPts val="0"/>
+              </a:spcBef>
+              <a:spcAft>
+                <a:spcPts val="1200"/>
+              </a:spcAft>
+              <a:buNone/>
+            </a:pPr>
+            <a:r>
+              <a:t/>
             </a:r>
             <a:endParaRPr sz="1600"/>
           </a:p>
@@ -13371,48 +13319,22 @@
       </p:sp>
       <p:pic>
         <p:nvPicPr>
-          <p:cNvPr id="273" name="Google Shape;273;p30" title="螢幕擷取畫面 2025-05-26 162545.png"/>
+          <p:cNvPr id="274" name="Google Shape;274;p30"/>
           <p:cNvPicPr preferRelativeResize="0"/>
           <p:nvPr/>
         </p:nvPicPr>
-        <p:blipFill rotWithShape="1">
+        <p:blipFill>
           <a:blip r:embed="rId3">
             <a:alphaModFix/>
           </a:blip>
-          <a:srcRect b="0" l="386" r="386" t="0"/>
-          <a:stretch/>
+          <a:stretch>
+            <a:fillRect/>
+          </a:stretch>
         </p:blipFill>
         <p:spPr>
           <a:xfrm>
-            <a:off x="0" y="1842800"/>
-            <a:ext cx="4557320" cy="3134675"/>
-          </a:xfrm>
-          <a:prstGeom prst="rect">
-            <a:avLst/>
-          </a:prstGeom>
-          <a:noFill/>
-          <a:ln>
-            <a:noFill/>
-          </a:ln>
-        </p:spPr>
-      </p:pic>
-      <p:pic>
-        <p:nvPicPr>
-          <p:cNvPr id="274" name="Google Shape;274;p30" title="螢幕擷取畫面 2025-05-26 162545.png"/>
-          <p:cNvPicPr preferRelativeResize="0"/>
-          <p:nvPr/>
-        </p:nvPicPr>
-        <p:blipFill rotWithShape="1">
-          <a:blip r:embed="rId4">
-            <a:alphaModFix/>
-          </a:blip>
-          <a:srcRect b="406" l="0" r="0" t="416"/>
-          <a:stretch/>
-        </p:blipFill>
-        <p:spPr>
-          <a:xfrm>
-            <a:off x="4522200" y="1842800"/>
-            <a:ext cx="4621801" cy="3134675"/>
+            <a:off x="1136625" y="865800"/>
+            <a:ext cx="6570751" cy="4277701"/>
           </a:xfrm>
           <a:prstGeom prst="rect">
             <a:avLst/>
@@ -13482,7 +13404,7 @@
             </a:pPr>
             <a:r>
               <a:rPr lang="zh-TW"/>
-              <a:t>輸入圖片連結視窗</a:t>
+              <a:t>連結錯誤提示</a:t>
             </a:r>
             <a:endParaRPr/>
           </a:p>
@@ -13568,22 +13490,21 @@
       </p:sp>
       <p:pic>
         <p:nvPicPr>
-          <p:cNvPr id="282" name="Google Shape;282;p31"/>
+          <p:cNvPr id="282" name="Google Shape;282;p31" title="螢幕擷取畫面 2025-05-26 162545.png"/>
           <p:cNvPicPr preferRelativeResize="0"/>
           <p:nvPr/>
         </p:nvPicPr>
-        <p:blipFill>
+        <p:blipFill rotWithShape="1">
           <a:blip r:embed="rId3">
             <a:alphaModFix/>
           </a:blip>
-          <a:stretch>
-            <a:fillRect/>
-          </a:stretch>
+          <a:srcRect b="0" l="2776" r="2776" t="0"/>
+          <a:stretch/>
         </p:blipFill>
         <p:spPr>
           <a:xfrm>
-            <a:off x="1136625" y="865800"/>
-            <a:ext cx="6570751" cy="4277701"/>
+            <a:off x="1093200" y="921538"/>
+            <a:ext cx="6110849" cy="4203225"/>
           </a:xfrm>
           <a:prstGeom prst="rect">
             <a:avLst/>
@@ -13692,13 +13613,22 @@
               <a:buNone/>
             </a:pPr>
             <a:r>
+              <a:rPr b="1" lang="zh-TW" sz="1600">
+                <a:latin typeface="Arial"/>
+                <a:ea typeface="Arial"/>
+                <a:cs typeface="Arial"/>
+                <a:sym typeface="Arial"/>
+              </a:rPr>
+              <a:t>1.掌握 TCP/IP 通訊</a:t>
+            </a:r>
+            <a:r>
               <a:rPr lang="zh-TW" sz="1600">
                 <a:latin typeface="Arial"/>
                 <a:ea typeface="Arial"/>
                 <a:cs typeface="Arial"/>
                 <a:sym typeface="Arial"/>
               </a:rPr>
-              <a:t>本研究旨在設計與實作一個基於C#語言和Windows Forms介面的PC網路聊天室，採用TCP/IP協定進行通訊 。</a:t>
+              <a:t>：學習 TCP 連線的建立與維持，以及封包交換的實作細節 </a:t>
             </a:r>
             <a:endParaRPr sz="1600">
               <a:latin typeface="Arial"/>
@@ -13713,10 +13643,19 @@
                 <a:spcPts val="1200"/>
               </a:spcBef>
               <a:spcAft>
-                <a:spcPts val="1200"/>
+                <a:spcPts val="0"/>
               </a:spcAft>
               <a:buNone/>
             </a:pPr>
+            <a:r>
+              <a:rPr b="1" lang="zh-TW" sz="1600">
+                <a:latin typeface="Arial"/>
+                <a:ea typeface="Arial"/>
+                <a:cs typeface="Arial"/>
+                <a:sym typeface="Arial"/>
+              </a:rPr>
+              <a:t>2.實作主從式架構</a:t>
+            </a:r>
             <a:r>
               <a:rPr lang="zh-TW" sz="1600">
                 <a:latin typeface="Arial"/>
@@ -13724,7 +13663,97 @@
                 <a:cs typeface="Arial"/>
                 <a:sym typeface="Arial"/>
               </a:rPr>
-              <a:t>核心目標包括深入理解TCP/IP的運作原理（如連線導向、可靠傳輸）、實現客戶端/伺服器（Client/Server）架構、應用多執行緒技術處理併發連線，並開發具備基本聊天功能（如客戶端連線斷線、訊息收發與顯示）的圖形化使用者介面 。</a:t>
+              <a:t>：由一台主機擔任伺服器進行監聽，客戶端與之建立直接連線 </a:t>
+            </a:r>
+            <a:endParaRPr sz="1600">
+              <a:latin typeface="Arial"/>
+              <a:ea typeface="Arial"/>
+              <a:cs typeface="Arial"/>
+              <a:sym typeface="Arial"/>
+            </a:endParaRPr>
+          </a:p>
+          <a:p>
+            <a:pPr indent="0" lvl="0" marL="0" rtl="0" algn="l">
+              <a:spcBef>
+                <a:spcPts val="1200"/>
+              </a:spcBef>
+              <a:spcAft>
+                <a:spcPts val="0"/>
+              </a:spcAft>
+              <a:buNone/>
+            </a:pPr>
+            <a:r>
+              <a:rPr b="1" lang="zh-TW" sz="1600">
+                <a:latin typeface="Arial"/>
+                <a:ea typeface="Arial"/>
+                <a:cs typeface="Arial"/>
+                <a:sym typeface="Arial"/>
+              </a:rPr>
+              <a:t>3.實現圖文即時通訊</a:t>
+            </a:r>
+            <a:r>
+              <a:rPr lang="zh-TW" sz="1600">
+                <a:latin typeface="Arial"/>
+                <a:ea typeface="Arial"/>
+                <a:cs typeface="Arial"/>
+                <a:sym typeface="Arial"/>
+              </a:rPr>
+              <a:t>：開發包含文字、表情符號及圖片傳輸的完整聊天功能 </a:t>
+            </a:r>
+            <a:endParaRPr sz="1600">
+              <a:latin typeface="Arial"/>
+              <a:ea typeface="Arial"/>
+              <a:cs typeface="Arial"/>
+              <a:sym typeface="Arial"/>
+            </a:endParaRPr>
+          </a:p>
+          <a:p>
+            <a:pPr indent="0" lvl="0" marL="0" rtl="0" algn="l">
+              <a:spcBef>
+                <a:spcPts val="1200"/>
+              </a:spcBef>
+              <a:spcAft>
+                <a:spcPts val="0"/>
+              </a:spcAft>
+              <a:buNone/>
+            </a:pPr>
+            <a:r>
+              <a:rPr b="1" lang="zh-TW" sz="1600">
+                <a:latin typeface="Arial"/>
+                <a:ea typeface="Arial"/>
+                <a:cs typeface="Arial"/>
+                <a:sym typeface="Arial"/>
+              </a:rPr>
+              <a:t>4.應用多執行緒技術</a:t>
+            </a:r>
+            <a:r>
+              <a:rPr lang="zh-TW" sz="1600">
+                <a:latin typeface="Arial"/>
+                <a:ea typeface="Arial"/>
+                <a:cs typeface="Arial"/>
+                <a:sym typeface="Arial"/>
+              </a:rPr>
+              <a:t>：確保網路通訊不會造成使用者介面 (UI) 操作的卡頓 </a:t>
+            </a:r>
+            <a:endParaRPr sz="1600">
+              <a:latin typeface="Arial"/>
+              <a:ea typeface="Arial"/>
+              <a:cs typeface="Arial"/>
+              <a:sym typeface="Arial"/>
+            </a:endParaRPr>
+          </a:p>
+          <a:p>
+            <a:pPr indent="0" lvl="0" marL="0" rtl="0" algn="l">
+              <a:spcBef>
+                <a:spcPts val="1200"/>
+              </a:spcBef>
+              <a:spcAft>
+                <a:spcPts val="1200"/>
+              </a:spcAft>
+              <a:buNone/>
+            </a:pPr>
+            <a:r>
+              <a:t/>
             </a:r>
             <a:endParaRPr b="1" sz="1600">
               <a:latin typeface="Arial"/>
@@ -13834,7 +13863,7 @@
             </a:pPr>
             <a:r>
               <a:rPr lang="zh-TW"/>
-              <a:t>連結錯誤提示</a:t>
+              <a:t>預覽即將傳送圖片</a:t>
             </a:r>
             <a:endParaRPr/>
           </a:p>
@@ -13920,21 +13949,22 @@
       </p:sp>
       <p:pic>
         <p:nvPicPr>
-          <p:cNvPr id="290" name="Google Shape;290;p32" title="螢幕擷取畫面 2025-05-26 162545.png"/>
+          <p:cNvPr id="290" name="Google Shape;290;p32"/>
           <p:cNvPicPr preferRelativeResize="0"/>
           <p:nvPr/>
         </p:nvPicPr>
-        <p:blipFill rotWithShape="1">
+        <p:blipFill>
           <a:blip r:embed="rId3">
             <a:alphaModFix/>
           </a:blip>
-          <a:srcRect b="0" l="2776" r="2776" t="0"/>
-          <a:stretch/>
+          <a:stretch>
+            <a:fillRect/>
+          </a:stretch>
         </p:blipFill>
         <p:spPr>
           <a:xfrm>
-            <a:off x="1093200" y="921538"/>
-            <a:ext cx="6110849" cy="4203225"/>
+            <a:off x="1139451" y="909012"/>
+            <a:ext cx="6471826" cy="4228275"/>
           </a:xfrm>
           <a:prstGeom prst="rect">
             <a:avLst/>
@@ -14004,7 +14034,7 @@
             </a:pPr>
             <a:r>
               <a:rPr lang="zh-TW"/>
-              <a:t>預覽即將傳送圖片</a:t>
+              <a:t>傳送圖片成功及接收端畫面</a:t>
             </a:r>
             <a:endParaRPr/>
           </a:p>
@@ -14090,22 +14120,48 @@
       </p:sp>
       <p:pic>
         <p:nvPicPr>
-          <p:cNvPr id="298" name="Google Shape;298;p33"/>
+          <p:cNvPr id="298" name="Google Shape;298;p33" title="螢幕擷取畫面 2025-05-26 162545.png"/>
           <p:cNvPicPr preferRelativeResize="0"/>
           <p:nvPr/>
         </p:nvPicPr>
-        <p:blipFill>
+        <p:blipFill rotWithShape="1">
           <a:blip r:embed="rId3">
             <a:alphaModFix/>
           </a:blip>
-          <a:stretch>
-            <a:fillRect/>
-          </a:stretch>
+          <a:srcRect b="0" l="2507" r="2498" t="0"/>
+          <a:stretch/>
         </p:blipFill>
         <p:spPr>
           <a:xfrm>
-            <a:off x="1139451" y="909012"/>
-            <a:ext cx="6471826" cy="4228275"/>
+            <a:off x="14675" y="1567550"/>
+            <a:ext cx="4557321" cy="3134675"/>
+          </a:xfrm>
+          <a:prstGeom prst="rect">
+            <a:avLst/>
+          </a:prstGeom>
+          <a:noFill/>
+          <a:ln>
+            <a:noFill/>
+          </a:ln>
+        </p:spPr>
+      </p:pic>
+      <p:pic>
+        <p:nvPicPr>
+          <p:cNvPr id="299" name="Google Shape;299;p33" title="螢幕擷取畫面 2025-05-26 162545.png"/>
+          <p:cNvPicPr preferRelativeResize="0"/>
+          <p:nvPr/>
+        </p:nvPicPr>
+        <p:blipFill rotWithShape="1">
+          <a:blip r:embed="rId4">
+            <a:alphaModFix/>
+          </a:blip>
+          <a:srcRect b="317" l="0" r="0" t="308"/>
+          <a:stretch/>
+        </p:blipFill>
+        <p:spPr>
+          <a:xfrm>
+            <a:off x="4522200" y="1567550"/>
+            <a:ext cx="4621801" cy="3134675"/>
           </a:xfrm>
           <a:prstGeom prst="rect">
             <a:avLst/>
@@ -14129,7 +14185,7 @@
   <p:cSld>
     <p:spTree>
       <p:nvGrpSpPr>
-        <p:cNvPr id="302" name="Shape 302"/>
+        <p:cNvPr id="303" name="Shape 303"/>
         <p:cNvGrpSpPr/>
         <p:nvPr/>
       </p:nvGrpSpPr>
@@ -14143,7 +14199,7 @@
       </p:grpSpPr>
       <p:sp>
         <p:nvSpPr>
-          <p:cNvPr id="303" name="Google Shape;303;p34"/>
+          <p:cNvPr id="304" name="Google Shape;304;p34"/>
           <p:cNvSpPr txBox="1"/>
           <p:nvPr>
             <p:ph type="title"/>
@@ -14175,7 +14231,15 @@
             </a:pPr>
             <a:r>
               <a:rPr lang="zh-TW"/>
-              <a:t>傳送圖片成功及接收端畫面</a:t>
+              <a:t>檢視</a:t>
+            </a:r>
+            <a:r>
+              <a:rPr lang="zh-TW"/>
+              <a:t>圖片</a:t>
+            </a:r>
+            <a:r>
+              <a:rPr lang="zh-TW"/>
+              <a:t>介面</a:t>
             </a:r>
             <a:endParaRPr/>
           </a:p>
@@ -14183,7 +14247,7 @@
       </p:sp>
       <p:sp>
         <p:nvSpPr>
-          <p:cNvPr id="304" name="Google Shape;304;p34"/>
+          <p:cNvPr id="305" name="Google Shape;305;p34"/>
           <p:cNvSpPr txBox="1"/>
           <p:nvPr>
             <p:ph idx="1" type="body"/>
@@ -14222,7 +14286,7 @@
       </p:sp>
       <p:sp>
         <p:nvSpPr>
-          <p:cNvPr id="305" name="Google Shape;305;p34"/>
+          <p:cNvPr id="306" name="Google Shape;306;p34"/>
           <p:cNvSpPr txBox="1"/>
           <p:nvPr>
             <p:ph idx="2" type="body"/>
@@ -14261,48 +14325,22 @@
       </p:sp>
       <p:pic>
         <p:nvPicPr>
-          <p:cNvPr id="306" name="Google Shape;306;p34" title="螢幕擷取畫面 2025-05-26 162545.png"/>
+          <p:cNvPr id="307" name="Google Shape;307;p34"/>
           <p:cNvPicPr preferRelativeResize="0"/>
           <p:nvPr/>
         </p:nvPicPr>
-        <p:blipFill rotWithShape="1">
+        <p:blipFill>
           <a:blip r:embed="rId3">
             <a:alphaModFix/>
           </a:blip>
-          <a:srcRect b="0" l="2507" r="2498" t="0"/>
-          <a:stretch/>
+          <a:stretch>
+            <a:fillRect/>
+          </a:stretch>
         </p:blipFill>
         <p:spPr>
           <a:xfrm>
-            <a:off x="14675" y="1567550"/>
-            <a:ext cx="4557321" cy="3134675"/>
-          </a:xfrm>
-          <a:prstGeom prst="rect">
-            <a:avLst/>
-          </a:prstGeom>
-          <a:noFill/>
-          <a:ln>
-            <a:noFill/>
-          </a:ln>
-        </p:spPr>
-      </p:pic>
-      <p:pic>
-        <p:nvPicPr>
-          <p:cNvPr id="307" name="Google Shape;307;p34" title="螢幕擷取畫面 2025-05-26 162545.png"/>
-          <p:cNvPicPr preferRelativeResize="0"/>
-          <p:nvPr/>
-        </p:nvPicPr>
-        <p:blipFill rotWithShape="1">
-          <a:blip r:embed="rId4">
-            <a:alphaModFix/>
-          </a:blip>
-          <a:srcRect b="317" l="0" r="0" t="308"/>
-          <a:stretch/>
-        </p:blipFill>
-        <p:spPr>
-          <a:xfrm>
-            <a:off x="4522200" y="1567550"/>
-            <a:ext cx="4621801" cy="3134675"/>
+            <a:off x="1199150" y="841525"/>
+            <a:ext cx="6639272" cy="4301976"/>
           </a:xfrm>
           <a:prstGeom prst="rect">
             <a:avLst/>
@@ -14372,15 +14410,11 @@
             </a:pPr>
             <a:r>
               <a:rPr lang="zh-TW"/>
-              <a:t>檢視</a:t>
+              <a:t>檢視圖片介面</a:t>
             </a:r>
             <a:r>
               <a:rPr lang="zh-TW"/>
-              <a:t>圖片</a:t>
-            </a:r>
-            <a:r>
-              <a:rPr lang="zh-TW"/>
-              <a:t>介面</a:t>
+              <a:t>(可放大縮小)</a:t>
             </a:r>
             <a:endParaRPr/>
           </a:p>
@@ -14466,17 +14500,16 @@
       </p:sp>
       <p:pic>
         <p:nvPicPr>
-          <p:cNvPr id="315" name="Google Shape;315;p35"/>
+          <p:cNvPr id="315" name="Google Shape;315;p35" title="螢幕擷取畫面 2025-05-26 162545.png"/>
           <p:cNvPicPr preferRelativeResize="0"/>
           <p:nvPr/>
         </p:nvPicPr>
-        <p:blipFill>
+        <p:blipFill rotWithShape="1">
           <a:blip r:embed="rId3">
             <a:alphaModFix/>
           </a:blip>
-          <a:stretch>
-            <a:fillRect/>
-          </a:stretch>
+          <a:srcRect b="49" l="0" r="0" t="49"/>
+          <a:stretch/>
         </p:blipFill>
         <p:spPr>
           <a:xfrm>
@@ -14551,11 +14584,7 @@
             </a:pPr>
             <a:r>
               <a:rPr lang="zh-TW"/>
-              <a:t>檢視圖片介面</a:t>
-            </a:r>
-            <a:r>
-              <a:rPr lang="zh-TW"/>
-              <a:t>(可放大縮小)</a:t>
+              <a:t>斷開連接</a:t>
             </a:r>
             <a:endParaRPr/>
           </a:p>
@@ -14610,7 +14639,7 @@
         </p:nvSpPr>
         <p:spPr>
           <a:xfrm>
-            <a:off x="4933221" y="1567550"/>
+            <a:off x="4606321" y="1166450"/>
             <a:ext cx="3403200" cy="2911200"/>
           </a:xfrm>
           <a:prstGeom prst="rect">
@@ -14633,7 +14662,8 @@
               <a:buNone/>
             </a:pPr>
             <a:r>
-              <a:t/>
+              <a:rPr lang="zh-TW" sz="1600"/>
+              <a:t>確認斷線後跳回登入畫面</a:t>
             </a:r>
             <a:endParaRPr sz="1600"/>
           </a:p>
@@ -14641,21 +14671,49 @@
       </p:sp>
       <p:pic>
         <p:nvPicPr>
-          <p:cNvPr id="323" name="Google Shape;323;p36" title="螢幕擷取畫面 2025-05-26 162545.png"/>
+          <p:cNvPr id="323" name="Google Shape;323;p36"/>
+          <p:cNvPicPr preferRelativeResize="0"/>
+          <p:nvPr/>
+        </p:nvPicPr>
+        <p:blipFill>
+          <a:blip r:embed="rId3">
+            <a:alphaModFix/>
+          </a:blip>
+          <a:stretch>
+            <a:fillRect/>
+          </a:stretch>
+        </p:blipFill>
+        <p:spPr>
+          <a:xfrm>
+            <a:off x="0" y="1502704"/>
+            <a:ext cx="4557324" cy="3121721"/>
+          </a:xfrm>
+          <a:prstGeom prst="rect">
+            <a:avLst/>
+          </a:prstGeom>
+          <a:noFill/>
+          <a:ln>
+            <a:noFill/>
+          </a:ln>
+        </p:spPr>
+      </p:pic>
+      <p:pic>
+        <p:nvPicPr>
+          <p:cNvPr id="324" name="Google Shape;324;p36" title="螢幕擷取畫面 2025-05-26 162545.png"/>
           <p:cNvPicPr preferRelativeResize="0"/>
           <p:nvPr/>
         </p:nvPicPr>
         <p:blipFill rotWithShape="1">
-          <a:blip r:embed="rId3">
+          <a:blip r:embed="rId4">
             <a:alphaModFix/>
           </a:blip>
-          <a:srcRect b="49" l="0" r="0" t="49"/>
+          <a:srcRect b="0" l="6347" r="6347" t="0"/>
           <a:stretch/>
         </p:blipFill>
         <p:spPr>
           <a:xfrm>
-            <a:off x="1199150" y="841525"/>
-            <a:ext cx="6639272" cy="4301976"/>
+            <a:off x="4572000" y="1496225"/>
+            <a:ext cx="4557321" cy="3134675"/>
           </a:xfrm>
           <a:prstGeom prst="rect">
             <a:avLst/>
@@ -14679,7 +14737,7 @@
   <p:cSld>
     <p:spTree>
       <p:nvGrpSpPr>
-        <p:cNvPr id="327" name="Shape 327"/>
+        <p:cNvPr id="328" name="Shape 328"/>
         <p:cNvGrpSpPr/>
         <p:nvPr/>
       </p:nvGrpSpPr>
@@ -14693,7 +14751,7 @@
       </p:grpSpPr>
       <p:sp>
         <p:nvSpPr>
-          <p:cNvPr id="328" name="Google Shape;328;p37"/>
+          <p:cNvPr id="329" name="Google Shape;329;p37"/>
           <p:cNvSpPr txBox="1"/>
           <p:nvPr>
             <p:ph type="title"/>
@@ -14725,7 +14783,7 @@
             </a:pPr>
             <a:r>
               <a:rPr lang="zh-TW"/>
-              <a:t>斷開連接</a:t>
+              <a:t>斷開連線後提示對方及限制操作</a:t>
             </a:r>
             <a:endParaRPr/>
           </a:p>
@@ -14733,7 +14791,7 @@
       </p:sp>
       <p:sp>
         <p:nvSpPr>
-          <p:cNvPr id="329" name="Google Shape;329;p37"/>
+          <p:cNvPr id="330" name="Google Shape;330;p37"/>
           <p:cNvSpPr txBox="1"/>
           <p:nvPr>
             <p:ph idx="1" type="body"/>
@@ -14772,7 +14830,7 @@
       </p:sp>
       <p:sp>
         <p:nvSpPr>
-          <p:cNvPr id="330" name="Google Shape;330;p37"/>
+          <p:cNvPr id="331" name="Google Shape;331;p37"/>
           <p:cNvSpPr txBox="1"/>
           <p:nvPr>
             <p:ph idx="2" type="body"/>
@@ -14780,7 +14838,7 @@
         </p:nvSpPr>
         <p:spPr>
           <a:xfrm>
-            <a:off x="4606321" y="1166450"/>
+            <a:off x="4933221" y="1567550"/>
             <a:ext cx="3403200" cy="2911200"/>
           </a:xfrm>
           <a:prstGeom prst="rect">
@@ -14803,8 +14861,7 @@
               <a:buNone/>
             </a:pPr>
             <a:r>
-              <a:rPr lang="zh-TW" sz="1600"/>
-              <a:t>確認斷線後跳回登入畫面</a:t>
+              <a:t/>
             </a:r>
             <a:endParaRPr sz="1600"/>
           </a:p>
@@ -14812,7 +14869,7 @@
       </p:sp>
       <p:pic>
         <p:nvPicPr>
-          <p:cNvPr id="331" name="Google Shape;331;p37"/>
+          <p:cNvPr id="332" name="Google Shape;332;p37"/>
           <p:cNvPicPr preferRelativeResize="0"/>
           <p:nvPr/>
         </p:nvPicPr>
@@ -14826,8 +14883,8 @@
         </p:blipFill>
         <p:spPr>
           <a:xfrm>
-            <a:off x="0" y="1502704"/>
-            <a:ext cx="4557324" cy="3121721"/>
+            <a:off x="4508925" y="1660712"/>
+            <a:ext cx="4692599" cy="3058125"/>
           </a:xfrm>
           <a:prstGeom prst="rect">
             <a:avLst/>
@@ -14840,21 +14897,22 @@
       </p:pic>
       <p:pic>
         <p:nvPicPr>
-          <p:cNvPr id="332" name="Google Shape;332;p37" title="螢幕擷取畫面 2025-05-26 162545.png"/>
+          <p:cNvPr id="333" name="Google Shape;333;p37"/>
           <p:cNvPicPr preferRelativeResize="0"/>
           <p:nvPr/>
         </p:nvPicPr>
-        <p:blipFill rotWithShape="1">
+        <p:blipFill>
           <a:blip r:embed="rId4">
             <a:alphaModFix/>
           </a:blip>
-          <a:srcRect b="0" l="6347" r="6347" t="0"/>
-          <a:stretch/>
+          <a:stretch>
+            <a:fillRect/>
+          </a:stretch>
         </p:blipFill>
         <p:spPr>
           <a:xfrm>
-            <a:off x="4572000" y="1496225"/>
-            <a:ext cx="4557321" cy="3134675"/>
+            <a:off x="0" y="1660700"/>
+            <a:ext cx="4508926" cy="3058125"/>
           </a:xfrm>
           <a:prstGeom prst="rect">
             <a:avLst/>
@@ -14878,7 +14936,7 @@
   <p:cSld>
     <p:spTree>
       <p:nvGrpSpPr>
-        <p:cNvPr id="336" name="Shape 336"/>
+        <p:cNvPr id="337" name="Shape 337"/>
         <p:cNvGrpSpPr/>
         <p:nvPr/>
       </p:nvGrpSpPr>
@@ -14892,206 +14950,7 @@
       </p:grpSpPr>
       <p:sp>
         <p:nvSpPr>
-          <p:cNvPr id="337" name="Google Shape;337;p38"/>
-          <p:cNvSpPr txBox="1"/>
-          <p:nvPr>
-            <p:ph type="title"/>
-          </p:nvPr>
-        </p:nvSpPr>
-        <p:spPr>
-          <a:xfrm>
-            <a:off x="1297500" y="393750"/>
-            <a:ext cx="7038900" cy="914100"/>
-          </a:xfrm>
-          <a:prstGeom prst="rect">
-            <a:avLst/>
-          </a:prstGeom>
-        </p:spPr>
-        <p:txBody>
-          <a:bodyPr anchorCtr="0" anchor="t" bIns="91425" lIns="91425" spcFirstLastPara="1" rIns="91425" wrap="square" tIns="91425">
-            <a:normAutofit/>
-          </a:bodyPr>
-          <a:lstStyle/>
-          <a:p>
-            <a:pPr indent="0" lvl="0" marL="0" rtl="0" algn="l">
-              <a:spcBef>
-                <a:spcPts val="0"/>
-              </a:spcBef>
-              <a:spcAft>
-                <a:spcPts val="0"/>
-              </a:spcAft>
-              <a:buNone/>
-            </a:pPr>
-            <a:r>
-              <a:rPr lang="zh-TW"/>
-              <a:t>斷開連線後提示對方及限制操作</a:t>
-            </a:r>
-            <a:endParaRPr/>
-          </a:p>
-        </p:txBody>
-      </p:sp>
-      <p:sp>
-        <p:nvSpPr>
           <p:cNvPr id="338" name="Google Shape;338;p38"/>
-          <p:cNvSpPr txBox="1"/>
-          <p:nvPr>
-            <p:ph idx="1" type="body"/>
-          </p:nvPr>
-        </p:nvSpPr>
-        <p:spPr>
-          <a:xfrm>
-            <a:off x="1297500" y="1567550"/>
-            <a:ext cx="3403200" cy="2911200"/>
-          </a:xfrm>
-          <a:prstGeom prst="rect">
-            <a:avLst/>
-          </a:prstGeom>
-        </p:spPr>
-        <p:txBody>
-          <a:bodyPr anchorCtr="0" anchor="t" bIns="91425" lIns="91425" spcFirstLastPara="1" rIns="91425" wrap="square" tIns="91425">
-            <a:normAutofit/>
-          </a:bodyPr>
-          <a:lstStyle/>
-          <a:p>
-            <a:pPr indent="0" lvl="0" marL="0" rtl="0" algn="l">
-              <a:spcBef>
-                <a:spcPts val="0"/>
-              </a:spcBef>
-              <a:spcAft>
-                <a:spcPts val="1200"/>
-              </a:spcAft>
-              <a:buNone/>
-            </a:pPr>
-            <a:r>
-              <a:t/>
-            </a:r>
-            <a:endParaRPr sz="1600"/>
-          </a:p>
-        </p:txBody>
-      </p:sp>
-      <p:sp>
-        <p:nvSpPr>
-          <p:cNvPr id="339" name="Google Shape;339;p38"/>
-          <p:cNvSpPr txBox="1"/>
-          <p:nvPr>
-            <p:ph idx="2" type="body"/>
-          </p:nvPr>
-        </p:nvSpPr>
-        <p:spPr>
-          <a:xfrm>
-            <a:off x="4933221" y="1567550"/>
-            <a:ext cx="3403200" cy="2911200"/>
-          </a:xfrm>
-          <a:prstGeom prst="rect">
-            <a:avLst/>
-          </a:prstGeom>
-        </p:spPr>
-        <p:txBody>
-          <a:bodyPr anchorCtr="0" anchor="t" bIns="91425" lIns="91425" spcFirstLastPara="1" rIns="91425" wrap="square" tIns="91425">
-            <a:normAutofit/>
-          </a:bodyPr>
-          <a:lstStyle/>
-          <a:p>
-            <a:pPr indent="0" lvl="0" marL="0" rtl="0" algn="l">
-              <a:spcBef>
-                <a:spcPts val="0"/>
-              </a:spcBef>
-              <a:spcAft>
-                <a:spcPts val="1200"/>
-              </a:spcAft>
-              <a:buNone/>
-            </a:pPr>
-            <a:r>
-              <a:t/>
-            </a:r>
-            <a:endParaRPr sz="1600"/>
-          </a:p>
-        </p:txBody>
-      </p:sp>
-      <p:pic>
-        <p:nvPicPr>
-          <p:cNvPr id="340" name="Google Shape;340;p38"/>
-          <p:cNvPicPr preferRelativeResize="0"/>
-          <p:nvPr/>
-        </p:nvPicPr>
-        <p:blipFill>
-          <a:blip r:embed="rId3">
-            <a:alphaModFix/>
-          </a:blip>
-          <a:stretch>
-            <a:fillRect/>
-          </a:stretch>
-        </p:blipFill>
-        <p:spPr>
-          <a:xfrm>
-            <a:off x="4508925" y="1660712"/>
-            <a:ext cx="4692599" cy="3058125"/>
-          </a:xfrm>
-          <a:prstGeom prst="rect">
-            <a:avLst/>
-          </a:prstGeom>
-          <a:noFill/>
-          <a:ln>
-            <a:noFill/>
-          </a:ln>
-        </p:spPr>
-      </p:pic>
-      <p:pic>
-        <p:nvPicPr>
-          <p:cNvPr id="341" name="Google Shape;341;p38"/>
-          <p:cNvPicPr preferRelativeResize="0"/>
-          <p:nvPr/>
-        </p:nvPicPr>
-        <p:blipFill>
-          <a:blip r:embed="rId4">
-            <a:alphaModFix/>
-          </a:blip>
-          <a:stretch>
-            <a:fillRect/>
-          </a:stretch>
-        </p:blipFill>
-        <p:spPr>
-          <a:xfrm>
-            <a:off x="0" y="1660700"/>
-            <a:ext cx="4508926" cy="3058125"/>
-          </a:xfrm>
-          <a:prstGeom prst="rect">
-            <a:avLst/>
-          </a:prstGeom>
-          <a:noFill/>
-          <a:ln>
-            <a:noFill/>
-          </a:ln>
-        </p:spPr>
-      </p:pic>
-    </p:spTree>
-  </p:cSld>
-  <p:clrMapOvr>
-    <a:masterClrMapping/>
-  </p:clrMapOvr>
-</p:sld>
-</file>
-
-<file path=ppt/slides/slide27.xml><?xml version="1.0" encoding="utf-8"?>
-<p:sld xmlns:a="http://schemas.openxmlformats.org/drawingml/2006/main" xmlns:r="http://schemas.openxmlformats.org/officeDocument/2006/relationships" xmlns:mc="http://schemas.openxmlformats.org/markup-compatibility/2006" xmlns:mv="urn:schemas-microsoft-com:mac:vml" xmlns:p="http://schemas.openxmlformats.org/presentationml/2006/main" xmlns:c="http://schemas.openxmlformats.org/drawingml/2006/chart" xmlns:dgm="http://schemas.openxmlformats.org/drawingml/2006/diagram" xmlns:o="urn:schemas-microsoft-com:office:office" xmlns:v="urn:schemas-microsoft-com:vml" xmlns:pvml="urn:schemas-microsoft-com:office:powerpoint" xmlns:com="http://schemas.openxmlformats.org/drawingml/2006/compatibility" xmlns:p14="http://schemas.microsoft.com/office/powerpoint/2010/main" xmlns:p15="http://schemas.microsoft.com/office/powerpoint/2012/main" xmlns:ahyp="http://schemas.microsoft.com/office/drawing/2018/hyperlinkcolor">
-  <p:cSld>
-    <p:spTree>
-      <p:nvGrpSpPr>
-        <p:cNvPr id="345" name="Shape 345"/>
-        <p:cNvGrpSpPr/>
-        <p:nvPr/>
-      </p:nvGrpSpPr>
-      <p:grpSpPr>
-        <a:xfrm>
-          <a:off x="0" y="0"/>
-          <a:ext cx="0" cy="0"/>
-          <a:chOff x="0" y="0"/>
-          <a:chExt cx="0" cy="0"/>
-        </a:xfrm>
-      </p:grpSpPr>
-      <p:sp>
-        <p:nvSpPr>
-          <p:cNvPr id="346" name="Google Shape;346;p39"/>
           <p:cNvSpPr txBox="1"/>
           <p:nvPr>
             <p:ph type="title"/>
@@ -15139,7 +14998,7 @@
       </p:sp>
       <p:sp>
         <p:nvSpPr>
-          <p:cNvPr id="347" name="Google Shape;347;p39"/>
+          <p:cNvPr id="339" name="Google Shape;339;p38"/>
           <p:cNvSpPr txBox="1"/>
           <p:nvPr>
             <p:ph idx="1" type="body"/>
@@ -15162,7 +15021,7 @@
           <a:p>
             <a:pPr indent="0" lvl="0" marL="0" rtl="0" algn="l">
               <a:spcBef>
-                <a:spcPts val="1200"/>
+                <a:spcPts val="0"/>
               </a:spcBef>
               <a:spcAft>
                 <a:spcPts val="0"/>
@@ -15170,15 +15029,15 @@
               <a:buNone/>
             </a:pPr>
             <a:r>
-              <a:rPr lang="zh-TW">
+              <a:rPr lang="zh-TW" sz="1600">
                 <a:latin typeface="Arial"/>
                 <a:ea typeface="Arial"/>
                 <a:cs typeface="Arial"/>
                 <a:sym typeface="Arial"/>
               </a:rPr>
-              <a:t>我們的專案P2P聊天室，是基於TCP/IP協定，使用C#語言&amp;Windows Forms應用程式開發的即時通訊應用。程式包含伺服器和客戶端，讓使用者能在區域網路內一對一溝通。</a:t>
+              <a:t>1.成功實作一套基於 TCP/IP 的主從式 (Client-Server) 網路聊天室 </a:t>
             </a:r>
-            <a:endParaRPr>
+            <a:endParaRPr sz="1600">
               <a:latin typeface="Arial"/>
               <a:ea typeface="Arial"/>
               <a:cs typeface="Arial"/>
@@ -15196,158 +15055,15 @@
               <a:buNone/>
             </a:pPr>
             <a:r>
-              <a:rPr lang="zh-TW">
+              <a:rPr lang="zh-TW" sz="1600">
                 <a:latin typeface="Arial"/>
                 <a:ea typeface="Arial"/>
                 <a:cs typeface="Arial"/>
                 <a:sym typeface="Arial"/>
               </a:rPr>
-              <a:t>核心功能包括</a:t>
+              <a:t>2.具備客戶端與伺服器的雙向即時通訊能力 </a:t>
             </a:r>
-            <a:r>
-              <a:rPr b="1" lang="zh-TW">
-                <a:latin typeface="Arial"/>
-                <a:ea typeface="Arial"/>
-                <a:cs typeface="Arial"/>
-                <a:sym typeface="Arial"/>
-              </a:rPr>
-              <a:t>連線管理</a:t>
-            </a:r>
-            <a:r>
-              <a:rPr lang="zh-TW">
-                <a:latin typeface="Arial"/>
-                <a:ea typeface="Arial"/>
-                <a:cs typeface="Arial"/>
-                <a:sym typeface="Arial"/>
-              </a:rPr>
-              <a:t>，伺服器IP與</a:t>
-            </a:r>
-            <a:r>
-              <a:rPr lang="zh-TW">
-                <a:latin typeface="Arial"/>
-                <a:ea typeface="Arial"/>
-                <a:cs typeface="Arial"/>
-                <a:sym typeface="Arial"/>
-              </a:rPr>
-              <a:t>設定</a:t>
-            </a:r>
-            <a:r>
-              <a:rPr lang="zh-TW">
-                <a:latin typeface="Arial"/>
-                <a:ea typeface="Arial"/>
-                <a:cs typeface="Arial"/>
-                <a:sym typeface="Arial"/>
-              </a:rPr>
-              <a:t>埠號監聽，客戶端輸入資訊連線，雙方有確認和超時機制，並能主動斷線。其次是</a:t>
-            </a:r>
-            <a:r>
-              <a:rPr b="1" lang="zh-TW">
-                <a:latin typeface="Arial"/>
-                <a:ea typeface="Arial"/>
-                <a:cs typeface="Arial"/>
-                <a:sym typeface="Arial"/>
-              </a:rPr>
-              <a:t>即時文字聊天</a:t>
-            </a:r>
-            <a:r>
-              <a:rPr lang="zh-TW">
-                <a:latin typeface="Arial"/>
-                <a:ea typeface="Arial"/>
-                <a:cs typeface="Arial"/>
-                <a:sym typeface="Arial"/>
-              </a:rPr>
-              <a:t>，可支援500字元內的訊息傳輸，並提供表情符號及快捷訊息功能。另外，也支援</a:t>
-            </a:r>
-            <a:r>
-              <a:rPr b="1" lang="zh-TW">
-                <a:latin typeface="Arial"/>
-                <a:ea typeface="Arial"/>
-                <a:cs typeface="Arial"/>
-                <a:sym typeface="Arial"/>
-              </a:rPr>
-              <a:t>圖片分享與檢視</a:t>
-            </a:r>
-            <a:r>
-              <a:rPr lang="zh-TW">
-                <a:latin typeface="Arial"/>
-                <a:ea typeface="Arial"/>
-                <a:cs typeface="Arial"/>
-                <a:sym typeface="Arial"/>
-              </a:rPr>
-              <a:t>，可傳送本機圖片或網路圖片URL</a:t>
-            </a:r>
-            <a:r>
-              <a:rPr lang="zh-TW">
-                <a:latin typeface="Arial"/>
-                <a:ea typeface="Arial"/>
-                <a:cs typeface="Arial"/>
-                <a:sym typeface="Arial"/>
-              </a:rPr>
-              <a:t>（限制5MB）</a:t>
-            </a:r>
-            <a:r>
-              <a:rPr lang="zh-TW">
-                <a:latin typeface="Arial"/>
-                <a:ea typeface="Arial"/>
-                <a:cs typeface="Arial"/>
-                <a:sym typeface="Arial"/>
-              </a:rPr>
-              <a:t>，接收的圖片可在獨立視窗中縮放、平移及儲存。</a:t>
-            </a:r>
-            <a:br>
-              <a:rPr lang="zh-TW">
-                <a:latin typeface="Arial"/>
-                <a:ea typeface="Arial"/>
-                <a:cs typeface="Arial"/>
-                <a:sym typeface="Arial"/>
-              </a:rPr>
-            </a:br>
-            <a:r>
-              <a:rPr lang="zh-TW">
-                <a:latin typeface="Arial"/>
-                <a:ea typeface="Arial"/>
-                <a:cs typeface="Arial"/>
-                <a:sym typeface="Arial"/>
-              </a:rPr>
-              <a:t>技術上，採用.NET Framework，並透過</a:t>
-            </a:r>
-            <a:r>
-              <a:rPr lang="zh-TW">
-                <a:latin typeface="Roboto Mono"/>
-                <a:ea typeface="Roboto Mono"/>
-                <a:cs typeface="Roboto Mono"/>
-                <a:sym typeface="Roboto Mono"/>
-              </a:rPr>
-              <a:t>TcpClient</a:t>
-            </a:r>
-            <a:r>
-              <a:rPr lang="zh-TW">
-                <a:latin typeface="Arial"/>
-                <a:ea typeface="Arial"/>
-                <a:cs typeface="Arial"/>
-                <a:sym typeface="Arial"/>
-              </a:rPr>
-              <a:t>和</a:t>
-            </a:r>
-            <a:r>
-              <a:rPr lang="zh-TW">
-                <a:latin typeface="Roboto Mono"/>
-                <a:ea typeface="Roboto Mono"/>
-                <a:cs typeface="Roboto Mono"/>
-                <a:sym typeface="Roboto Mono"/>
-              </a:rPr>
-              <a:t>TcpListener</a:t>
-            </a:r>
-            <a:r>
-              <a:rPr lang="zh-TW">
-                <a:latin typeface="Arial"/>
-                <a:ea typeface="Arial"/>
-                <a:cs typeface="Arial"/>
-                <a:sym typeface="Arial"/>
-              </a:rPr>
-              <a:t>處理TCP網路通訊。為確保UI流暢，訊息接收在獨立執行緒中處理。</a:t>
-            </a:r>
-            <a:endParaRPr>
+            <a:endParaRPr sz="1600">
               <a:latin typeface="Arial"/>
               <a:ea typeface="Arial"/>
               <a:cs typeface="Arial"/>
@@ -15365,15 +15081,15 @@
               <a:buNone/>
             </a:pPr>
             <a:r>
-              <a:rPr lang="zh-TW">
+              <a:rPr lang="zh-TW" sz="1600">
                 <a:latin typeface="Arial"/>
                 <a:ea typeface="Arial"/>
                 <a:cs typeface="Arial"/>
                 <a:sym typeface="Arial"/>
               </a:rPr>
-              <a:t>此專案旨在透過實作深化對TCP/IP通訊、客戶端/伺服器架構及多執行緒技術的理解，並提升相關開發實踐能力。</a:t>
+              <a:t>3.支援文字、表情符號、本地圖片與圖片 URL 的多元訊息傳輸 </a:t>
             </a:r>
-            <a:endParaRPr>
+            <a:endParaRPr sz="1600">
               <a:latin typeface="Arial"/>
               <a:ea typeface="Arial"/>
               <a:cs typeface="Arial"/>
@@ -15386,6 +15102,58 @@
                 <a:spcPts val="1200"/>
               </a:spcBef>
               <a:spcAft>
+                <a:spcPts val="0"/>
+              </a:spcAft>
+              <a:buNone/>
+            </a:pPr>
+            <a:r>
+              <a:rPr lang="zh-TW" sz="1600">
+                <a:latin typeface="Arial"/>
+                <a:ea typeface="Arial"/>
+                <a:cs typeface="Arial"/>
+                <a:sym typeface="Arial"/>
+              </a:rPr>
+              <a:t>4.運用背景執行緒處理網路事件，確保 UI 介面流暢不卡頓 </a:t>
+            </a:r>
+            <a:endParaRPr sz="1600">
+              <a:latin typeface="Arial"/>
+              <a:ea typeface="Arial"/>
+              <a:cs typeface="Arial"/>
+              <a:sym typeface="Arial"/>
+            </a:endParaRPr>
+          </a:p>
+          <a:p>
+            <a:pPr indent="0" lvl="0" marL="0" rtl="0" algn="l">
+              <a:spcBef>
+                <a:spcPts val="1200"/>
+              </a:spcBef>
+              <a:spcAft>
+                <a:spcPts val="0"/>
+              </a:spcAft>
+              <a:buNone/>
+            </a:pPr>
+            <a:r>
+              <a:rPr lang="zh-TW" sz="1600">
+                <a:latin typeface="Arial"/>
+                <a:ea typeface="Arial"/>
+                <a:cs typeface="Arial"/>
+                <a:sym typeface="Arial"/>
+              </a:rPr>
+              <a:t>5.深化了對 TCP 資料流、Base64 編碼與 WinForms 事件驅動的實踐理解 </a:t>
+            </a:r>
+            <a:endParaRPr sz="1600">
+              <a:latin typeface="Arial"/>
+              <a:ea typeface="Arial"/>
+              <a:cs typeface="Arial"/>
+              <a:sym typeface="Arial"/>
+            </a:endParaRPr>
+          </a:p>
+          <a:p>
+            <a:pPr indent="0" lvl="0" marL="0" rtl="0" algn="l">
+              <a:spcBef>
+                <a:spcPts val="1200"/>
+              </a:spcBef>
+              <a:spcAft>
                 <a:spcPts val="1200"/>
               </a:spcAft>
               <a:buNone/>
@@ -15393,7 +15161,7 @@
             <a:r>
               <a:t/>
             </a:r>
-            <a:endParaRPr>
+            <a:endParaRPr sz="1600">
               <a:latin typeface="Arial"/>
               <a:ea typeface="Arial"/>
               <a:cs typeface="Arial"/>
@@ -15500,13 +15268,22 @@
               <a:buNone/>
             </a:pPr>
             <a:r>
+              <a:rPr b="1" lang="zh-TW" sz="1600">
+                <a:latin typeface="Arial"/>
+                <a:ea typeface="Arial"/>
+                <a:cs typeface="Arial"/>
+                <a:sym typeface="Arial"/>
+              </a:rPr>
+              <a:t>1.強化實務程式設計能力</a:t>
+            </a:r>
+            <a:r>
               <a:rPr lang="zh-TW" sz="1600">
                 <a:latin typeface="Arial"/>
                 <a:ea typeface="Arial"/>
                 <a:cs typeface="Arial"/>
                 <a:sym typeface="Arial"/>
               </a:rPr>
-              <a:t>本研究預期能提升研究者在C#程式設計、Windows Forms開發、TCP/IP網路編程及多執行緒應用方面的綜合實踐能力 。同時，將產出一個功能性的PC網路聊天室原型系統，可作為TCP/IP通訊的學習與演示實例 。</a:t>
+              <a:t>：熟悉 C# 在網路與 UI 整合的開發實踐 </a:t>
             </a:r>
             <a:endParaRPr sz="1600">
               <a:latin typeface="Arial"/>
@@ -15521,10 +15298,19 @@
                 <a:spcPts val="1200"/>
               </a:spcBef>
               <a:spcAft>
-                <a:spcPts val="1200"/>
+                <a:spcPts val="0"/>
               </a:spcAft>
               <a:buNone/>
             </a:pPr>
+            <a:r>
+              <a:rPr b="1" lang="zh-TW" sz="1600">
+                <a:latin typeface="Arial"/>
+                <a:ea typeface="Arial"/>
+                <a:cs typeface="Arial"/>
+                <a:sym typeface="Arial"/>
+              </a:rPr>
+              <a:t>2.建立可執行的聊天室雛型</a:t>
+            </a:r>
             <a:r>
               <a:rPr lang="zh-TW" sz="1600">
                 <a:latin typeface="Arial"/>
@@ -15532,9 +15318,99 @@
                 <a:cs typeface="Arial"/>
                 <a:sym typeface="Arial"/>
               </a:rPr>
-              <a:t>此外，研究過程將深化對客戶端/伺服器模型等網路核心概念的理解，並為解決開發過程中可能遇到的技術挑戰（如併發處理、UI回應）提供可參考的方案 。</a:t>
+              <a:t>：產出一個功能性的主從式聊天室，可作為學習與教學範例 </a:t>
             </a:r>
-            <a:endParaRPr b="1" sz="1600">
+            <a:endParaRPr sz="1600">
+              <a:latin typeface="Arial"/>
+              <a:ea typeface="Arial"/>
+              <a:cs typeface="Arial"/>
+              <a:sym typeface="Arial"/>
+            </a:endParaRPr>
+          </a:p>
+          <a:p>
+            <a:pPr indent="0" lvl="0" marL="0" rtl="0" algn="l">
+              <a:spcBef>
+                <a:spcPts val="1200"/>
+              </a:spcBef>
+              <a:spcAft>
+                <a:spcPts val="0"/>
+              </a:spcAft>
+              <a:buNone/>
+            </a:pPr>
+            <a:r>
+              <a:rPr b="1" lang="zh-TW" sz="1600">
+                <a:latin typeface="Arial"/>
+                <a:ea typeface="Arial"/>
+                <a:cs typeface="Arial"/>
+                <a:sym typeface="Arial"/>
+              </a:rPr>
+              <a:t>3.深化網路核心概念理解</a:t>
+            </a:r>
+            <a:r>
+              <a:rPr lang="zh-TW" sz="1600">
+                <a:latin typeface="Arial"/>
+                <a:ea typeface="Arial"/>
+                <a:cs typeface="Arial"/>
+                <a:sym typeface="Arial"/>
+              </a:rPr>
+              <a:t>：透過實作，真正理解 TCP 資料流與封包處理 </a:t>
+            </a:r>
+            <a:endParaRPr sz="1600">
+              <a:latin typeface="Arial"/>
+              <a:ea typeface="Arial"/>
+              <a:cs typeface="Arial"/>
+              <a:sym typeface="Arial"/>
+            </a:endParaRPr>
+          </a:p>
+          <a:p>
+            <a:pPr indent="0" lvl="0" marL="0" rtl="0" algn="l">
+              <a:spcBef>
+                <a:spcPts val="1200"/>
+              </a:spcBef>
+              <a:spcAft>
+                <a:spcPts val="0"/>
+              </a:spcAft>
+              <a:buNone/>
+            </a:pPr>
+            <a:r>
+              <a:rPr b="1" lang="zh-TW" sz="1600">
+                <a:latin typeface="Arial"/>
+                <a:ea typeface="Arial"/>
+                <a:cs typeface="Arial"/>
+                <a:sym typeface="Arial"/>
+              </a:rPr>
+              <a:t>4.驗證圖片通訊可行架構</a:t>
+            </a:r>
+            <a:r>
+              <a:rPr lang="zh-TW" sz="1600">
+                <a:latin typeface="Arial"/>
+                <a:ea typeface="Arial"/>
+                <a:cs typeface="Arial"/>
+                <a:sym typeface="Arial"/>
+              </a:rPr>
+              <a:t>：提供一套完整的圖片選取、轉碼、傳輸及互動檢視的解決方案 </a:t>
+            </a:r>
+            <a:endParaRPr sz="1600">
+              <a:latin typeface="Arial"/>
+              <a:ea typeface="Arial"/>
+              <a:cs typeface="Arial"/>
+              <a:sym typeface="Arial"/>
+            </a:endParaRPr>
+          </a:p>
+          <a:p>
+            <a:pPr indent="0" lvl="0" marL="0" rtl="0" algn="l">
+              <a:spcBef>
+                <a:spcPts val="1200"/>
+              </a:spcBef>
+              <a:spcAft>
+                <a:spcPts val="1200"/>
+              </a:spcAft>
+              <a:buNone/>
+            </a:pPr>
+            <a:r>
+              <a:t/>
+            </a:r>
+            <a:endParaRPr sz="1600">
               <a:latin typeface="Arial"/>
               <a:ea typeface="Arial"/>
               <a:cs typeface="Arial"/>
@@ -15658,7 +15534,7 @@
         </p:nvSpPr>
         <p:spPr>
           <a:xfrm>
-            <a:off x="1297500" y="1567550"/>
+            <a:off x="1236425" y="1176550"/>
             <a:ext cx="6920400" cy="2911200"/>
           </a:xfrm>
           <a:prstGeom prst="rect">
@@ -15667,35 +15543,160 @@
         </p:spPr>
         <p:txBody>
           <a:bodyPr anchorCtr="0" anchor="t" bIns="91425" lIns="91425" spcFirstLastPara="1" rIns="91425" wrap="square" tIns="91425">
-            <a:normAutofit/>
+            <a:noAutofit/>
           </a:bodyPr>
           <a:lstStyle/>
           <a:p>
             <a:pPr indent="0" lvl="0" marL="0" rtl="0" algn="l">
-              <a:spcBef>
-                <a:spcPts val="0"/>
-              </a:spcBef>
-              <a:spcAft>
-                <a:spcPts val="1200"/>
+              <a:lnSpc>
+                <a:spcPct val="100000"/>
+              </a:lnSpc>
+              <a:spcBef>
+                <a:spcPts val="0"/>
+              </a:spcBef>
+              <a:spcAft>
+                <a:spcPts val="0"/>
               </a:spcAft>
               <a:buNone/>
             </a:pPr>
             <a:r>
               <a:rPr lang="zh-TW" sz="1600">
-                <a:highlight>
-                  <a:schemeClr val="dk1"/>
-                </a:highlight>
                 <a:latin typeface="Arial"/>
                 <a:ea typeface="Arial"/>
                 <a:cs typeface="Arial"/>
                 <a:sym typeface="Arial"/>
               </a:rPr>
-              <a:t>隨著資訊科技發展與網際網路普及，即時通訊已成為現代溝通的關鍵方式 。PC平台的網路聊天室作為即時通訊的經典形式，其底層技術對理解複雜網路應用具有學習價值 。本研究的動機在於深入探討網路通訊技術，特別是TCP/IP協定在實際應用中的運作，並透過C#語言及Windows Forms建構聊天室，以結合理論與實踐，提升軟體開發能力 。</a:t>
+              <a:t>即時通訊 的普及化：現今網路技術成熟，即時通訊已滲透至生活與工作的各個層面，從個人社交到企業協作，其應用無所不在，這促使我們去探討其背後的底層通訊技術</a:t>
             </a:r>
-            <a:endParaRPr b="1" sz="1600">
-              <a:highlight>
-                <a:schemeClr val="dk1"/>
-              </a:highlight>
+            <a:endParaRPr sz="1600">
+              <a:latin typeface="Arial"/>
+              <a:ea typeface="Arial"/>
+              <a:cs typeface="Arial"/>
+              <a:sym typeface="Arial"/>
+            </a:endParaRPr>
+          </a:p>
+          <a:p>
+            <a:pPr indent="0" lvl="0" marL="0" rtl="0" algn="l">
+              <a:lnSpc>
+                <a:spcPct val="100000"/>
+              </a:lnSpc>
+              <a:spcBef>
+                <a:spcPts val="1200"/>
+              </a:spcBef>
+              <a:spcAft>
+                <a:spcPts val="0"/>
+              </a:spcAft>
+              <a:buNone/>
+            </a:pPr>
+            <a:r>
+              <a:rPr lang="zh-TW" sz="1600">
+                <a:latin typeface="Arial"/>
+                <a:ea typeface="Arial"/>
+                <a:cs typeface="Arial"/>
+                <a:sym typeface="Arial"/>
+              </a:rPr>
+              <a:t>深化對核心技術的理解：本研究的核心動機，是透過親手實作來深入探討作為網際網路基石的 TCP/IP 協定，希望將抽象的網路理論轉化為具體的程式碼</a:t>
+            </a:r>
+            <a:endParaRPr sz="1600">
+              <a:latin typeface="Arial"/>
+              <a:ea typeface="Arial"/>
+              <a:cs typeface="Arial"/>
+              <a:sym typeface="Arial"/>
+            </a:endParaRPr>
+          </a:p>
+          <a:p>
+            <a:pPr indent="0" lvl="0" marL="0" rtl="0" algn="l">
+              <a:lnSpc>
+                <a:spcPct val="100000"/>
+              </a:lnSpc>
+              <a:spcBef>
+                <a:spcPts val="1200"/>
+              </a:spcBef>
+              <a:spcAft>
+                <a:spcPts val="0"/>
+              </a:spcAft>
+              <a:buNone/>
+            </a:pPr>
+            <a:r>
+              <a:rPr lang="zh-TW" sz="1600">
+                <a:latin typeface="Arial"/>
+                <a:ea typeface="Arial"/>
+                <a:cs typeface="Arial"/>
+                <a:sym typeface="Arial"/>
+              </a:rPr>
+              <a:t>以專案驗證學習：我們選擇建立一個主從式 (Client-Server) 聊天室作為實踐的載體，以此挑戰在真實情境中，如何處理連線、資料交換與多用戶等工程問題</a:t>
+            </a:r>
+            <a:endParaRPr sz="1600">
+              <a:latin typeface="Arial"/>
+              <a:ea typeface="Arial"/>
+              <a:cs typeface="Arial"/>
+              <a:sym typeface="Arial"/>
+            </a:endParaRPr>
+          </a:p>
+          <a:p>
+            <a:pPr indent="0" lvl="0" marL="0" rtl="0" algn="l">
+              <a:lnSpc>
+                <a:spcPct val="100000"/>
+              </a:lnSpc>
+              <a:spcBef>
+                <a:spcPts val="1200"/>
+              </a:spcBef>
+              <a:spcAft>
+                <a:spcPts val="0"/>
+              </a:spcAft>
+              <a:buNone/>
+            </a:pPr>
+            <a:r>
+              <a:rPr lang="zh-TW" sz="1600">
+                <a:latin typeface="Arial"/>
+                <a:ea typeface="Arial"/>
+                <a:cs typeface="Arial"/>
+                <a:sym typeface="Arial"/>
+              </a:rPr>
+              <a:t>發揮技術：採用 C# 與 Windows Forms 進行開發，旨在發揮此技術在桌面應用上的穩定性、易用性</a:t>
+            </a:r>
+            <a:r>
+              <a:rPr lang="zh-TW" sz="1600">
+                <a:latin typeface="Arial"/>
+                <a:ea typeface="Arial"/>
+                <a:cs typeface="Arial"/>
+                <a:sym typeface="Arial"/>
+              </a:rPr>
+              <a:t>與</a:t>
+            </a:r>
+            <a:r>
+              <a:rPr lang="zh-TW" sz="1600">
+                <a:latin typeface="Arial"/>
+                <a:ea typeface="Arial"/>
+                <a:cs typeface="Arial"/>
+                <a:sym typeface="Arial"/>
+              </a:rPr>
+              <a:t> .NET 框架支援，特別是在處理專案關鍵的多執行緒與資料串流功能上</a:t>
+            </a:r>
+            <a:endParaRPr sz="1600">
+              <a:latin typeface="Arial"/>
+              <a:ea typeface="Arial"/>
+              <a:cs typeface="Arial"/>
+              <a:sym typeface="Arial"/>
+            </a:endParaRPr>
+          </a:p>
+          <a:p>
+            <a:pPr indent="0" lvl="0" marL="0" rtl="0" algn="l">
+              <a:lnSpc>
+                <a:spcPct val="100000"/>
+              </a:lnSpc>
+              <a:spcBef>
+                <a:spcPts val="1200"/>
+              </a:spcBef>
+              <a:spcAft>
+                <a:spcPts val="1200"/>
+              </a:spcAft>
+              <a:buNone/>
+            </a:pPr>
+            <a:r>
+              <a:t/>
+            </a:r>
+            <a:endParaRPr sz="1600">
               <a:latin typeface="Arial"/>
               <a:ea typeface="Arial"/>
               <a:cs typeface="Arial"/>
@@ -15794,7 +15795,7 @@
         </p:nvSpPr>
         <p:spPr>
           <a:xfrm>
-            <a:off x="1297500" y="1567550"/>
+            <a:off x="1297500" y="1402375"/>
             <a:ext cx="7038900" cy="2911200"/>
           </a:xfrm>
           <a:prstGeom prst="rect">
@@ -15803,16 +15804,19 @@
         </p:spPr>
         <p:txBody>
           <a:bodyPr anchorCtr="0" anchor="t" bIns="91425" lIns="91425" spcFirstLastPara="1" rIns="91425" wrap="square" tIns="91425">
-            <a:normAutofit/>
+            <a:noAutofit/>
           </a:bodyPr>
           <a:lstStyle/>
           <a:p>
             <a:pPr indent="0" lvl="0" marL="0" rtl="0" algn="l">
-              <a:spcBef>
-                <a:spcPts val="0"/>
-              </a:spcBef>
-              <a:spcAft>
-                <a:spcPts val="1200"/>
+              <a:lnSpc>
+                <a:spcPct val="100000"/>
+              </a:lnSpc>
+              <a:spcBef>
+                <a:spcPts val="0"/>
+              </a:spcBef>
+              <a:spcAft>
+                <a:spcPts val="0"/>
               </a:spcAft>
               <a:buNone/>
             </a:pPr>
@@ -15823,9 +15827,124 @@
                 <a:cs typeface="Arial"/>
                 <a:sym typeface="Arial"/>
               </a:rPr>
-              <a:t>在開發PC網路聊天室的過程中，預計面臨的主要技術挑戰包括：如何在客戶端與伺服器間建立並維護穩定可靠的TCP連線，並處理網路不穩或斷線情況 ；伺服器端如何處理多個客戶端的併發連線與訊息，避免阻塞 ；如何確保訊息即時準確地傳遞並在客戶端介面更新 ；如何定義客戶端與伺服器間的資料交換格式並進行有效序列化/反序列化 ；如何在網路通訊時保持客戶端GUI的流暢回應，避免UI執行緒阻塞 ；以及如何設計健壯的錯誤處理機制以應對各種異常情況 。</a:t>
+              <a:t>1.連線管理與併發處理：伺服器需能穩定處理多個客戶端的同時連線，並採用有效的非同步機制避免阻塞，同時需設計穩健的連線建立、確認與斷線流程</a:t>
             </a:r>
-            <a:endParaRPr sz="1600"/>
+            <a:endParaRPr sz="1600">
+              <a:latin typeface="Arial"/>
+              <a:ea typeface="Arial"/>
+              <a:cs typeface="Arial"/>
+              <a:sym typeface="Arial"/>
+            </a:endParaRPr>
+          </a:p>
+          <a:p>
+            <a:pPr indent="0" lvl="0" marL="0" rtl="0" algn="l">
+              <a:lnSpc>
+                <a:spcPct val="100000"/>
+              </a:lnSpc>
+              <a:spcBef>
+                <a:spcPts val="1200"/>
+              </a:spcBef>
+              <a:spcAft>
+                <a:spcPts val="0"/>
+              </a:spcAft>
+              <a:buNone/>
+            </a:pPr>
+            <a:r>
+              <a:rPr lang="zh-TW" sz="1600">
+                <a:latin typeface="Arial"/>
+                <a:ea typeface="Arial"/>
+                <a:cs typeface="Arial"/>
+                <a:sym typeface="Arial"/>
+              </a:rPr>
+              <a:t>2.資料傳輸的定義與實現：需定義可靠的通訊協定以區分文字與圖片，並實現圖片資料從編碼、傳輸到解碼的完整且正確的流程，確保資料不毀損</a:t>
+            </a:r>
+            <a:endParaRPr sz="1600">
+              <a:latin typeface="Arial"/>
+              <a:ea typeface="Arial"/>
+              <a:cs typeface="Arial"/>
+              <a:sym typeface="Arial"/>
+            </a:endParaRPr>
+          </a:p>
+          <a:p>
+            <a:pPr indent="0" lvl="0" marL="0" rtl="0" algn="l">
+              <a:lnSpc>
+                <a:spcPct val="100000"/>
+              </a:lnSpc>
+              <a:spcBef>
+                <a:spcPts val="1200"/>
+              </a:spcBef>
+              <a:spcAft>
+                <a:spcPts val="0"/>
+              </a:spcAft>
+              <a:buNone/>
+            </a:pPr>
+            <a:r>
+              <a:rPr lang="zh-TW" sz="1600">
+                <a:latin typeface="Arial"/>
+                <a:ea typeface="Arial"/>
+                <a:cs typeface="Arial"/>
+                <a:sym typeface="Arial"/>
+              </a:rPr>
+              <a:t>3.使用者介面的流暢性：如何在進行背景網路通訊的同時，確保使用者介面能維持即時回應、不發生畫面凍結，是對多執行緒程式設計的一大考驗</a:t>
+            </a:r>
+            <a:endParaRPr sz="1600">
+              <a:latin typeface="Arial"/>
+              <a:ea typeface="Arial"/>
+              <a:cs typeface="Arial"/>
+              <a:sym typeface="Arial"/>
+            </a:endParaRPr>
+          </a:p>
+          <a:p>
+            <a:pPr indent="0" lvl="0" marL="0" rtl="0" algn="l">
+              <a:lnSpc>
+                <a:spcPct val="100000"/>
+              </a:lnSpc>
+              <a:spcBef>
+                <a:spcPts val="1200"/>
+              </a:spcBef>
+              <a:spcAft>
+                <a:spcPts val="0"/>
+              </a:spcAft>
+              <a:buNone/>
+            </a:pPr>
+            <a:r>
+              <a:rPr lang="zh-TW" sz="1600">
+                <a:latin typeface="Arial"/>
+                <a:ea typeface="Arial"/>
+                <a:cs typeface="Arial"/>
+                <a:sym typeface="Arial"/>
+              </a:rPr>
+              <a:t>4.錯誤處理與使用者體驗：需設計清晰的錯誤提示（如連線失敗、傳輸錯誤）與操作回饋，以提升系統的整體健壯性與易用性</a:t>
+            </a:r>
+            <a:endParaRPr sz="1600">
+              <a:latin typeface="Arial"/>
+              <a:ea typeface="Arial"/>
+              <a:cs typeface="Arial"/>
+              <a:sym typeface="Arial"/>
+            </a:endParaRPr>
+          </a:p>
+          <a:p>
+            <a:pPr indent="0" lvl="0" marL="0" rtl="0" algn="l">
+              <a:lnSpc>
+                <a:spcPct val="100000"/>
+              </a:lnSpc>
+              <a:spcBef>
+                <a:spcPts val="1200"/>
+              </a:spcBef>
+              <a:spcAft>
+                <a:spcPts val="1200"/>
+              </a:spcAft>
+              <a:buNone/>
+            </a:pPr>
+            <a:r>
+              <a:t/>
+            </a:r>
+            <a:endParaRPr sz="1600">
+              <a:latin typeface="Arial"/>
+              <a:ea typeface="Arial"/>
+              <a:cs typeface="Arial"/>
+              <a:sym typeface="Arial"/>
+            </a:endParaRPr>
           </a:p>
         </p:txBody>
       </p:sp>
@@ -15972,34 +16091,6 @@
           </a:p>
         </p:txBody>
       </p:sp>
-      <p:pic>
-        <p:nvPicPr>
-          <p:cNvPr id="169" name="Google Shape;169;p18"/>
-          <p:cNvPicPr preferRelativeResize="0"/>
-          <p:nvPr/>
-        </p:nvPicPr>
-        <p:blipFill>
-          <a:blip r:embed="rId3">
-            <a:alphaModFix/>
-          </a:blip>
-          <a:stretch>
-            <a:fillRect/>
-          </a:stretch>
-        </p:blipFill>
-        <p:spPr>
-          <a:xfrm>
-            <a:off x="3026168" y="0"/>
-            <a:ext cx="5027864" cy="5143500"/>
-          </a:xfrm>
-          <a:prstGeom prst="rect">
-            <a:avLst/>
-          </a:prstGeom>
-          <a:noFill/>
-          <a:ln>
-            <a:noFill/>
-          </a:ln>
-        </p:spPr>
-      </p:pic>
     </p:spTree>
   </p:cSld>
   <p:clrMapOvr>
@@ -16013,7 +16104,7 @@
   <p:cSld>
     <p:spTree>
       <p:nvGrpSpPr>
-        <p:cNvPr id="173" name="Shape 173"/>
+        <p:cNvPr id="172" name="Shape 172"/>
         <p:cNvGrpSpPr/>
         <p:nvPr/>
       </p:nvGrpSpPr>
@@ -16027,7 +16118,7 @@
       </p:grpSpPr>
       <p:sp>
         <p:nvSpPr>
-          <p:cNvPr id="174" name="Google Shape;174;p19"/>
+          <p:cNvPr id="173" name="Google Shape;173;p19"/>
           <p:cNvSpPr txBox="1"/>
           <p:nvPr>
             <p:ph type="title"/>
@@ -16067,7 +16158,7 @@
       </p:sp>
       <p:sp>
         <p:nvSpPr>
-          <p:cNvPr id="175" name="Google Shape;175;p19"/>
+          <p:cNvPr id="174" name="Google Shape;174;p19"/>
           <p:cNvSpPr txBox="1"/>
           <p:nvPr>
             <p:ph idx="1" type="body"/>
@@ -16107,7 +16198,7 @@
       </p:sp>
       <p:pic>
         <p:nvPicPr>
-          <p:cNvPr id="176" name="Google Shape;176;p19"/>
+          <p:cNvPr id="175" name="Google Shape;175;p19"/>
           <p:cNvPicPr preferRelativeResize="0"/>
           <p:nvPr/>
         </p:nvPicPr>
@@ -16135,7 +16226,7 @@
       </p:pic>
       <p:pic>
         <p:nvPicPr>
-          <p:cNvPr id="177" name="Google Shape;177;p19"/>
+          <p:cNvPr id="176" name="Google Shape;176;p19"/>
           <p:cNvPicPr preferRelativeResize="0"/>
           <p:nvPr/>
         </p:nvPicPr>
@@ -16163,7 +16254,7 @@
       </p:pic>
       <p:sp>
         <p:nvSpPr>
-          <p:cNvPr id="178" name="Google Shape;178;p19"/>
+          <p:cNvPr id="177" name="Google Shape;177;p19"/>
           <p:cNvSpPr txBox="1"/>
           <p:nvPr>
             <p:ph idx="2" type="body"/>
@@ -16219,7 +16310,7 @@
   <p:cSld>
     <p:spTree>
       <p:nvGrpSpPr>
-        <p:cNvPr id="182" name="Shape 182"/>
+        <p:cNvPr id="181" name="Shape 181"/>
         <p:cNvGrpSpPr/>
         <p:nvPr/>
       </p:nvGrpSpPr>
@@ -16233,7 +16324,7 @@
       </p:grpSpPr>
       <p:sp>
         <p:nvSpPr>
-          <p:cNvPr id="183" name="Google Shape;183;p20"/>
+          <p:cNvPr id="182" name="Google Shape;182;p20"/>
           <p:cNvSpPr txBox="1"/>
           <p:nvPr>
             <p:ph type="title"/>
@@ -16273,7 +16364,7 @@
       </p:sp>
       <p:sp>
         <p:nvSpPr>
-          <p:cNvPr id="184" name="Google Shape;184;p20"/>
+          <p:cNvPr id="183" name="Google Shape;183;p20"/>
           <p:cNvSpPr txBox="1"/>
           <p:nvPr>
             <p:ph idx="1" type="body"/>
@@ -16312,7 +16403,7 @@
       </p:sp>
       <p:sp>
         <p:nvSpPr>
-          <p:cNvPr id="185" name="Google Shape;185;p20"/>
+          <p:cNvPr id="184" name="Google Shape;184;p20"/>
           <p:cNvSpPr txBox="1"/>
           <p:nvPr>
             <p:ph idx="2" type="body"/>
@@ -16351,7 +16442,7 @@
       </p:sp>
       <p:pic>
         <p:nvPicPr>
-          <p:cNvPr id="186" name="Google Shape;186;p20"/>
+          <p:cNvPr id="185" name="Google Shape;185;p20"/>
           <p:cNvPicPr preferRelativeResize="0"/>
           <p:nvPr/>
         </p:nvPicPr>
@@ -16379,7 +16470,7 @@
       </p:pic>
       <p:pic>
         <p:nvPicPr>
-          <p:cNvPr id="187" name="Google Shape;187;p20"/>
+          <p:cNvPr id="186" name="Google Shape;186;p20"/>
           <p:cNvPicPr preferRelativeResize="0"/>
           <p:nvPr/>
         </p:nvPicPr>
@@ -16418,7 +16509,7 @@
   <p:cSld>
     <p:spTree>
       <p:nvGrpSpPr>
-        <p:cNvPr id="191" name="Shape 191"/>
+        <p:cNvPr id="190" name="Shape 190"/>
         <p:cNvGrpSpPr/>
         <p:nvPr/>
       </p:nvGrpSpPr>
@@ -16432,7 +16523,7 @@
       </p:grpSpPr>
       <p:sp>
         <p:nvSpPr>
-          <p:cNvPr id="192" name="Google Shape;192;p21"/>
+          <p:cNvPr id="191" name="Google Shape;191;p21"/>
           <p:cNvSpPr txBox="1"/>
           <p:nvPr>
             <p:ph type="title"/>
@@ -16488,7 +16579,7 @@
       </p:sp>
       <p:sp>
         <p:nvSpPr>
-          <p:cNvPr id="193" name="Google Shape;193;p21"/>
+          <p:cNvPr id="192" name="Google Shape;192;p21"/>
           <p:cNvSpPr txBox="1"/>
           <p:nvPr>
             <p:ph idx="1" type="body"/>
@@ -16527,7 +16618,7 @@
       </p:sp>
       <p:sp>
         <p:nvSpPr>
-          <p:cNvPr id="194" name="Google Shape;194;p21"/>
+          <p:cNvPr id="193" name="Google Shape;193;p21"/>
           <p:cNvSpPr txBox="1"/>
           <p:nvPr>
             <p:ph idx="2" type="body"/>
@@ -16566,7 +16657,7 @@
       </p:sp>
       <p:pic>
         <p:nvPicPr>
-          <p:cNvPr id="195" name="Google Shape;195;p21"/>
+          <p:cNvPr id="194" name="Google Shape;194;p21"/>
           <p:cNvPicPr preferRelativeResize="0"/>
           <p:nvPr/>
         </p:nvPicPr>
@@ -16594,7 +16685,7 @@
       </p:pic>
       <p:pic>
         <p:nvPicPr>
-          <p:cNvPr id="196" name="Google Shape;196;p21"/>
+          <p:cNvPr id="195" name="Google Shape;195;p21"/>
           <p:cNvPicPr preferRelativeResize="0"/>
           <p:nvPr/>
         </p:nvPicPr>
@@ -16629,6 +16720,285 @@
 </file>
 
 <file path=ppt/theme/theme1.xml><?xml version="1.0" encoding="utf-8"?>
+<a:theme xmlns:a="http://schemas.openxmlformats.org/drawingml/2006/main" xmlns:r="http://schemas.openxmlformats.org/officeDocument/2006/relationships">
+  <a:themeElements>
+    <a:clrScheme name="Default">
+      <a:dk1>
+        <a:srgbClr val="000000"/>
+      </a:dk1>
+      <a:lt1>
+        <a:srgbClr val="FFFFFF"/>
+      </a:lt1>
+      <a:dk2>
+        <a:srgbClr val="158158"/>
+      </a:dk2>
+      <a:lt2>
+        <a:srgbClr val="F3F3F3"/>
+      </a:lt2>
+      <a:accent1>
+        <a:srgbClr val="058DC7"/>
+      </a:accent1>
+      <a:accent2>
+        <a:srgbClr val="50B432"/>
+      </a:accent2>
+      <a:accent3>
+        <a:srgbClr val="ED561B"/>
+      </a:accent3>
+      <a:accent4>
+        <a:srgbClr val="EDEF00"/>
+      </a:accent4>
+      <a:accent5>
+        <a:srgbClr val="24CBE5"/>
+      </a:accent5>
+      <a:accent6>
+        <a:srgbClr val="64E572"/>
+      </a:accent6>
+      <a:hlink>
+        <a:srgbClr val="2200CC"/>
+      </a:hlink>
+      <a:folHlink>
+        <a:srgbClr val="551A8B"/>
+      </a:folHlink>
+    </a:clrScheme>
+    <a:fontScheme name="Office">
+      <a:majorFont>
+        <a:latin typeface="Arial"/>
+        <a:ea typeface=""/>
+        <a:cs typeface=""/>
+        <a:font script="Jpan" typeface="ＭＳ Ｐゴシック"/>
+        <a:font script="Hang" typeface="맑은 고딕"/>
+        <a:font script="Hans" typeface="宋体"/>
+        <a:font script="Hant" typeface="新細明體"/>
+        <a:font script="Arab" typeface="Times New Roman"/>
+        <a:font script="Hebr" typeface="Times New Roman"/>
+        <a:font script="Thai" typeface="Angsana New"/>
+        <a:font script="Ethi" typeface="Nyala"/>
+        <a:font script="Beng" typeface="Vrinda"/>
+        <a:font script="Gujr" typeface="Shruti"/>
+        <a:font script="Khmr" typeface="MoolBoran"/>
+        <a:font script="Knda" typeface="Tunga"/>
+        <a:font script="Guru" typeface="Raavi"/>
+        <a:font script="Cans" typeface="Euphemia"/>
+        <a:font script="Cher" typeface="Plantagenet Cherokee"/>
+        <a:font script="Yiii" typeface="Microsoft Yi Baiti"/>
+        <a:font script="Tibt" typeface="Microsoft Himalaya"/>
+        <a:font script="Thaa" typeface="MV Boli"/>
+        <a:font script="Deva" typeface="Mangal"/>
+        <a:font script="Telu" typeface="Gautami"/>
+        <a:font script="Taml" typeface="Latha"/>
+        <a:font script="Syrc" typeface="Estrangelo Edessa"/>
+        <a:font script="Orya" typeface="Kalinga"/>
+        <a:font script="Mlym" typeface="Kartika"/>
+        <a:font script="Laoo" typeface="DokChampa"/>
+        <a:font script="Sinh" typeface="Iskoola Pota"/>
+        <a:font script="Mong" typeface="Mongolian Baiti"/>
+        <a:font script="Viet" typeface="Times New Roman"/>
+        <a:font script="Uigh" typeface="Microsoft Uighur"/>
+        <a:font script="Geor" typeface="Sylfaen"/>
+      </a:majorFont>
+      <a:minorFont>
+        <a:latin typeface="Arial"/>
+        <a:ea typeface=""/>
+        <a:cs typeface=""/>
+        <a:font script="Jpan" typeface="ＭＳ Ｐゴシック"/>
+        <a:font script="Hang" typeface="맑은 고딕"/>
+        <a:font script="Hans" typeface="宋体"/>
+        <a:font script="Hant" typeface="新細明體"/>
+        <a:font script="Arab" typeface="Arial"/>
+        <a:font script="Hebr" typeface="Arial"/>
+        <a:font script="Thai" typeface="Cordia New"/>
+        <a:font script="Ethi" typeface="Nyala"/>
+        <a:font script="Beng" typeface="Vrinda"/>
+        <a:font script="Gujr" typeface="Shruti"/>
+        <a:font script="Khmr" typeface="DaunPenh"/>
+        <a:font script="Knda" typeface="Tunga"/>
+        <a:font script="Guru" typeface="Raavi"/>
+        <a:font script="Cans" typeface="Euphemia"/>
+        <a:font script="Cher" typeface="Plantagenet Cherokee"/>
+        <a:font script="Yiii" typeface="Microsoft Yi Baiti"/>
+        <a:font script="Tibt" typeface="Microsoft Himalaya"/>
+        <a:font script="Thaa" typeface="MV Boli"/>
+        <a:font script="Deva" typeface="Mangal"/>
+        <a:font script="Telu" typeface="Gautami"/>
+        <a:font script="Taml" typeface="Latha"/>
+        <a:font script="Syrc" typeface="Estrangelo Edessa"/>
+        <a:font script="Orya" typeface="Kalinga"/>
+        <a:font script="Mlym" typeface="Kartika"/>
+        <a:font script="Laoo" typeface="DokChampa"/>
+        <a:font script="Sinh" typeface="Iskoola Pota"/>
+        <a:font script="Mong" typeface="Mongolian Baiti"/>
+        <a:font script="Viet" typeface="Arial"/>
+        <a:font script="Uigh" typeface="Microsoft Uighur"/>
+        <a:font script="Geor" typeface="Sylfaen"/>
+      </a:minorFont>
+    </a:fontScheme>
+    <a:fmtScheme name="Office">
+      <a:fillStyleLst>
+        <a:solidFill>
+          <a:schemeClr val="phClr"/>
+        </a:solidFill>
+        <a:gradFill rotWithShape="1">
+          <a:gsLst>
+            <a:gs pos="0">
+              <a:schemeClr val="phClr">
+                <a:tint val="50000"/>
+                <a:satMod val="300000"/>
+              </a:schemeClr>
+            </a:gs>
+            <a:gs pos="35000">
+              <a:schemeClr val="phClr">
+                <a:tint val="37000"/>
+                <a:satMod val="300000"/>
+              </a:schemeClr>
+            </a:gs>
+            <a:gs pos="100000">
+              <a:schemeClr val="phClr">
+                <a:tint val="15000"/>
+                <a:satMod val="350000"/>
+              </a:schemeClr>
+            </a:gs>
+          </a:gsLst>
+          <a:lin ang="16200000" scaled="1"/>
+        </a:gradFill>
+        <a:gradFill rotWithShape="1">
+          <a:gsLst>
+            <a:gs pos="0">
+              <a:schemeClr val="phClr">
+                <a:tint val="100000"/>
+                <a:shade val="100000"/>
+                <a:satMod val="130000"/>
+              </a:schemeClr>
+            </a:gs>
+            <a:gs pos="100000">
+              <a:schemeClr val="phClr">
+                <a:tint val="50000"/>
+                <a:shade val="100000"/>
+                <a:satMod val="350000"/>
+              </a:schemeClr>
+            </a:gs>
+          </a:gsLst>
+          <a:lin ang="16200000" scaled="0"/>
+        </a:gradFill>
+      </a:fillStyleLst>
+      <a:lnStyleLst>
+        <a:ln w="9525" cap="flat" cmpd="sng" algn="ctr">
+          <a:solidFill>
+            <a:schemeClr val="phClr">
+              <a:shade val="95000"/>
+              <a:satMod val="105000"/>
+            </a:schemeClr>
+          </a:solidFill>
+          <a:prstDash val="solid"/>
+        </a:ln>
+        <a:ln w="25400" cap="flat" cmpd="sng" algn="ctr">
+          <a:solidFill>
+            <a:schemeClr val="phClr"/>
+          </a:solidFill>
+          <a:prstDash val="solid"/>
+        </a:ln>
+        <a:ln w="38100" cap="flat" cmpd="sng" algn="ctr">
+          <a:solidFill>
+            <a:schemeClr val="phClr"/>
+          </a:solidFill>
+          <a:prstDash val="solid"/>
+        </a:ln>
+      </a:lnStyleLst>
+      <a:effectStyleLst>
+        <a:effectStyle>
+          <a:effectLst>
+            <a:outerShdw blurRad="40000" dist="20000" dir="5400000" rotWithShape="0">
+              <a:srgbClr val="000000">
+                <a:alpha val="38000"/>
+              </a:srgbClr>
+            </a:outerShdw>
+          </a:effectLst>
+        </a:effectStyle>
+        <a:effectStyle>
+          <a:effectLst>
+            <a:outerShdw blurRad="40000" dist="23000" dir="5400000" rotWithShape="0">
+              <a:srgbClr val="000000">
+                <a:alpha val="35000"/>
+              </a:srgbClr>
+            </a:outerShdw>
+          </a:effectLst>
+        </a:effectStyle>
+        <a:effectStyle>
+          <a:effectLst>
+            <a:outerShdw blurRad="40000" dist="23000" dir="5400000" rotWithShape="0">
+              <a:srgbClr val="000000">
+                <a:alpha val="35000"/>
+              </a:srgbClr>
+            </a:outerShdw>
+          </a:effectLst>
+          <a:scene3d>
+            <a:camera prst="orthographicFront">
+              <a:rot lat="0" lon="0" rev="0"/>
+            </a:camera>
+            <a:lightRig rig="threePt" dir="t">
+              <a:rot lat="0" lon="0" rev="1200000"/>
+            </a:lightRig>
+          </a:scene3d>
+          <a:sp3d>
+            <a:bevelT w="63500" h="25400"/>
+          </a:sp3d>
+        </a:effectStyle>
+      </a:effectStyleLst>
+      <a:bgFillStyleLst>
+        <a:solidFill>
+          <a:schemeClr val="phClr"/>
+        </a:solidFill>
+        <a:gradFill rotWithShape="1">
+          <a:gsLst>
+            <a:gs pos="0">
+              <a:schemeClr val="phClr">
+                <a:tint val="40000"/>
+                <a:satMod val="350000"/>
+              </a:schemeClr>
+            </a:gs>
+            <a:gs pos="40000">
+              <a:schemeClr val="phClr">
+                <a:tint val="45000"/>
+                <a:shade val="99000"/>
+                <a:satMod val="350000"/>
+              </a:schemeClr>
+            </a:gs>
+            <a:gs pos="100000">
+              <a:schemeClr val="phClr">
+                <a:shade val="20000"/>
+                <a:satMod val="255000"/>
+              </a:schemeClr>
+            </a:gs>
+          </a:gsLst>
+          <a:path path="circle">
+            <a:fillToRect l="50000" t="-80000" r="50000" b="180000"/>
+          </a:path>
+        </a:gradFill>
+        <a:gradFill rotWithShape="1">
+          <a:gsLst>
+            <a:gs pos="0">
+              <a:schemeClr val="phClr">
+                <a:tint val="80000"/>
+                <a:satMod val="300000"/>
+              </a:schemeClr>
+            </a:gs>
+            <a:gs pos="100000">
+              <a:schemeClr val="phClr">
+                <a:shade val="30000"/>
+                <a:satMod val="200000"/>
+              </a:schemeClr>
+            </a:gs>
+          </a:gsLst>
+          <a:path path="circle">
+            <a:fillToRect l="50000" t="50000" r="50000" b="50000"/>
+          </a:path>
+        </a:gradFill>
+      </a:bgFillStyleLst>
+    </a:fmtScheme>
+  </a:themeElements>
+</a:theme>
+</file>
+
+<file path=ppt/theme/theme2.xml><?xml version="1.0" encoding="utf-8"?>
 <a:theme xmlns:a="http://schemas.openxmlformats.org/drawingml/2006/main" xmlns:r="http://schemas.openxmlformats.org/officeDocument/2006/relationships" name="Focus">
   <a:themeElements>
     <a:clrScheme name="Focus">
@@ -16905,283 +17275,4 @@
     </a:fmtScheme>
   </a:themeElements>
 </a:theme>
-</file>
-
-<file path=ppt/theme/theme2.xml><?xml version="1.0" encoding="utf-8"?>
-<a:theme xmlns:a="http://schemas.openxmlformats.org/drawingml/2006/main" xmlns:r="http://schemas.openxmlformats.org/officeDocument/2006/relationships">
-  <a:themeElements>
-    <a:clrScheme name="Default">
-      <a:dk1>
-        <a:srgbClr val="000000"/>
-      </a:dk1>
-      <a:lt1>
-        <a:srgbClr val="FFFFFF"/>
-      </a:lt1>
-      <a:dk2>
-        <a:srgbClr val="158158"/>
-      </a:dk2>
-      <a:lt2>
-        <a:srgbClr val="F3F3F3"/>
-      </a:lt2>
-      <a:accent1>
-        <a:srgbClr val="058DC7"/>
-      </a:accent1>
-      <a:accent2>
-        <a:srgbClr val="50B432"/>
-      </a:accent2>
-      <a:accent3>
-        <a:srgbClr val="ED561B"/>
-      </a:accent3>
-      <a:accent4>
-        <a:srgbClr val="EDEF00"/>
-      </a:accent4>
-      <a:accent5>
-        <a:srgbClr val="24CBE5"/>
-      </a:accent5>
-      <a:accent6>
-        <a:srgbClr val="64E572"/>
-      </a:accent6>
-      <a:hlink>
-        <a:srgbClr val="2200CC"/>
-      </a:hlink>
-      <a:folHlink>
-        <a:srgbClr val="551A8B"/>
-      </a:folHlink>
-    </a:clrScheme>
-    <a:fontScheme name="Office">
-      <a:majorFont>
-        <a:latin typeface="Arial"/>
-        <a:ea typeface=""/>
-        <a:cs typeface=""/>
-        <a:font script="Jpan" typeface="ＭＳ Ｐゴシック"/>
-        <a:font script="Hang" typeface="맑은 고딕"/>
-        <a:font script="Hans" typeface="宋体"/>
-        <a:font script="Hant" typeface="新細明體"/>
-        <a:font script="Arab" typeface="Times New Roman"/>
-        <a:font script="Hebr" typeface="Times New Roman"/>
-        <a:font script="Thai" typeface="Angsana New"/>
-        <a:font script="Ethi" typeface="Nyala"/>
-        <a:font script="Beng" typeface="Vrinda"/>
-        <a:font script="Gujr" typeface="Shruti"/>
-        <a:font script="Khmr" typeface="MoolBoran"/>
-        <a:font script="Knda" typeface="Tunga"/>
-        <a:font script="Guru" typeface="Raavi"/>
-        <a:font script="Cans" typeface="Euphemia"/>
-        <a:font script="Cher" typeface="Plantagenet Cherokee"/>
-        <a:font script="Yiii" typeface="Microsoft Yi Baiti"/>
-        <a:font script="Tibt" typeface="Microsoft Himalaya"/>
-        <a:font script="Thaa" typeface="MV Boli"/>
-        <a:font script="Deva" typeface="Mangal"/>
-        <a:font script="Telu" typeface="Gautami"/>
-        <a:font script="Taml" typeface="Latha"/>
-        <a:font script="Syrc" typeface="Estrangelo Edessa"/>
-        <a:font script="Orya" typeface="Kalinga"/>
-        <a:font script="Mlym" typeface="Kartika"/>
-        <a:font script="Laoo" typeface="DokChampa"/>
-        <a:font script="Sinh" typeface="Iskoola Pota"/>
-        <a:font script="Mong" typeface="Mongolian Baiti"/>
-        <a:font script="Viet" typeface="Times New Roman"/>
-        <a:font script="Uigh" typeface="Microsoft Uighur"/>
-        <a:font script="Geor" typeface="Sylfaen"/>
-      </a:majorFont>
-      <a:minorFont>
-        <a:latin typeface="Arial"/>
-        <a:ea typeface=""/>
-        <a:cs typeface=""/>
-        <a:font script="Jpan" typeface="ＭＳ Ｐゴシック"/>
-        <a:font script="Hang" typeface="맑은 고딕"/>
-        <a:font script="Hans" typeface="宋体"/>
-        <a:font script="Hant" typeface="新細明體"/>
-        <a:font script="Arab" typeface="Arial"/>
-        <a:font script="Hebr" typeface="Arial"/>
-        <a:font script="Thai" typeface="Cordia New"/>
-        <a:font script="Ethi" typeface="Nyala"/>
-        <a:font script="Beng" typeface="Vrinda"/>
-        <a:font script="Gujr" typeface="Shruti"/>
-        <a:font script="Khmr" typeface="DaunPenh"/>
-        <a:font script="Knda" typeface="Tunga"/>
-        <a:font script="Guru" typeface="Raavi"/>
-        <a:font script="Cans" typeface="Euphemia"/>
-        <a:font script="Cher" typeface="Plantagenet Cherokee"/>
-        <a:font script="Yiii" typeface="Microsoft Yi Baiti"/>
-        <a:font script="Tibt" typeface="Microsoft Himalaya"/>
-        <a:font script="Thaa" typeface="MV Boli"/>
-        <a:font script="Deva" typeface="Mangal"/>
-        <a:font script="Telu" typeface="Gautami"/>
-        <a:font script="Taml" typeface="Latha"/>
-        <a:font script="Syrc" typeface="Estrangelo Edessa"/>
-        <a:font script="Orya" typeface="Kalinga"/>
-        <a:font script="Mlym" typeface="Kartika"/>
-        <a:font script="Laoo" typeface="DokChampa"/>
-        <a:font script="Sinh" typeface="Iskoola Pota"/>
-        <a:font script="Mong" typeface="Mongolian Baiti"/>
-        <a:font script="Viet" typeface="Arial"/>
-        <a:font script="Uigh" typeface="Microsoft Uighur"/>
-        <a:font script="Geor" typeface="Sylfaen"/>
-      </a:minorFont>
-    </a:fontScheme>
-    <a:fmtScheme name="Office">
-      <a:fillStyleLst>
-        <a:solidFill>
-          <a:schemeClr val="phClr"/>
-        </a:solidFill>
-        <a:gradFill rotWithShape="1">
-          <a:gsLst>
-            <a:gs pos="0">
-              <a:schemeClr val="phClr">
-                <a:tint val="50000"/>
-                <a:satMod val="300000"/>
-              </a:schemeClr>
-            </a:gs>
-            <a:gs pos="35000">
-              <a:schemeClr val="phClr">
-                <a:tint val="37000"/>
-                <a:satMod val="300000"/>
-              </a:schemeClr>
-            </a:gs>
-            <a:gs pos="100000">
-              <a:schemeClr val="phClr">
-                <a:tint val="15000"/>
-                <a:satMod val="350000"/>
-              </a:schemeClr>
-            </a:gs>
-          </a:gsLst>
-          <a:lin ang="16200000" scaled="1"/>
-        </a:gradFill>
-        <a:gradFill rotWithShape="1">
-          <a:gsLst>
-            <a:gs pos="0">
-              <a:schemeClr val="phClr">
-                <a:tint val="100000"/>
-                <a:shade val="100000"/>
-                <a:satMod val="130000"/>
-              </a:schemeClr>
-            </a:gs>
-            <a:gs pos="100000">
-              <a:schemeClr val="phClr">
-                <a:tint val="50000"/>
-                <a:shade val="100000"/>
-                <a:satMod val="350000"/>
-              </a:schemeClr>
-            </a:gs>
-          </a:gsLst>
-          <a:lin ang="16200000" scaled="0"/>
-        </a:gradFill>
-      </a:fillStyleLst>
-      <a:lnStyleLst>
-        <a:ln w="9525" cap="flat" cmpd="sng" algn="ctr">
-          <a:solidFill>
-            <a:schemeClr val="phClr">
-              <a:shade val="95000"/>
-              <a:satMod val="105000"/>
-            </a:schemeClr>
-          </a:solidFill>
-          <a:prstDash val="solid"/>
-        </a:ln>
-        <a:ln w="25400" cap="flat" cmpd="sng" algn="ctr">
-          <a:solidFill>
-            <a:schemeClr val="phClr"/>
-          </a:solidFill>
-          <a:prstDash val="solid"/>
-        </a:ln>
-        <a:ln w="38100" cap="flat" cmpd="sng" algn="ctr">
-          <a:solidFill>
-            <a:schemeClr val="phClr"/>
-          </a:solidFill>
-          <a:prstDash val="solid"/>
-        </a:ln>
-      </a:lnStyleLst>
-      <a:effectStyleLst>
-        <a:effectStyle>
-          <a:effectLst>
-            <a:outerShdw blurRad="40000" dist="20000" dir="5400000" rotWithShape="0">
-              <a:srgbClr val="000000">
-                <a:alpha val="38000"/>
-              </a:srgbClr>
-            </a:outerShdw>
-          </a:effectLst>
-        </a:effectStyle>
-        <a:effectStyle>
-          <a:effectLst>
-            <a:outerShdw blurRad="40000" dist="23000" dir="5400000" rotWithShape="0">
-              <a:srgbClr val="000000">
-                <a:alpha val="35000"/>
-              </a:srgbClr>
-            </a:outerShdw>
-          </a:effectLst>
-        </a:effectStyle>
-        <a:effectStyle>
-          <a:effectLst>
-            <a:outerShdw blurRad="40000" dist="23000" dir="5400000" rotWithShape="0">
-              <a:srgbClr val="000000">
-                <a:alpha val="35000"/>
-              </a:srgbClr>
-            </a:outerShdw>
-          </a:effectLst>
-          <a:scene3d>
-            <a:camera prst="orthographicFront">
-              <a:rot lat="0" lon="0" rev="0"/>
-            </a:camera>
-            <a:lightRig rig="threePt" dir="t">
-              <a:rot lat="0" lon="0" rev="1200000"/>
-            </a:lightRig>
-          </a:scene3d>
-          <a:sp3d>
-            <a:bevelT w="63500" h="25400"/>
-          </a:sp3d>
-        </a:effectStyle>
-      </a:effectStyleLst>
-      <a:bgFillStyleLst>
-        <a:solidFill>
-          <a:schemeClr val="phClr"/>
-        </a:solidFill>
-        <a:gradFill rotWithShape="1">
-          <a:gsLst>
-            <a:gs pos="0">
-              <a:schemeClr val="phClr">
-                <a:tint val="40000"/>
-                <a:satMod val="350000"/>
-              </a:schemeClr>
-            </a:gs>
-            <a:gs pos="40000">
-              <a:schemeClr val="phClr">
-                <a:tint val="45000"/>
-                <a:shade val="99000"/>
-                <a:satMod val="350000"/>
-              </a:schemeClr>
-            </a:gs>
-            <a:gs pos="100000">
-              <a:schemeClr val="phClr">
-                <a:shade val="20000"/>
-                <a:satMod val="255000"/>
-              </a:schemeClr>
-            </a:gs>
-          </a:gsLst>
-          <a:path path="circle">
-            <a:fillToRect l="50000" t="-80000" r="50000" b="180000"/>
-          </a:path>
-        </a:gradFill>
-        <a:gradFill rotWithShape="1">
-          <a:gsLst>
-            <a:gs pos="0">
-              <a:schemeClr val="phClr">
-                <a:tint val="80000"/>
-                <a:satMod val="300000"/>
-              </a:schemeClr>
-            </a:gs>
-            <a:gs pos="100000">
-              <a:schemeClr val="phClr">
-                <a:shade val="30000"/>
-                <a:satMod val="200000"/>
-              </a:schemeClr>
-            </a:gs>
-          </a:gsLst>
-          <a:path path="circle">
-            <a:fillToRect l="50000" t="50000" r="50000" b="50000"/>
-          </a:path>
-        </a:gradFill>
-      </a:bgFillStyleLst>
-    </a:fmtScheme>
-  </a:themeElements>
-</a:theme>
 </file>
--- a/文件/期末專題 PPT (1).pptx
+++ b/文件/期末專題 PPT (1).pptx
@@ -834,7 +834,7 @@
   <p:cSld>
     <p:spTree>
       <p:nvGrpSpPr>
-        <p:cNvPr id="199" name="Shape 199"/>
+        <p:cNvPr id="200" name="Shape 200"/>
         <p:cNvGrpSpPr/>
         <p:nvPr/>
       </p:nvGrpSpPr>
@@ -848,7 +848,7 @@
       </p:grpSpPr>
       <p:sp>
         <p:nvSpPr>
-          <p:cNvPr id="200" name="Google Shape;200;g35d45f693f5_0_145:notes"/>
+          <p:cNvPr id="201" name="Google Shape;201;g35d45f693f5_0_145:notes"/>
           <p:cNvSpPr/>
           <p:nvPr>
             <p:ph idx="2" type="sldImg"/>
@@ -883,7 +883,7 @@
       </p:sp>
       <p:sp>
         <p:nvSpPr>
-          <p:cNvPr id="201" name="Google Shape;201;g35d45f693f5_0_145:notes"/>
+          <p:cNvPr id="202" name="Google Shape;202;g35d45f693f5_0_145:notes"/>
           <p:cNvSpPr txBox="1"/>
           <p:nvPr>
             <p:ph idx="1" type="body"/>
@@ -933,7 +933,7 @@
   <p:cSld>
     <p:spTree>
       <p:nvGrpSpPr>
-        <p:cNvPr id="209" name="Shape 209"/>
+        <p:cNvPr id="210" name="Shape 210"/>
         <p:cNvGrpSpPr/>
         <p:nvPr/>
       </p:nvGrpSpPr>
@@ -947,7 +947,7 @@
       </p:grpSpPr>
       <p:sp>
         <p:nvSpPr>
-          <p:cNvPr id="210" name="Google Shape;210;g35e5b9448b4_0_0:notes"/>
+          <p:cNvPr id="211" name="Google Shape;211;g35e5b9448b4_0_0:notes"/>
           <p:cNvSpPr/>
           <p:nvPr>
             <p:ph idx="2" type="sldImg"/>
@@ -982,7 +982,7 @@
       </p:sp>
       <p:sp>
         <p:nvSpPr>
-          <p:cNvPr id="211" name="Google Shape;211;g35e5b9448b4_0_0:notes"/>
+          <p:cNvPr id="212" name="Google Shape;212;g35e5b9448b4_0_0:notes"/>
           <p:cNvSpPr txBox="1"/>
           <p:nvPr>
             <p:ph idx="1" type="body"/>
@@ -1032,7 +1032,7 @@
   <p:cSld>
     <p:spTree>
       <p:nvGrpSpPr>
-        <p:cNvPr id="217" name="Shape 217"/>
+        <p:cNvPr id="218" name="Shape 218"/>
         <p:cNvGrpSpPr/>
         <p:nvPr/>
       </p:nvGrpSpPr>
@@ -1046,7 +1046,7 @@
       </p:grpSpPr>
       <p:sp>
         <p:nvSpPr>
-          <p:cNvPr id="218" name="Google Shape;218;g3608b458057_0_3:notes"/>
+          <p:cNvPr id="219" name="Google Shape;219;g3608b458057_0_3:notes"/>
           <p:cNvSpPr/>
           <p:nvPr>
             <p:ph idx="2" type="sldImg"/>
@@ -1081,7 +1081,7 @@
       </p:sp>
       <p:sp>
         <p:nvSpPr>
-          <p:cNvPr id="219" name="Google Shape;219;g3608b458057_0_3:notes"/>
+          <p:cNvPr id="220" name="Google Shape;220;g3608b458057_0_3:notes"/>
           <p:cNvSpPr txBox="1"/>
           <p:nvPr>
             <p:ph idx="1" type="body"/>
@@ -1131,7 +1131,7 @@
   <p:cSld>
     <p:spTree>
       <p:nvGrpSpPr>
-        <p:cNvPr id="225" name="Shape 225"/>
+        <p:cNvPr id="226" name="Shape 226"/>
         <p:cNvGrpSpPr/>
         <p:nvPr/>
       </p:nvGrpSpPr>
@@ -1145,7 +1145,7 @@
       </p:grpSpPr>
       <p:sp>
         <p:nvSpPr>
-          <p:cNvPr id="226" name="Google Shape;226;g35d45f693f5_0_157:notes"/>
+          <p:cNvPr id="227" name="Google Shape;227;g35d45f693f5_0_157:notes"/>
           <p:cNvSpPr/>
           <p:nvPr>
             <p:ph idx="2" type="sldImg"/>
@@ -1180,7 +1180,7 @@
       </p:sp>
       <p:sp>
         <p:nvSpPr>
-          <p:cNvPr id="227" name="Google Shape;227;g35d45f693f5_0_157:notes"/>
+          <p:cNvPr id="228" name="Google Shape;228;g35d45f693f5_0_157:notes"/>
           <p:cNvSpPr txBox="1"/>
           <p:nvPr>
             <p:ph idx="1" type="body"/>
@@ -1230,7 +1230,7 @@
   <p:cSld>
     <p:spTree>
       <p:nvGrpSpPr>
-        <p:cNvPr id="234" name="Shape 234"/>
+        <p:cNvPr id="235" name="Shape 235"/>
         <p:cNvGrpSpPr/>
         <p:nvPr/>
       </p:nvGrpSpPr>
@@ -1244,7 +1244,7 @@
       </p:grpSpPr>
       <p:sp>
         <p:nvSpPr>
-          <p:cNvPr id="235" name="Google Shape;235;g35d45f693f5_0_199:notes"/>
+          <p:cNvPr id="236" name="Google Shape;236;g35d45f693f5_0_199:notes"/>
           <p:cNvSpPr/>
           <p:nvPr>
             <p:ph idx="2" type="sldImg"/>
@@ -1279,7 +1279,7 @@
       </p:sp>
       <p:sp>
         <p:nvSpPr>
-          <p:cNvPr id="236" name="Google Shape;236;g35d45f693f5_0_199:notes"/>
+          <p:cNvPr id="237" name="Google Shape;237;g35d45f693f5_0_199:notes"/>
           <p:cNvSpPr txBox="1"/>
           <p:nvPr>
             <p:ph idx="1" type="body"/>
@@ -1329,7 +1329,7 @@
   <p:cSld>
     <p:spTree>
       <p:nvGrpSpPr>
-        <p:cNvPr id="243" name="Shape 243"/>
+        <p:cNvPr id="244" name="Shape 244"/>
         <p:cNvGrpSpPr/>
         <p:nvPr/>
       </p:nvGrpSpPr>
@@ -1343,7 +1343,7 @@
       </p:grpSpPr>
       <p:sp>
         <p:nvSpPr>
-          <p:cNvPr id="244" name="Google Shape;244;g35d45f693f5_0_249:notes"/>
+          <p:cNvPr id="245" name="Google Shape;245;g35d45f693f5_0_249:notes"/>
           <p:cNvSpPr/>
           <p:nvPr>
             <p:ph idx="2" type="sldImg"/>
@@ -1378,7 +1378,7 @@
       </p:sp>
       <p:sp>
         <p:nvSpPr>
-          <p:cNvPr id="245" name="Google Shape;245;g35d45f693f5_0_249:notes"/>
+          <p:cNvPr id="246" name="Google Shape;246;g35d45f693f5_0_249:notes"/>
           <p:cNvSpPr txBox="1"/>
           <p:nvPr>
             <p:ph idx="1" type="body"/>
@@ -1428,7 +1428,7 @@
   <p:cSld>
     <p:spTree>
       <p:nvGrpSpPr>
-        <p:cNvPr id="252" name="Shape 252"/>
+        <p:cNvPr id="253" name="Shape 253"/>
         <p:cNvGrpSpPr/>
         <p:nvPr/>
       </p:nvGrpSpPr>
@@ -1442,7 +1442,7 @@
       </p:grpSpPr>
       <p:sp>
         <p:nvSpPr>
-          <p:cNvPr id="253" name="Google Shape;253;g35d45f693f5_5_0:notes"/>
+          <p:cNvPr id="254" name="Google Shape;254;g35d45f693f5_5_0:notes"/>
           <p:cNvSpPr/>
           <p:nvPr>
             <p:ph idx="2" type="sldImg"/>
@@ -1477,7 +1477,7 @@
       </p:sp>
       <p:sp>
         <p:nvSpPr>
-          <p:cNvPr id="254" name="Google Shape;254;g35d45f693f5_5_0:notes"/>
+          <p:cNvPr id="255" name="Google Shape;255;g35d45f693f5_5_0:notes"/>
           <p:cNvSpPr txBox="1"/>
           <p:nvPr>
             <p:ph idx="1" type="body"/>
@@ -1527,7 +1527,7 @@
   <p:cSld>
     <p:spTree>
       <p:nvGrpSpPr>
-        <p:cNvPr id="261" name="Shape 261"/>
+        <p:cNvPr id="262" name="Shape 262"/>
         <p:cNvGrpSpPr/>
         <p:nvPr/>
       </p:nvGrpSpPr>
@@ -1541,7 +1541,7 @@
       </p:grpSpPr>
       <p:sp>
         <p:nvSpPr>
-          <p:cNvPr id="262" name="Google Shape;262;g35d45f693f5_7_8:notes"/>
+          <p:cNvPr id="263" name="Google Shape;263;g35d45f693f5_7_8:notes"/>
           <p:cNvSpPr/>
           <p:nvPr>
             <p:ph idx="2" type="sldImg"/>
@@ -1576,7 +1576,7 @@
       </p:sp>
       <p:sp>
         <p:nvSpPr>
-          <p:cNvPr id="263" name="Google Shape;263;g35d45f693f5_7_8:notes"/>
+          <p:cNvPr id="264" name="Google Shape;264;g35d45f693f5_7_8:notes"/>
           <p:cNvSpPr txBox="1"/>
           <p:nvPr>
             <p:ph idx="1" type="body"/>
@@ -1626,7 +1626,7 @@
   <p:cSld>
     <p:spTree>
       <p:nvGrpSpPr>
-        <p:cNvPr id="269" name="Shape 269"/>
+        <p:cNvPr id="270" name="Shape 270"/>
         <p:cNvGrpSpPr/>
         <p:nvPr/>
       </p:nvGrpSpPr>
@@ -1640,7 +1640,7 @@
       </p:grpSpPr>
       <p:sp>
         <p:nvSpPr>
-          <p:cNvPr id="270" name="Google Shape;270;g35d45f693f5_7_30:notes"/>
+          <p:cNvPr id="271" name="Google Shape;271;g35d45f693f5_7_30:notes"/>
           <p:cNvSpPr/>
           <p:nvPr>
             <p:ph idx="2" type="sldImg"/>
@@ -1675,7 +1675,7 @@
       </p:sp>
       <p:sp>
         <p:nvSpPr>
-          <p:cNvPr id="271" name="Google Shape;271;g35d45f693f5_7_30:notes"/>
+          <p:cNvPr id="272" name="Google Shape;272;g35d45f693f5_7_30:notes"/>
           <p:cNvSpPr txBox="1"/>
           <p:nvPr>
             <p:ph idx="1" type="body"/>
@@ -1725,7 +1725,7 @@
   <p:cSld>
     <p:spTree>
       <p:nvGrpSpPr>
-        <p:cNvPr id="278" name="Shape 278"/>
+        <p:cNvPr id="279" name="Shape 279"/>
         <p:cNvGrpSpPr/>
         <p:nvPr/>
       </p:nvGrpSpPr>
@@ -1739,7 +1739,7 @@
       </p:grpSpPr>
       <p:sp>
         <p:nvSpPr>
-          <p:cNvPr id="279" name="Google Shape;279;g35d45f693f5_8_9:notes"/>
+          <p:cNvPr id="280" name="Google Shape;280;g35d45f693f5_8_9:notes"/>
           <p:cNvSpPr/>
           <p:nvPr>
             <p:ph idx="2" type="sldImg"/>
@@ -1774,7 +1774,7 @@
       </p:sp>
       <p:sp>
         <p:nvSpPr>
-          <p:cNvPr id="280" name="Google Shape;280;g35d45f693f5_8_9:notes"/>
+          <p:cNvPr id="281" name="Google Shape;281;g35d45f693f5_8_9:notes"/>
           <p:cNvSpPr txBox="1"/>
           <p:nvPr>
             <p:ph idx="1" type="body"/>
@@ -1923,7 +1923,7 @@
   <p:cSld>
     <p:spTree>
       <p:nvGrpSpPr>
-        <p:cNvPr id="286" name="Shape 286"/>
+        <p:cNvPr id="287" name="Shape 287"/>
         <p:cNvGrpSpPr/>
         <p:nvPr/>
       </p:nvGrpSpPr>
@@ -1937,7 +1937,7 @@
       </p:grpSpPr>
       <p:sp>
         <p:nvSpPr>
-          <p:cNvPr id="287" name="Google Shape;287;g35d45f693f5_8_25:notes"/>
+          <p:cNvPr id="288" name="Google Shape;288;g35d45f693f5_8_25:notes"/>
           <p:cNvSpPr/>
           <p:nvPr>
             <p:ph idx="2" type="sldImg"/>
@@ -1972,7 +1972,7 @@
       </p:sp>
       <p:sp>
         <p:nvSpPr>
-          <p:cNvPr id="288" name="Google Shape;288;g35d45f693f5_8_25:notes"/>
+          <p:cNvPr id="289" name="Google Shape;289;g35d45f693f5_8_25:notes"/>
           <p:cNvSpPr txBox="1"/>
           <p:nvPr>
             <p:ph idx="1" type="body"/>
@@ -2022,7 +2022,7 @@
   <p:cSld>
     <p:spTree>
       <p:nvGrpSpPr>
-        <p:cNvPr id="294" name="Shape 294"/>
+        <p:cNvPr id="295" name="Shape 295"/>
         <p:cNvGrpSpPr/>
         <p:nvPr/>
       </p:nvGrpSpPr>
@@ -2036,7 +2036,7 @@
       </p:grpSpPr>
       <p:sp>
         <p:nvSpPr>
-          <p:cNvPr id="295" name="Google Shape;295;g35d45f693f5_8_17:notes"/>
+          <p:cNvPr id="296" name="Google Shape;296;g35d45f693f5_8_17:notes"/>
           <p:cNvSpPr/>
           <p:nvPr>
             <p:ph idx="2" type="sldImg"/>
@@ -2071,7 +2071,7 @@
       </p:sp>
       <p:sp>
         <p:nvSpPr>
-          <p:cNvPr id="296" name="Google Shape;296;g35d45f693f5_8_17:notes"/>
+          <p:cNvPr id="297" name="Google Shape;297;g35d45f693f5_8_17:notes"/>
           <p:cNvSpPr txBox="1"/>
           <p:nvPr>
             <p:ph idx="1" type="body"/>
@@ -2121,7 +2121,7 @@
   <p:cSld>
     <p:spTree>
       <p:nvGrpSpPr>
-        <p:cNvPr id="302" name="Shape 302"/>
+        <p:cNvPr id="303" name="Shape 303"/>
         <p:cNvGrpSpPr/>
         <p:nvPr/>
       </p:nvGrpSpPr>
@@ -2135,7 +2135,7 @@
       </p:grpSpPr>
       <p:sp>
         <p:nvSpPr>
-          <p:cNvPr id="303" name="Google Shape;303;g35d45f693f5_8_33:notes"/>
+          <p:cNvPr id="304" name="Google Shape;304;g35d45f693f5_8_33:notes"/>
           <p:cNvSpPr/>
           <p:nvPr>
             <p:ph idx="2" type="sldImg"/>
@@ -2170,7 +2170,7 @@
       </p:sp>
       <p:sp>
         <p:nvSpPr>
-          <p:cNvPr id="304" name="Google Shape;304;g35d45f693f5_8_33:notes"/>
+          <p:cNvPr id="305" name="Google Shape;305;g35d45f693f5_8_33:notes"/>
           <p:cNvSpPr txBox="1"/>
           <p:nvPr>
             <p:ph idx="1" type="body"/>
@@ -2220,7 +2220,7 @@
   <p:cSld>
     <p:spTree>
       <p:nvGrpSpPr>
-        <p:cNvPr id="311" name="Shape 311"/>
+        <p:cNvPr id="312" name="Shape 312"/>
         <p:cNvGrpSpPr/>
         <p:nvPr/>
       </p:nvGrpSpPr>
@@ -2234,7 +2234,7 @@
       </p:grpSpPr>
       <p:sp>
         <p:nvSpPr>
-          <p:cNvPr id="312" name="Google Shape;312;g35d45f693f5_9_0:notes"/>
+          <p:cNvPr id="313" name="Google Shape;313;g35d45f693f5_9_0:notes"/>
           <p:cNvSpPr/>
           <p:nvPr>
             <p:ph idx="2" type="sldImg"/>
@@ -2269,7 +2269,7 @@
       </p:sp>
       <p:sp>
         <p:nvSpPr>
-          <p:cNvPr id="313" name="Google Shape;313;g35d45f693f5_9_0:notes"/>
+          <p:cNvPr id="314" name="Google Shape;314;g35d45f693f5_9_0:notes"/>
           <p:cNvSpPr txBox="1"/>
           <p:nvPr>
             <p:ph idx="1" type="body"/>
@@ -2319,7 +2319,7 @@
   <p:cSld>
     <p:spTree>
       <p:nvGrpSpPr>
-        <p:cNvPr id="319" name="Shape 319"/>
+        <p:cNvPr id="320" name="Shape 320"/>
         <p:cNvGrpSpPr/>
         <p:nvPr/>
       </p:nvGrpSpPr>
@@ -2333,7 +2333,7 @@
       </p:grpSpPr>
       <p:sp>
         <p:nvSpPr>
-          <p:cNvPr id="320" name="Google Shape;320;g35e5b9448b4_1_0:notes"/>
+          <p:cNvPr id="321" name="Google Shape;321;g35e5b9448b4_1_0:notes"/>
           <p:cNvSpPr/>
           <p:nvPr>
             <p:ph idx="2" type="sldImg"/>
@@ -2368,7 +2368,7 @@
       </p:sp>
       <p:sp>
         <p:nvSpPr>
-          <p:cNvPr id="321" name="Google Shape;321;g35e5b9448b4_1_0:notes"/>
+          <p:cNvPr id="322" name="Google Shape;322;g35e5b9448b4_1_0:notes"/>
           <p:cNvSpPr txBox="1"/>
           <p:nvPr>
             <p:ph idx="1" type="body"/>
@@ -2418,7 +2418,7 @@
   <p:cSld>
     <p:spTree>
       <p:nvGrpSpPr>
-        <p:cNvPr id="327" name="Shape 327"/>
+        <p:cNvPr id="328" name="Shape 328"/>
         <p:cNvGrpSpPr/>
         <p:nvPr/>
       </p:nvGrpSpPr>
@@ -2432,7 +2432,7 @@
       </p:grpSpPr>
       <p:sp>
         <p:nvSpPr>
-          <p:cNvPr id="328" name="Google Shape;328;g35d45f693f5_9_16:notes"/>
+          <p:cNvPr id="329" name="Google Shape;329;g35d45f693f5_9_16:notes"/>
           <p:cNvSpPr/>
           <p:nvPr>
             <p:ph idx="2" type="sldImg"/>
@@ -2467,7 +2467,7 @@
       </p:sp>
       <p:sp>
         <p:nvSpPr>
-          <p:cNvPr id="329" name="Google Shape;329;g35d45f693f5_9_16:notes"/>
+          <p:cNvPr id="330" name="Google Shape;330;g35d45f693f5_9_16:notes"/>
           <p:cNvSpPr txBox="1"/>
           <p:nvPr>
             <p:ph idx="1" type="body"/>
@@ -2517,7 +2517,7 @@
   <p:cSld>
     <p:spTree>
       <p:nvGrpSpPr>
-        <p:cNvPr id="336" name="Shape 336"/>
+        <p:cNvPr id="337" name="Shape 337"/>
         <p:cNvGrpSpPr/>
         <p:nvPr/>
       </p:nvGrpSpPr>
@@ -2531,7 +2531,7 @@
       </p:grpSpPr>
       <p:sp>
         <p:nvSpPr>
-          <p:cNvPr id="337" name="Google Shape;337;g35d45f693f5_9_23:notes"/>
+          <p:cNvPr id="338" name="Google Shape;338;g35d45f693f5_9_23:notes"/>
           <p:cNvSpPr/>
           <p:nvPr>
             <p:ph idx="2" type="sldImg"/>
@@ -2566,7 +2566,7 @@
       </p:sp>
       <p:sp>
         <p:nvSpPr>
-          <p:cNvPr id="338" name="Google Shape;338;g35d45f693f5_9_23:notes"/>
+          <p:cNvPr id="339" name="Google Shape;339;g35d45f693f5_9_23:notes"/>
           <p:cNvSpPr txBox="1"/>
           <p:nvPr>
             <p:ph idx="1" type="body"/>
@@ -2616,7 +2616,7 @@
   <p:cSld>
     <p:spTree>
       <p:nvGrpSpPr>
-        <p:cNvPr id="345" name="Shape 345"/>
+        <p:cNvPr id="346" name="Shape 346"/>
         <p:cNvGrpSpPr/>
         <p:nvPr/>
       </p:nvGrpSpPr>
@@ -2630,7 +2630,7 @@
       </p:grpSpPr>
       <p:sp>
         <p:nvSpPr>
-          <p:cNvPr id="346" name="Google Shape;346;g3608b458057_0_10:notes"/>
+          <p:cNvPr id="347" name="Google Shape;347;g3608b458057_0_10:notes"/>
           <p:cNvSpPr/>
           <p:nvPr>
             <p:ph idx="2" type="sldImg"/>
@@ -2665,7 +2665,7 @@
       </p:sp>
       <p:sp>
         <p:nvSpPr>
-          <p:cNvPr id="347" name="Google Shape;347;g3608b458057_0_10:notes"/>
+          <p:cNvPr id="348" name="Google Shape;348;g3608b458057_0_10:notes"/>
           <p:cNvSpPr txBox="1"/>
           <p:nvPr>
             <p:ph idx="1" type="body"/>
@@ -2715,7 +2715,7 @@
   <p:cSld>
     <p:spTree>
       <p:nvGrpSpPr>
-        <p:cNvPr id="354" name="Shape 354"/>
+        <p:cNvPr id="355" name="Shape 355"/>
         <p:cNvGrpSpPr/>
         <p:nvPr/>
       </p:nvGrpSpPr>
@@ -2729,7 +2729,7 @@
       </p:grpSpPr>
       <p:sp>
         <p:nvSpPr>
-          <p:cNvPr id="355" name="Google Shape;355;g3608b458057_0_18:notes"/>
+          <p:cNvPr id="356" name="Google Shape;356;g3608b458057_0_18:notes"/>
           <p:cNvSpPr/>
           <p:nvPr>
             <p:ph idx="2" type="sldImg"/>
@@ -2764,7 +2764,7 @@
       </p:sp>
       <p:sp>
         <p:nvSpPr>
-          <p:cNvPr id="356" name="Google Shape;356;g3608b458057_0_18:notes"/>
+          <p:cNvPr id="357" name="Google Shape;357;g3608b458057_0_18:notes"/>
           <p:cNvSpPr txBox="1"/>
           <p:nvPr>
             <p:ph idx="1" type="body"/>
@@ -2814,7 +2814,7 @@
   <p:cSld>
     <p:spTree>
       <p:nvGrpSpPr>
-        <p:cNvPr id="362" name="Shape 362"/>
+        <p:cNvPr id="363" name="Shape 363"/>
         <p:cNvGrpSpPr/>
         <p:nvPr/>
       </p:nvGrpSpPr>
@@ -2828,7 +2828,7 @@
       </p:grpSpPr>
       <p:sp>
         <p:nvSpPr>
-          <p:cNvPr id="363" name="Google Shape;363;g35fd8960f65_0_46:notes"/>
+          <p:cNvPr id="364" name="Google Shape;364;g35fd8960f65_0_46:notes"/>
           <p:cNvSpPr/>
           <p:nvPr>
             <p:ph idx="2" type="sldImg"/>
@@ -2863,7 +2863,7 @@
       </p:sp>
       <p:sp>
         <p:nvSpPr>
-          <p:cNvPr id="364" name="Google Shape;364;g35fd8960f65_0_46:notes"/>
+          <p:cNvPr id="365" name="Google Shape;365;g35fd8960f65_0_46:notes"/>
           <p:cNvSpPr txBox="1"/>
           <p:nvPr>
             <p:ph idx="1" type="body"/>
@@ -3309,7 +3309,7 @@
   <p:cSld>
     <p:spTree>
       <p:nvGrpSpPr>
-        <p:cNvPr id="169" name="Shape 169"/>
+        <p:cNvPr id="170" name="Shape 170"/>
         <p:cNvGrpSpPr/>
         <p:nvPr/>
       </p:nvGrpSpPr>
@@ -3323,7 +3323,7 @@
       </p:grpSpPr>
       <p:sp>
         <p:nvSpPr>
-          <p:cNvPr id="170" name="Google Shape;170;g35d45f693f5_0_0:notes"/>
+          <p:cNvPr id="171" name="Google Shape;171;g35d45f693f5_0_0:notes"/>
           <p:cNvSpPr/>
           <p:nvPr>
             <p:ph idx="2" type="sldImg"/>
@@ -3358,7 +3358,7 @@
       </p:sp>
       <p:sp>
         <p:nvSpPr>
-          <p:cNvPr id="171" name="Google Shape;171;g35d45f693f5_0_0:notes"/>
+          <p:cNvPr id="172" name="Google Shape;172;g35d45f693f5_0_0:notes"/>
           <p:cNvSpPr txBox="1"/>
           <p:nvPr>
             <p:ph idx="1" type="body"/>
@@ -3408,7 +3408,7 @@
   <p:cSld>
     <p:spTree>
       <p:nvGrpSpPr>
-        <p:cNvPr id="179" name="Shape 179"/>
+        <p:cNvPr id="180" name="Shape 180"/>
         <p:cNvGrpSpPr/>
         <p:nvPr/>
       </p:nvGrpSpPr>
@@ -3422,7 +3422,7 @@
       </p:grpSpPr>
       <p:sp>
         <p:nvSpPr>
-          <p:cNvPr id="180" name="Google Shape;180;g35d45f693f5_0_135:notes"/>
+          <p:cNvPr id="181" name="Google Shape;181;g35d45f693f5_0_135:notes"/>
           <p:cNvSpPr/>
           <p:nvPr>
             <p:ph idx="2" type="sldImg"/>
@@ -3457,7 +3457,7 @@
       </p:sp>
       <p:sp>
         <p:nvSpPr>
-          <p:cNvPr id="181" name="Google Shape;181;g35d45f693f5_0_135:notes"/>
+          <p:cNvPr id="182" name="Google Shape;182;g35d45f693f5_0_135:notes"/>
           <p:cNvSpPr txBox="1"/>
           <p:nvPr>
             <p:ph idx="1" type="body"/>
@@ -3507,7 +3507,7 @@
   <p:cSld>
     <p:spTree>
       <p:nvGrpSpPr>
-        <p:cNvPr id="190" name="Shape 190"/>
+        <p:cNvPr id="191" name="Shape 191"/>
         <p:cNvGrpSpPr/>
         <p:nvPr/>
       </p:nvGrpSpPr>
@@ -3521,7 +3521,7 @@
       </p:grpSpPr>
       <p:sp>
         <p:nvSpPr>
-          <p:cNvPr id="191" name="Google Shape;191;g35d45f693f5_0_166:notes"/>
+          <p:cNvPr id="192" name="Google Shape;192;g35d45f693f5_0_166:notes"/>
           <p:cNvSpPr/>
           <p:nvPr>
             <p:ph idx="2" type="sldImg"/>
@@ -3556,7 +3556,7 @@
       </p:sp>
       <p:sp>
         <p:nvSpPr>
-          <p:cNvPr id="192" name="Google Shape;192;g35d45f693f5_0_166:notes"/>
+          <p:cNvPr id="193" name="Google Shape;193;g35d45f693f5_0_166:notes"/>
           <p:cNvSpPr txBox="1"/>
           <p:nvPr>
             <p:ph idx="1" type="body"/>
@@ -11922,7 +11922,7 @@
   <p:cSld>
     <p:spTree>
       <p:nvGrpSpPr>
-        <p:cNvPr id="202" name="Shape 202"/>
+        <p:cNvPr id="203" name="Shape 203"/>
         <p:cNvGrpSpPr/>
         <p:nvPr/>
       </p:nvGrpSpPr>
@@ -11936,7 +11936,7 @@
       </p:grpSpPr>
       <p:sp>
         <p:nvSpPr>
-          <p:cNvPr id="203" name="Google Shape;203;p22"/>
+          <p:cNvPr id="204" name="Google Shape;204;p22"/>
           <p:cNvSpPr txBox="1"/>
           <p:nvPr>
             <p:ph type="title"/>
@@ -11976,7 +11976,7 @@
       </p:sp>
       <p:sp>
         <p:nvSpPr>
-          <p:cNvPr id="204" name="Google Shape;204;p22"/>
+          <p:cNvPr id="205" name="Google Shape;205;p22"/>
           <p:cNvSpPr txBox="1"/>
           <p:nvPr>
             <p:ph idx="1" type="body"/>
@@ -12015,7 +12015,7 @@
       </p:sp>
       <p:sp>
         <p:nvSpPr>
-          <p:cNvPr id="205" name="Google Shape;205;p22"/>
+          <p:cNvPr id="206" name="Google Shape;206;p22"/>
           <p:cNvSpPr txBox="1"/>
           <p:nvPr>
             <p:ph idx="2" type="body"/>
@@ -12054,7 +12054,7 @@
       </p:sp>
       <p:pic>
         <p:nvPicPr>
-          <p:cNvPr id="206" name="Google Shape;206;p22" title="擷取.PNG"/>
+          <p:cNvPr id="207" name="Google Shape;207;p22" title="擷取.PNG"/>
           <p:cNvPicPr preferRelativeResize="0"/>
           <p:nvPr/>
         </p:nvPicPr>
@@ -12081,7 +12081,7 @@
       </p:pic>
       <p:pic>
         <p:nvPicPr>
-          <p:cNvPr id="207" name="Google Shape;207;p22"/>
+          <p:cNvPr id="208" name="Google Shape;208;p22"/>
           <p:cNvPicPr preferRelativeResize="0"/>
           <p:nvPr/>
         </p:nvPicPr>
@@ -12109,7 +12109,7 @@
       </p:pic>
       <p:pic>
         <p:nvPicPr>
-          <p:cNvPr id="208" name="Google Shape;208;p22" title="擷取.PNG"/>
+          <p:cNvPr id="209" name="Google Shape;209;p22" title="擷取.PNG"/>
           <p:cNvPicPr preferRelativeResize="0"/>
           <p:nvPr/>
         </p:nvPicPr>
@@ -12147,7 +12147,7 @@
   <p:cSld>
     <p:spTree>
       <p:nvGrpSpPr>
-        <p:cNvPr id="212" name="Shape 212"/>
+        <p:cNvPr id="213" name="Shape 213"/>
         <p:cNvGrpSpPr/>
         <p:nvPr/>
       </p:nvGrpSpPr>
@@ -12161,7 +12161,7 @@
       </p:grpSpPr>
       <p:sp>
         <p:nvSpPr>
-          <p:cNvPr id="213" name="Google Shape;213;p23"/>
+          <p:cNvPr id="214" name="Google Shape;214;p23"/>
           <p:cNvSpPr txBox="1"/>
           <p:nvPr>
             <p:ph type="title"/>
@@ -12205,7 +12205,7 @@
       </p:sp>
       <p:sp>
         <p:nvSpPr>
-          <p:cNvPr id="214" name="Google Shape;214;p23"/>
+          <p:cNvPr id="215" name="Google Shape;215;p23"/>
           <p:cNvSpPr txBox="1"/>
           <p:nvPr>
             <p:ph idx="1" type="body"/>
@@ -12244,7 +12244,7 @@
       </p:sp>
       <p:sp>
         <p:nvSpPr>
-          <p:cNvPr id="215" name="Google Shape;215;p23"/>
+          <p:cNvPr id="216" name="Google Shape;216;p23"/>
           <p:cNvSpPr txBox="1"/>
           <p:nvPr>
             <p:ph idx="2" type="body"/>
@@ -12283,7 +12283,7 @@
       </p:sp>
       <p:pic>
         <p:nvPicPr>
-          <p:cNvPr id="216" name="Google Shape;216;p23" title="螢幕擷取畫面 2025-05-26 162545.png"/>
+          <p:cNvPr id="217" name="Google Shape;217;p23" title="螢幕擷取畫面 2025-05-26 162545.png"/>
           <p:cNvPicPr preferRelativeResize="0"/>
           <p:nvPr/>
         </p:nvPicPr>
@@ -12321,7 +12321,7 @@
   <p:cSld>
     <p:spTree>
       <p:nvGrpSpPr>
-        <p:cNvPr id="220" name="Shape 220"/>
+        <p:cNvPr id="221" name="Shape 221"/>
         <p:cNvGrpSpPr/>
         <p:nvPr/>
       </p:nvGrpSpPr>
@@ -12335,7 +12335,7 @@
       </p:grpSpPr>
       <p:sp>
         <p:nvSpPr>
-          <p:cNvPr id="221" name="Google Shape;221;p24"/>
+          <p:cNvPr id="222" name="Google Shape;222;p24"/>
           <p:cNvSpPr txBox="1"/>
           <p:nvPr>
             <p:ph type="title"/>
@@ -12379,7 +12379,7 @@
       </p:sp>
       <p:sp>
         <p:nvSpPr>
-          <p:cNvPr id="222" name="Google Shape;222;p24"/>
+          <p:cNvPr id="223" name="Google Shape;223;p24"/>
           <p:cNvSpPr txBox="1"/>
           <p:nvPr>
             <p:ph idx="1" type="body"/>
@@ -12418,7 +12418,7 @@
       </p:sp>
       <p:sp>
         <p:nvSpPr>
-          <p:cNvPr id="223" name="Google Shape;223;p24"/>
+          <p:cNvPr id="224" name="Google Shape;224;p24"/>
           <p:cNvSpPr txBox="1"/>
           <p:nvPr>
             <p:ph idx="2" type="body"/>
@@ -12457,7 +12457,7 @@
       </p:sp>
       <p:pic>
         <p:nvPicPr>
-          <p:cNvPr id="224" name="Google Shape;224;p24" title="擷取.PNG"/>
+          <p:cNvPr id="225" name="Google Shape;225;p24" title="擷取.PNG"/>
           <p:cNvPicPr preferRelativeResize="0"/>
           <p:nvPr/>
         </p:nvPicPr>
@@ -12495,7 +12495,7 @@
   <p:cSld>
     <p:spTree>
       <p:nvGrpSpPr>
-        <p:cNvPr id="228" name="Shape 228"/>
+        <p:cNvPr id="229" name="Shape 229"/>
         <p:cNvGrpSpPr/>
         <p:nvPr/>
       </p:nvGrpSpPr>
@@ -12509,7 +12509,7 @@
       </p:grpSpPr>
       <p:sp>
         <p:nvSpPr>
-          <p:cNvPr id="229" name="Google Shape;229;p25"/>
+          <p:cNvPr id="230" name="Google Shape;230;p25"/>
           <p:cNvSpPr txBox="1"/>
           <p:nvPr>
             <p:ph type="title"/>
@@ -12553,7 +12553,7 @@
       </p:sp>
       <p:sp>
         <p:nvSpPr>
-          <p:cNvPr id="230" name="Google Shape;230;p25"/>
+          <p:cNvPr id="231" name="Google Shape;231;p25"/>
           <p:cNvSpPr txBox="1"/>
           <p:nvPr>
             <p:ph idx="1" type="body"/>
@@ -12592,7 +12592,7 @@
       </p:sp>
       <p:sp>
         <p:nvSpPr>
-          <p:cNvPr id="231" name="Google Shape;231;p25"/>
+          <p:cNvPr id="232" name="Google Shape;232;p25"/>
           <p:cNvSpPr txBox="1"/>
           <p:nvPr>
             <p:ph idx="2" type="body"/>
@@ -12631,7 +12631,7 @@
       </p:sp>
       <p:pic>
         <p:nvPicPr>
-          <p:cNvPr id="232" name="Google Shape;232;p25" title="螢幕擷取畫面 2025-05-26 162545.png"/>
+          <p:cNvPr id="233" name="Google Shape;233;p25" title="螢幕擷取畫面 2025-05-26 162545.png"/>
           <p:cNvPicPr preferRelativeResize="0"/>
           <p:nvPr/>
         </p:nvPicPr>
@@ -12658,7 +12658,7 @@
       </p:pic>
       <p:pic>
         <p:nvPicPr>
-          <p:cNvPr id="233" name="Google Shape;233;p25"/>
+          <p:cNvPr id="234" name="Google Shape;234;p25"/>
           <p:cNvPicPr preferRelativeResize="0"/>
           <p:nvPr/>
         </p:nvPicPr>
@@ -12697,7 +12697,7 @@
   <p:cSld>
     <p:spTree>
       <p:nvGrpSpPr>
-        <p:cNvPr id="237" name="Shape 237"/>
+        <p:cNvPr id="238" name="Shape 238"/>
         <p:cNvGrpSpPr/>
         <p:nvPr/>
       </p:nvGrpSpPr>
@@ -12711,7 +12711,7 @@
       </p:grpSpPr>
       <p:sp>
         <p:nvSpPr>
-          <p:cNvPr id="238" name="Google Shape;238;p26"/>
+          <p:cNvPr id="239" name="Google Shape;239;p26"/>
           <p:cNvSpPr txBox="1"/>
           <p:nvPr>
             <p:ph type="title"/>
@@ -12751,7 +12751,7 @@
       </p:sp>
       <p:sp>
         <p:nvSpPr>
-          <p:cNvPr id="239" name="Google Shape;239;p26"/>
+          <p:cNvPr id="240" name="Google Shape;240;p26"/>
           <p:cNvSpPr txBox="1"/>
           <p:nvPr>
             <p:ph idx="1" type="body"/>
@@ -12790,7 +12790,7 @@
       </p:sp>
       <p:sp>
         <p:nvSpPr>
-          <p:cNvPr id="240" name="Google Shape;240;p26"/>
+          <p:cNvPr id="241" name="Google Shape;241;p26"/>
           <p:cNvSpPr txBox="1"/>
           <p:nvPr>
             <p:ph idx="2" type="body"/>
@@ -12829,7 +12829,7 @@
       </p:sp>
       <p:pic>
         <p:nvPicPr>
-          <p:cNvPr id="241" name="Google Shape;241;p26" title="擷取.PNG"/>
+          <p:cNvPr id="242" name="Google Shape;242;p26" title="擷取.PNG"/>
           <p:cNvPicPr preferRelativeResize="0"/>
           <p:nvPr/>
         </p:nvPicPr>
@@ -12856,7 +12856,7 @@
       </p:pic>
       <p:pic>
         <p:nvPicPr>
-          <p:cNvPr id="242" name="Google Shape;242;p26" title="擷取.PNG"/>
+          <p:cNvPr id="243" name="Google Shape;243;p26" title="擷取.PNG"/>
           <p:cNvPicPr preferRelativeResize="0"/>
           <p:nvPr/>
         </p:nvPicPr>
@@ -12894,7 +12894,7 @@
   <p:cSld>
     <p:spTree>
       <p:nvGrpSpPr>
-        <p:cNvPr id="246" name="Shape 246"/>
+        <p:cNvPr id="247" name="Shape 247"/>
         <p:cNvGrpSpPr/>
         <p:nvPr/>
       </p:nvGrpSpPr>
@@ -12908,7 +12908,7 @@
       </p:grpSpPr>
       <p:sp>
         <p:nvSpPr>
-          <p:cNvPr id="247" name="Google Shape;247;p27"/>
+          <p:cNvPr id="248" name="Google Shape;248;p27"/>
           <p:cNvSpPr txBox="1"/>
           <p:nvPr>
             <p:ph type="title"/>
@@ -12948,7 +12948,7 @@
       </p:sp>
       <p:sp>
         <p:nvSpPr>
-          <p:cNvPr id="248" name="Google Shape;248;p27"/>
+          <p:cNvPr id="249" name="Google Shape;249;p27"/>
           <p:cNvSpPr txBox="1"/>
           <p:nvPr>
             <p:ph idx="1" type="body"/>
@@ -12987,7 +12987,7 @@
       </p:sp>
       <p:sp>
         <p:nvSpPr>
-          <p:cNvPr id="249" name="Google Shape;249;p27"/>
+          <p:cNvPr id="250" name="Google Shape;250;p27"/>
           <p:cNvSpPr txBox="1"/>
           <p:nvPr>
             <p:ph idx="2" type="body"/>
@@ -13026,7 +13026,7 @@
       </p:sp>
       <p:pic>
         <p:nvPicPr>
-          <p:cNvPr id="250" name="Google Shape;250;p27" title="螢幕擷取畫面 2025-05-26 162545.png"/>
+          <p:cNvPr id="251" name="Google Shape;251;p27" title="螢幕擷取畫面 2025-05-26 162545.png"/>
           <p:cNvPicPr preferRelativeResize="0"/>
           <p:nvPr/>
         </p:nvPicPr>
@@ -13053,7 +13053,7 @@
       </p:pic>
       <p:pic>
         <p:nvPicPr>
-          <p:cNvPr id="251" name="Google Shape;251;p27" title="螢幕擷取畫面 2025-05-26 162545.png"/>
+          <p:cNvPr id="252" name="Google Shape;252;p27" title="螢幕擷取畫面 2025-05-26 162545.png"/>
           <p:cNvPicPr preferRelativeResize="0"/>
           <p:nvPr/>
         </p:nvPicPr>
@@ -13091,7 +13091,7 @@
   <p:cSld>
     <p:spTree>
       <p:nvGrpSpPr>
-        <p:cNvPr id="255" name="Shape 255"/>
+        <p:cNvPr id="256" name="Shape 256"/>
         <p:cNvGrpSpPr/>
         <p:nvPr/>
       </p:nvGrpSpPr>
@@ -13105,7 +13105,7 @@
       </p:grpSpPr>
       <p:sp>
         <p:nvSpPr>
-          <p:cNvPr id="256" name="Google Shape;256;p28"/>
+          <p:cNvPr id="257" name="Google Shape;257;p28"/>
           <p:cNvSpPr txBox="1"/>
           <p:nvPr>
             <p:ph type="title"/>
@@ -13145,7 +13145,7 @@
       </p:sp>
       <p:sp>
         <p:nvSpPr>
-          <p:cNvPr id="257" name="Google Shape;257;p28"/>
+          <p:cNvPr id="258" name="Google Shape;258;p28"/>
           <p:cNvSpPr txBox="1"/>
           <p:nvPr>
             <p:ph idx="1" type="body"/>
@@ -13184,7 +13184,7 @@
       </p:sp>
       <p:sp>
         <p:nvSpPr>
-          <p:cNvPr id="258" name="Google Shape;258;p28"/>
+          <p:cNvPr id="259" name="Google Shape;259;p28"/>
           <p:cNvSpPr txBox="1"/>
           <p:nvPr>
             <p:ph idx="2" type="body"/>
@@ -13223,7 +13223,7 @@
       </p:sp>
       <p:pic>
         <p:nvPicPr>
-          <p:cNvPr id="259" name="Google Shape;259;p28" title="螢幕擷取畫面 2025-05-26 162545.png"/>
+          <p:cNvPr id="260" name="Google Shape;260;p28" title="螢幕擷取畫面 2025-05-26 162545.png"/>
           <p:cNvPicPr preferRelativeResize="0"/>
           <p:nvPr/>
         </p:nvPicPr>
@@ -13250,7 +13250,7 @@
       </p:pic>
       <p:pic>
         <p:nvPicPr>
-          <p:cNvPr id="260" name="Google Shape;260;p28"/>
+          <p:cNvPr id="261" name="Google Shape;261;p28"/>
           <p:cNvPicPr preferRelativeResize="0"/>
           <p:nvPr/>
         </p:nvPicPr>
@@ -13289,7 +13289,7 @@
   <p:cSld>
     <p:spTree>
       <p:nvGrpSpPr>
-        <p:cNvPr id="264" name="Shape 264"/>
+        <p:cNvPr id="265" name="Shape 265"/>
         <p:cNvGrpSpPr/>
         <p:nvPr/>
       </p:nvGrpSpPr>
@@ -13303,7 +13303,7 @@
       </p:grpSpPr>
       <p:sp>
         <p:nvSpPr>
-          <p:cNvPr id="265" name="Google Shape;265;p29"/>
+          <p:cNvPr id="266" name="Google Shape;266;p29"/>
           <p:cNvSpPr txBox="1"/>
           <p:nvPr>
             <p:ph type="title"/>
@@ -13343,7 +13343,7 @@
       </p:sp>
       <p:sp>
         <p:nvSpPr>
-          <p:cNvPr id="266" name="Google Shape;266;p29"/>
+          <p:cNvPr id="267" name="Google Shape;267;p29"/>
           <p:cNvSpPr txBox="1"/>
           <p:nvPr>
             <p:ph idx="1" type="body"/>
@@ -13382,7 +13382,7 @@
       </p:sp>
       <p:sp>
         <p:nvSpPr>
-          <p:cNvPr id="267" name="Google Shape;267;p29"/>
+          <p:cNvPr id="268" name="Google Shape;268;p29"/>
           <p:cNvSpPr txBox="1"/>
           <p:nvPr>
             <p:ph idx="2" type="body"/>
@@ -13421,7 +13421,7 @@
       </p:sp>
       <p:pic>
         <p:nvPicPr>
-          <p:cNvPr id="268" name="Google Shape;268;p29"/>
+          <p:cNvPr id="269" name="Google Shape;269;p29"/>
           <p:cNvPicPr preferRelativeResize="0"/>
           <p:nvPr/>
         </p:nvPicPr>
@@ -13460,7 +13460,7 @@
   <p:cSld>
     <p:spTree>
       <p:nvGrpSpPr>
-        <p:cNvPr id="272" name="Shape 272"/>
+        <p:cNvPr id="273" name="Shape 273"/>
         <p:cNvGrpSpPr/>
         <p:nvPr/>
       </p:nvGrpSpPr>
@@ -13474,7 +13474,7 @@
       </p:grpSpPr>
       <p:sp>
         <p:nvSpPr>
-          <p:cNvPr id="273" name="Google Shape;273;p30"/>
+          <p:cNvPr id="274" name="Google Shape;274;p30"/>
           <p:cNvSpPr txBox="1"/>
           <p:nvPr>
             <p:ph type="title"/>
@@ -13514,7 +13514,7 @@
       </p:sp>
       <p:sp>
         <p:nvSpPr>
-          <p:cNvPr id="274" name="Google Shape;274;p30"/>
+          <p:cNvPr id="275" name="Google Shape;275;p30"/>
           <p:cNvSpPr txBox="1"/>
           <p:nvPr>
             <p:ph idx="1" type="body"/>
@@ -13554,7 +13554,7 @@
       </p:sp>
       <p:sp>
         <p:nvSpPr>
-          <p:cNvPr id="275" name="Google Shape;275;p30"/>
+          <p:cNvPr id="276" name="Google Shape;276;p30"/>
           <p:cNvSpPr txBox="1"/>
           <p:nvPr>
             <p:ph idx="2" type="body"/>
@@ -13594,7 +13594,7 @@
       </p:sp>
       <p:pic>
         <p:nvPicPr>
-          <p:cNvPr id="276" name="Google Shape;276;p30" title="螢幕擷取畫面 2025-05-26 162545.png"/>
+          <p:cNvPr id="277" name="Google Shape;277;p30" title="螢幕擷取畫面 2025-05-26 162545.png"/>
           <p:cNvPicPr preferRelativeResize="0"/>
           <p:nvPr/>
         </p:nvPicPr>
@@ -13621,7 +13621,7 @@
       </p:pic>
       <p:pic>
         <p:nvPicPr>
-          <p:cNvPr id="277" name="Google Shape;277;p30" title="螢幕擷取畫面 2025-05-26 162545.png"/>
+          <p:cNvPr id="278" name="Google Shape;278;p30" title="螢幕擷取畫面 2025-05-26 162545.png"/>
           <p:cNvPicPr preferRelativeResize="0"/>
           <p:nvPr/>
         </p:nvPicPr>
@@ -13659,7 +13659,7 @@
   <p:cSld>
     <p:spTree>
       <p:nvGrpSpPr>
-        <p:cNvPr id="281" name="Shape 281"/>
+        <p:cNvPr id="282" name="Shape 282"/>
         <p:cNvGrpSpPr/>
         <p:nvPr/>
       </p:nvGrpSpPr>
@@ -13673,7 +13673,7 @@
       </p:grpSpPr>
       <p:sp>
         <p:nvSpPr>
-          <p:cNvPr id="282" name="Google Shape;282;p31"/>
+          <p:cNvPr id="283" name="Google Shape;283;p31"/>
           <p:cNvSpPr txBox="1"/>
           <p:nvPr>
             <p:ph type="title"/>
@@ -13713,7 +13713,7 @@
       </p:sp>
       <p:sp>
         <p:nvSpPr>
-          <p:cNvPr id="283" name="Google Shape;283;p31"/>
+          <p:cNvPr id="284" name="Google Shape;284;p31"/>
           <p:cNvSpPr txBox="1"/>
           <p:nvPr>
             <p:ph idx="1" type="body"/>
@@ -13752,7 +13752,7 @@
       </p:sp>
       <p:sp>
         <p:nvSpPr>
-          <p:cNvPr id="284" name="Google Shape;284;p31"/>
+          <p:cNvPr id="285" name="Google Shape;285;p31"/>
           <p:cNvSpPr txBox="1"/>
           <p:nvPr>
             <p:ph idx="2" type="body"/>
@@ -13791,7 +13791,7 @@
       </p:sp>
       <p:pic>
         <p:nvPicPr>
-          <p:cNvPr id="285" name="Google Shape;285;p31"/>
+          <p:cNvPr id="286" name="Google Shape;286;p31"/>
           <p:cNvPicPr preferRelativeResize="0"/>
           <p:nvPr/>
         </p:nvPicPr>
@@ -14119,7 +14119,7 @@
   <p:cSld>
     <p:spTree>
       <p:nvGrpSpPr>
-        <p:cNvPr id="289" name="Shape 289"/>
+        <p:cNvPr id="290" name="Shape 290"/>
         <p:cNvGrpSpPr/>
         <p:nvPr/>
       </p:nvGrpSpPr>
@@ -14133,7 +14133,7 @@
       </p:grpSpPr>
       <p:sp>
         <p:nvSpPr>
-          <p:cNvPr id="290" name="Google Shape;290;p32"/>
+          <p:cNvPr id="291" name="Google Shape;291;p32"/>
           <p:cNvSpPr txBox="1"/>
           <p:nvPr>
             <p:ph type="title"/>
@@ -14173,7 +14173,7 @@
       </p:sp>
       <p:sp>
         <p:nvSpPr>
-          <p:cNvPr id="291" name="Google Shape;291;p32"/>
+          <p:cNvPr id="292" name="Google Shape;292;p32"/>
           <p:cNvSpPr txBox="1"/>
           <p:nvPr>
             <p:ph idx="1" type="body"/>
@@ -14212,7 +14212,7 @@
       </p:sp>
       <p:sp>
         <p:nvSpPr>
-          <p:cNvPr id="292" name="Google Shape;292;p32"/>
+          <p:cNvPr id="293" name="Google Shape;293;p32"/>
           <p:cNvSpPr txBox="1"/>
           <p:nvPr>
             <p:ph idx="2" type="body"/>
@@ -14251,7 +14251,7 @@
       </p:sp>
       <p:pic>
         <p:nvPicPr>
-          <p:cNvPr id="293" name="Google Shape;293;p32" title="螢幕擷取畫面 2025-05-26 162545.png"/>
+          <p:cNvPr id="294" name="Google Shape;294;p32" title="螢幕擷取畫面 2025-05-26 162545.png"/>
           <p:cNvPicPr preferRelativeResize="0"/>
           <p:nvPr/>
         </p:nvPicPr>
@@ -14289,7 +14289,7 @@
   <p:cSld>
     <p:spTree>
       <p:nvGrpSpPr>
-        <p:cNvPr id="297" name="Shape 297"/>
+        <p:cNvPr id="298" name="Shape 298"/>
         <p:cNvGrpSpPr/>
         <p:nvPr/>
       </p:nvGrpSpPr>
@@ -14303,7 +14303,7 @@
       </p:grpSpPr>
       <p:sp>
         <p:nvSpPr>
-          <p:cNvPr id="298" name="Google Shape;298;p33"/>
+          <p:cNvPr id="299" name="Google Shape;299;p33"/>
           <p:cNvSpPr txBox="1"/>
           <p:nvPr>
             <p:ph type="title"/>
@@ -14343,7 +14343,7 @@
       </p:sp>
       <p:sp>
         <p:nvSpPr>
-          <p:cNvPr id="299" name="Google Shape;299;p33"/>
+          <p:cNvPr id="300" name="Google Shape;300;p33"/>
           <p:cNvSpPr txBox="1"/>
           <p:nvPr>
             <p:ph idx="1" type="body"/>
@@ -14382,7 +14382,7 @@
       </p:sp>
       <p:sp>
         <p:nvSpPr>
-          <p:cNvPr id="300" name="Google Shape;300;p33"/>
+          <p:cNvPr id="301" name="Google Shape;301;p33"/>
           <p:cNvSpPr txBox="1"/>
           <p:nvPr>
             <p:ph idx="2" type="body"/>
@@ -14421,7 +14421,7 @@
       </p:sp>
       <p:pic>
         <p:nvPicPr>
-          <p:cNvPr id="301" name="Google Shape;301;p33"/>
+          <p:cNvPr id="302" name="Google Shape;302;p33"/>
           <p:cNvPicPr preferRelativeResize="0"/>
           <p:nvPr/>
         </p:nvPicPr>
@@ -14460,7 +14460,7 @@
   <p:cSld>
     <p:spTree>
       <p:nvGrpSpPr>
-        <p:cNvPr id="305" name="Shape 305"/>
+        <p:cNvPr id="306" name="Shape 306"/>
         <p:cNvGrpSpPr/>
         <p:nvPr/>
       </p:nvGrpSpPr>
@@ -14474,7 +14474,7 @@
       </p:grpSpPr>
       <p:sp>
         <p:nvSpPr>
-          <p:cNvPr id="306" name="Google Shape;306;p34"/>
+          <p:cNvPr id="307" name="Google Shape;307;p34"/>
           <p:cNvSpPr txBox="1"/>
           <p:nvPr>
             <p:ph type="title"/>
@@ -14514,7 +14514,7 @@
       </p:sp>
       <p:sp>
         <p:nvSpPr>
-          <p:cNvPr id="307" name="Google Shape;307;p34"/>
+          <p:cNvPr id="308" name="Google Shape;308;p34"/>
           <p:cNvSpPr txBox="1"/>
           <p:nvPr>
             <p:ph idx="1" type="body"/>
@@ -14553,7 +14553,7 @@
       </p:sp>
       <p:sp>
         <p:nvSpPr>
-          <p:cNvPr id="308" name="Google Shape;308;p34"/>
+          <p:cNvPr id="309" name="Google Shape;309;p34"/>
           <p:cNvSpPr txBox="1"/>
           <p:nvPr>
             <p:ph idx="2" type="body"/>
@@ -14592,7 +14592,7 @@
       </p:sp>
       <p:pic>
         <p:nvPicPr>
-          <p:cNvPr id="309" name="Google Shape;309;p34" title="螢幕擷取畫面 2025-05-26 162545.png"/>
+          <p:cNvPr id="310" name="Google Shape;310;p34" title="螢幕擷取畫面 2025-05-26 162545.png"/>
           <p:cNvPicPr preferRelativeResize="0"/>
           <p:nvPr/>
         </p:nvPicPr>
@@ -14619,7 +14619,7 @@
       </p:pic>
       <p:pic>
         <p:nvPicPr>
-          <p:cNvPr id="310" name="Google Shape;310;p34" title="螢幕擷取畫面 2025-05-26 162545.png"/>
+          <p:cNvPr id="311" name="Google Shape;311;p34" title="螢幕擷取畫面 2025-05-26 162545.png"/>
           <p:cNvPicPr preferRelativeResize="0"/>
           <p:nvPr/>
         </p:nvPicPr>
@@ -14657,7 +14657,7 @@
   <p:cSld>
     <p:spTree>
       <p:nvGrpSpPr>
-        <p:cNvPr id="314" name="Shape 314"/>
+        <p:cNvPr id="315" name="Shape 315"/>
         <p:cNvGrpSpPr/>
         <p:nvPr/>
       </p:nvGrpSpPr>
@@ -14671,7 +14671,7 @@
       </p:grpSpPr>
       <p:sp>
         <p:nvSpPr>
-          <p:cNvPr id="315" name="Google Shape;315;p35"/>
+          <p:cNvPr id="316" name="Google Shape;316;p35"/>
           <p:cNvSpPr txBox="1"/>
           <p:nvPr>
             <p:ph type="title"/>
@@ -14719,7 +14719,7 @@
       </p:sp>
       <p:sp>
         <p:nvSpPr>
-          <p:cNvPr id="316" name="Google Shape;316;p35"/>
+          <p:cNvPr id="317" name="Google Shape;317;p35"/>
           <p:cNvSpPr txBox="1"/>
           <p:nvPr>
             <p:ph idx="1" type="body"/>
@@ -14758,7 +14758,7 @@
       </p:sp>
       <p:sp>
         <p:nvSpPr>
-          <p:cNvPr id="317" name="Google Shape;317;p35"/>
+          <p:cNvPr id="318" name="Google Shape;318;p35"/>
           <p:cNvSpPr txBox="1"/>
           <p:nvPr>
             <p:ph idx="2" type="body"/>
@@ -14797,7 +14797,7 @@
       </p:sp>
       <p:pic>
         <p:nvPicPr>
-          <p:cNvPr id="318" name="Google Shape;318;p35"/>
+          <p:cNvPr id="319" name="Google Shape;319;p35"/>
           <p:cNvPicPr preferRelativeResize="0"/>
           <p:nvPr/>
         </p:nvPicPr>
@@ -14836,7 +14836,7 @@
   <p:cSld>
     <p:spTree>
       <p:nvGrpSpPr>
-        <p:cNvPr id="322" name="Shape 322"/>
+        <p:cNvPr id="323" name="Shape 323"/>
         <p:cNvGrpSpPr/>
         <p:nvPr/>
       </p:nvGrpSpPr>
@@ -14850,7 +14850,7 @@
       </p:grpSpPr>
       <p:sp>
         <p:nvSpPr>
-          <p:cNvPr id="323" name="Google Shape;323;p36"/>
+          <p:cNvPr id="324" name="Google Shape;324;p36"/>
           <p:cNvSpPr txBox="1"/>
           <p:nvPr>
             <p:ph type="title"/>
@@ -14894,7 +14894,7 @@
       </p:sp>
       <p:sp>
         <p:nvSpPr>
-          <p:cNvPr id="324" name="Google Shape;324;p36"/>
+          <p:cNvPr id="325" name="Google Shape;325;p36"/>
           <p:cNvSpPr txBox="1"/>
           <p:nvPr>
             <p:ph idx="1" type="body"/>
@@ -14933,7 +14933,7 @@
       </p:sp>
       <p:sp>
         <p:nvSpPr>
-          <p:cNvPr id="325" name="Google Shape;325;p36"/>
+          <p:cNvPr id="326" name="Google Shape;326;p36"/>
           <p:cNvSpPr txBox="1"/>
           <p:nvPr>
             <p:ph idx="2" type="body"/>
@@ -14972,7 +14972,7 @@
       </p:sp>
       <p:pic>
         <p:nvPicPr>
-          <p:cNvPr id="326" name="Google Shape;326;p36" title="螢幕擷取畫面 2025-05-26 162545.png"/>
+          <p:cNvPr id="327" name="Google Shape;327;p36" title="螢幕擷取畫面 2025-05-26 162545.png"/>
           <p:cNvPicPr preferRelativeResize="0"/>
           <p:nvPr/>
         </p:nvPicPr>
@@ -15010,7 +15010,7 @@
   <p:cSld>
     <p:spTree>
       <p:nvGrpSpPr>
-        <p:cNvPr id="330" name="Shape 330"/>
+        <p:cNvPr id="331" name="Shape 331"/>
         <p:cNvGrpSpPr/>
         <p:nvPr/>
       </p:nvGrpSpPr>
@@ -15024,7 +15024,7 @@
       </p:grpSpPr>
       <p:sp>
         <p:nvSpPr>
-          <p:cNvPr id="331" name="Google Shape;331;p37"/>
+          <p:cNvPr id="332" name="Google Shape;332;p37"/>
           <p:cNvSpPr txBox="1"/>
           <p:nvPr>
             <p:ph type="title"/>
@@ -15068,7 +15068,7 @@
       </p:sp>
       <p:sp>
         <p:nvSpPr>
-          <p:cNvPr id="332" name="Google Shape;332;p37"/>
+          <p:cNvPr id="333" name="Google Shape;333;p37"/>
           <p:cNvSpPr txBox="1"/>
           <p:nvPr>
             <p:ph idx="1" type="body"/>
@@ -15107,7 +15107,7 @@
       </p:sp>
       <p:sp>
         <p:nvSpPr>
-          <p:cNvPr id="333" name="Google Shape;333;p37"/>
+          <p:cNvPr id="334" name="Google Shape;334;p37"/>
           <p:cNvSpPr txBox="1"/>
           <p:nvPr>
             <p:ph idx="2" type="body"/>
@@ -15162,7 +15162,7 @@
       </p:sp>
       <p:pic>
         <p:nvPicPr>
-          <p:cNvPr id="334" name="Google Shape;334;p37" title="擷取.PNG"/>
+          <p:cNvPr id="335" name="Google Shape;335;p37" title="擷取.PNG"/>
           <p:cNvPicPr preferRelativeResize="0"/>
           <p:nvPr/>
         </p:nvPicPr>
@@ -15189,7 +15189,7 @@
       </p:pic>
       <p:pic>
         <p:nvPicPr>
-          <p:cNvPr id="335" name="Google Shape;335;p37" title="擷取.PNG"/>
+          <p:cNvPr id="336" name="Google Shape;336;p37" title="擷取.PNG"/>
           <p:cNvPicPr preferRelativeResize="0"/>
           <p:nvPr/>
         </p:nvPicPr>
@@ -15227,7 +15227,7 @@
   <p:cSld>
     <p:spTree>
       <p:nvGrpSpPr>
-        <p:cNvPr id="339" name="Shape 339"/>
+        <p:cNvPr id="340" name="Shape 340"/>
         <p:cNvGrpSpPr/>
         <p:nvPr/>
       </p:nvGrpSpPr>
@@ -15241,7 +15241,7 @@
       </p:grpSpPr>
       <p:sp>
         <p:nvSpPr>
-          <p:cNvPr id="340" name="Google Shape;340;p38"/>
+          <p:cNvPr id="341" name="Google Shape;341;p38"/>
           <p:cNvSpPr txBox="1"/>
           <p:nvPr>
             <p:ph type="title"/>
@@ -15281,7 +15281,7 @@
       </p:sp>
       <p:sp>
         <p:nvSpPr>
-          <p:cNvPr id="341" name="Google Shape;341;p38"/>
+          <p:cNvPr id="342" name="Google Shape;342;p38"/>
           <p:cNvSpPr txBox="1"/>
           <p:nvPr>
             <p:ph idx="1" type="body"/>
@@ -15320,7 +15320,7 @@
       </p:sp>
       <p:sp>
         <p:nvSpPr>
-          <p:cNvPr id="342" name="Google Shape;342;p38"/>
+          <p:cNvPr id="343" name="Google Shape;343;p38"/>
           <p:cNvSpPr txBox="1"/>
           <p:nvPr>
             <p:ph idx="2" type="body"/>
@@ -15359,7 +15359,7 @@
       </p:sp>
       <p:pic>
         <p:nvPicPr>
-          <p:cNvPr id="343" name="Google Shape;343;p38"/>
+          <p:cNvPr id="344" name="Google Shape;344;p38"/>
           <p:cNvPicPr preferRelativeResize="0"/>
           <p:nvPr/>
         </p:nvPicPr>
@@ -15387,7 +15387,7 @@
       </p:pic>
       <p:pic>
         <p:nvPicPr>
-          <p:cNvPr id="344" name="Google Shape;344;p38"/>
+          <p:cNvPr id="345" name="Google Shape;345;p38"/>
           <p:cNvPicPr preferRelativeResize="0"/>
           <p:nvPr/>
         </p:nvPicPr>
@@ -15426,7 +15426,7 @@
   <p:cSld>
     <p:spTree>
       <p:nvGrpSpPr>
-        <p:cNvPr id="348" name="Shape 348"/>
+        <p:cNvPr id="349" name="Shape 349"/>
         <p:cNvGrpSpPr/>
         <p:nvPr/>
       </p:nvGrpSpPr>
@@ -15440,7 +15440,7 @@
       </p:grpSpPr>
       <p:sp>
         <p:nvSpPr>
-          <p:cNvPr id="349" name="Google Shape;349;p39"/>
+          <p:cNvPr id="350" name="Google Shape;350;p39"/>
           <p:cNvSpPr txBox="1"/>
           <p:nvPr>
             <p:ph type="title"/>
@@ -15480,7 +15480,7 @@
       </p:sp>
       <p:sp>
         <p:nvSpPr>
-          <p:cNvPr id="350" name="Google Shape;350;p39"/>
+          <p:cNvPr id="351" name="Google Shape;351;p39"/>
           <p:cNvSpPr txBox="1"/>
           <p:nvPr>
             <p:ph idx="1" type="body"/>
@@ -15519,7 +15519,7 @@
       </p:sp>
       <p:sp>
         <p:nvSpPr>
-          <p:cNvPr id="351" name="Google Shape;351;p39"/>
+          <p:cNvPr id="352" name="Google Shape;352;p39"/>
           <p:cNvSpPr txBox="1"/>
           <p:nvPr>
             <p:ph idx="2" type="body"/>
@@ -15558,7 +15558,7 @@
       </p:sp>
       <p:pic>
         <p:nvPicPr>
-          <p:cNvPr id="352" name="Google Shape;352;p39" title="擷取.PNG"/>
+          <p:cNvPr id="353" name="Google Shape;353;p39" title="擷取.PNG"/>
           <p:cNvPicPr preferRelativeResize="0"/>
           <p:nvPr/>
         </p:nvPicPr>
@@ -15585,7 +15585,7 @@
       </p:pic>
       <p:pic>
         <p:nvPicPr>
-          <p:cNvPr id="353" name="Google Shape;353;p39" title="擷取.PNG"/>
+          <p:cNvPr id="354" name="Google Shape;354;p39" title="擷取.PNG"/>
           <p:cNvPicPr preferRelativeResize="0"/>
           <p:nvPr/>
         </p:nvPicPr>
@@ -15623,7 +15623,7 @@
   <p:cSld>
     <p:spTree>
       <p:nvGrpSpPr>
-        <p:cNvPr id="357" name="Shape 357"/>
+        <p:cNvPr id="358" name="Shape 358"/>
         <p:cNvGrpSpPr/>
         <p:nvPr/>
       </p:nvGrpSpPr>
@@ -15637,7 +15637,7 @@
       </p:grpSpPr>
       <p:sp>
         <p:nvSpPr>
-          <p:cNvPr id="358" name="Google Shape;358;p40"/>
+          <p:cNvPr id="359" name="Google Shape;359;p40"/>
           <p:cNvSpPr txBox="1"/>
           <p:nvPr>
             <p:ph type="title"/>
@@ -15677,7 +15677,7 @@
       </p:sp>
       <p:sp>
         <p:nvSpPr>
-          <p:cNvPr id="359" name="Google Shape;359;p40"/>
+          <p:cNvPr id="360" name="Google Shape;360;p40"/>
           <p:cNvSpPr txBox="1"/>
           <p:nvPr>
             <p:ph idx="1" type="body"/>
@@ -15716,7 +15716,7 @@
       </p:sp>
       <p:sp>
         <p:nvSpPr>
-          <p:cNvPr id="360" name="Google Shape;360;p40"/>
+          <p:cNvPr id="361" name="Google Shape;361;p40"/>
           <p:cNvSpPr txBox="1"/>
           <p:nvPr>
             <p:ph idx="2" type="body"/>
@@ -15755,7 +15755,7 @@
       </p:sp>
       <p:pic>
         <p:nvPicPr>
-          <p:cNvPr id="361" name="Google Shape;361;p40" title="擷取.PNG"/>
+          <p:cNvPr id="362" name="Google Shape;362;p40" title="擷取.PNG"/>
           <p:cNvPicPr preferRelativeResize="0"/>
           <p:nvPr/>
         </p:nvPicPr>
@@ -15793,7 +15793,7 @@
   <p:cSld>
     <p:spTree>
       <p:nvGrpSpPr>
-        <p:cNvPr id="365" name="Shape 365"/>
+        <p:cNvPr id="366" name="Shape 366"/>
         <p:cNvGrpSpPr/>
         <p:nvPr/>
       </p:nvGrpSpPr>
@@ -15807,7 +15807,7 @@
       </p:grpSpPr>
       <p:sp>
         <p:nvSpPr>
-          <p:cNvPr id="366" name="Google Shape;366;p41"/>
+          <p:cNvPr id="367" name="Google Shape;367;p41"/>
           <p:cNvSpPr txBox="1"/>
           <p:nvPr>
             <p:ph type="title"/>
@@ -15855,7 +15855,7 @@
       </p:sp>
       <p:sp>
         <p:nvSpPr>
-          <p:cNvPr id="367" name="Google Shape;367;p41"/>
+          <p:cNvPr id="368" name="Google Shape;368;p41"/>
           <p:cNvSpPr txBox="1"/>
           <p:nvPr>
             <p:ph idx="1" type="body"/>
@@ -16948,6 +16948,34 @@
           </a:p>
         </p:txBody>
       </p:sp>
+      <p:pic>
+        <p:nvPicPr>
+          <p:cNvPr id="169" name="Google Shape;169;p18"/>
+          <p:cNvPicPr preferRelativeResize="0"/>
+          <p:nvPr/>
+        </p:nvPicPr>
+        <p:blipFill>
+          <a:blip r:embed="rId3">
+            <a:alphaModFix/>
+          </a:blip>
+          <a:stretch>
+            <a:fillRect/>
+          </a:stretch>
+        </p:blipFill>
+        <p:spPr>
+          <a:xfrm>
+            <a:off x="3406826" y="0"/>
+            <a:ext cx="2930350" cy="5143500"/>
+          </a:xfrm>
+          <a:prstGeom prst="rect">
+            <a:avLst/>
+          </a:prstGeom>
+          <a:noFill/>
+          <a:ln>
+            <a:noFill/>
+          </a:ln>
+        </p:spPr>
+      </p:pic>
     </p:spTree>
   </p:cSld>
   <p:clrMapOvr>
@@ -16961,7 +16989,7 @@
   <p:cSld>
     <p:spTree>
       <p:nvGrpSpPr>
-        <p:cNvPr id="172" name="Shape 172"/>
+        <p:cNvPr id="173" name="Shape 173"/>
         <p:cNvGrpSpPr/>
         <p:nvPr/>
       </p:nvGrpSpPr>
@@ -16975,7 +17003,7 @@
       </p:grpSpPr>
       <p:sp>
         <p:nvSpPr>
-          <p:cNvPr id="173" name="Google Shape;173;p19"/>
+          <p:cNvPr id="174" name="Google Shape;174;p19"/>
           <p:cNvSpPr txBox="1"/>
           <p:nvPr>
             <p:ph type="title"/>
@@ -17015,7 +17043,7 @@
       </p:sp>
       <p:sp>
         <p:nvSpPr>
-          <p:cNvPr id="174" name="Google Shape;174;p19"/>
+          <p:cNvPr id="175" name="Google Shape;175;p19"/>
           <p:cNvSpPr txBox="1"/>
           <p:nvPr>
             <p:ph idx="1" type="body"/>
@@ -17055,7 +17083,7 @@
       </p:sp>
       <p:pic>
         <p:nvPicPr>
-          <p:cNvPr id="175" name="Google Shape;175;p19"/>
+          <p:cNvPr id="176" name="Google Shape;176;p19"/>
           <p:cNvPicPr preferRelativeResize="0"/>
           <p:nvPr/>
         </p:nvPicPr>
@@ -17083,7 +17111,7 @@
       </p:pic>
       <p:pic>
         <p:nvPicPr>
-          <p:cNvPr id="176" name="Google Shape;176;p19"/>
+          <p:cNvPr id="177" name="Google Shape;177;p19"/>
           <p:cNvPicPr preferRelativeResize="0"/>
           <p:nvPr/>
         </p:nvPicPr>
@@ -17111,7 +17139,7 @@
       </p:pic>
       <p:sp>
         <p:nvSpPr>
-          <p:cNvPr id="177" name="Google Shape;177;p19"/>
+          <p:cNvPr id="178" name="Google Shape;178;p19"/>
           <p:cNvSpPr txBox="1"/>
           <p:nvPr>
             <p:ph idx="2" type="body"/>
@@ -17156,7 +17184,7 @@
       </p:sp>
       <p:pic>
         <p:nvPicPr>
-          <p:cNvPr id="178" name="Google Shape;178;p19"/>
+          <p:cNvPr id="179" name="Google Shape;179;p19"/>
           <p:cNvPicPr preferRelativeResize="0"/>
           <p:nvPr/>
         </p:nvPicPr>
@@ -17195,7 +17223,7 @@
   <p:cSld>
     <p:spTree>
       <p:nvGrpSpPr>
-        <p:cNvPr id="182" name="Shape 182"/>
+        <p:cNvPr id="183" name="Shape 183"/>
         <p:cNvGrpSpPr/>
         <p:nvPr/>
       </p:nvGrpSpPr>
@@ -17209,7 +17237,7 @@
       </p:grpSpPr>
       <p:sp>
         <p:nvSpPr>
-          <p:cNvPr id="183" name="Google Shape;183;p20"/>
+          <p:cNvPr id="184" name="Google Shape;184;p20"/>
           <p:cNvSpPr txBox="1"/>
           <p:nvPr>
             <p:ph type="title"/>
@@ -17249,7 +17277,7 @@
       </p:sp>
       <p:sp>
         <p:nvSpPr>
-          <p:cNvPr id="184" name="Google Shape;184;p20"/>
+          <p:cNvPr id="185" name="Google Shape;185;p20"/>
           <p:cNvSpPr txBox="1"/>
           <p:nvPr>
             <p:ph idx="1" type="body"/>
@@ -17288,7 +17316,7 @@
       </p:sp>
       <p:sp>
         <p:nvSpPr>
-          <p:cNvPr id="185" name="Google Shape;185;p20"/>
+          <p:cNvPr id="186" name="Google Shape;186;p20"/>
           <p:cNvSpPr txBox="1"/>
           <p:nvPr>
             <p:ph idx="2" type="body"/>
@@ -17327,7 +17355,7 @@
       </p:sp>
       <p:pic>
         <p:nvPicPr>
-          <p:cNvPr id="186" name="Google Shape;186;p20"/>
+          <p:cNvPr id="187" name="Google Shape;187;p20"/>
           <p:cNvPicPr preferRelativeResize="0"/>
           <p:nvPr/>
         </p:nvPicPr>
@@ -17355,7 +17383,7 @@
       </p:pic>
       <p:pic>
         <p:nvPicPr>
-          <p:cNvPr id="187" name="Google Shape;187;p20"/>
+          <p:cNvPr id="188" name="Google Shape;188;p20"/>
           <p:cNvPicPr preferRelativeResize="0"/>
           <p:nvPr/>
         </p:nvPicPr>
@@ -17383,7 +17411,7 @@
       </p:pic>
       <p:pic>
         <p:nvPicPr>
-          <p:cNvPr id="188" name="Google Shape;188;p20"/>
+          <p:cNvPr id="189" name="Google Shape;189;p20"/>
           <p:cNvPicPr preferRelativeResize="0"/>
           <p:nvPr/>
         </p:nvPicPr>
@@ -17411,7 +17439,7 @@
       </p:pic>
       <p:pic>
         <p:nvPicPr>
-          <p:cNvPr id="189" name="Google Shape;189;p20"/>
+          <p:cNvPr id="190" name="Google Shape;190;p20"/>
           <p:cNvPicPr preferRelativeResize="0"/>
           <p:nvPr/>
         </p:nvPicPr>
@@ -17450,7 +17478,7 @@
   <p:cSld>
     <p:spTree>
       <p:nvGrpSpPr>
-        <p:cNvPr id="193" name="Shape 193"/>
+        <p:cNvPr id="194" name="Shape 194"/>
         <p:cNvGrpSpPr/>
         <p:nvPr/>
       </p:nvGrpSpPr>
@@ -17464,7 +17492,7 @@
       </p:grpSpPr>
       <p:sp>
         <p:nvSpPr>
-          <p:cNvPr id="194" name="Google Shape;194;p21"/>
+          <p:cNvPr id="195" name="Google Shape;195;p21"/>
           <p:cNvSpPr txBox="1"/>
           <p:nvPr>
             <p:ph type="title"/>
@@ -17520,7 +17548,7 @@
       </p:sp>
       <p:sp>
         <p:nvSpPr>
-          <p:cNvPr id="195" name="Google Shape;195;p21"/>
+          <p:cNvPr id="196" name="Google Shape;196;p21"/>
           <p:cNvSpPr txBox="1"/>
           <p:nvPr>
             <p:ph idx="1" type="body"/>
@@ -17559,7 +17587,7 @@
       </p:sp>
       <p:sp>
         <p:nvSpPr>
-          <p:cNvPr id="196" name="Google Shape;196;p21"/>
+          <p:cNvPr id="197" name="Google Shape;197;p21"/>
           <p:cNvSpPr txBox="1"/>
           <p:nvPr>
             <p:ph idx="2" type="body"/>
@@ -17598,7 +17626,7 @@
       </p:sp>
       <p:pic>
         <p:nvPicPr>
-          <p:cNvPr id="197" name="Google Shape;197;p21"/>
+          <p:cNvPr id="198" name="Google Shape;198;p21"/>
           <p:cNvPicPr preferRelativeResize="0"/>
           <p:nvPr/>
         </p:nvPicPr>
@@ -17626,7 +17654,7 @@
       </p:pic>
       <p:pic>
         <p:nvPicPr>
-          <p:cNvPr id="198" name="Google Shape;198;p21"/>
+          <p:cNvPr id="199" name="Google Shape;199;p21"/>
           <p:cNvPicPr preferRelativeResize="0"/>
           <p:nvPr/>
         </p:nvPicPr>
@@ -17661,6 +17689,285 @@
 </file>
 
 <file path=ppt/theme/theme1.xml><?xml version="1.0" encoding="utf-8"?>
+<a:theme xmlns:a="http://schemas.openxmlformats.org/drawingml/2006/main" xmlns:r="http://schemas.openxmlformats.org/officeDocument/2006/relationships">
+  <a:themeElements>
+    <a:clrScheme name="Default">
+      <a:dk1>
+        <a:srgbClr val="000000"/>
+      </a:dk1>
+      <a:lt1>
+        <a:srgbClr val="FFFFFF"/>
+      </a:lt1>
+      <a:dk2>
+        <a:srgbClr val="158158"/>
+      </a:dk2>
+      <a:lt2>
+        <a:srgbClr val="F3F3F3"/>
+      </a:lt2>
+      <a:accent1>
+        <a:srgbClr val="058DC7"/>
+      </a:accent1>
+      <a:accent2>
+        <a:srgbClr val="50B432"/>
+      </a:accent2>
+      <a:accent3>
+        <a:srgbClr val="ED561B"/>
+      </a:accent3>
+      <a:accent4>
+        <a:srgbClr val="EDEF00"/>
+      </a:accent4>
+      <a:accent5>
+        <a:srgbClr val="24CBE5"/>
+      </a:accent5>
+      <a:accent6>
+        <a:srgbClr val="64E572"/>
+      </a:accent6>
+      <a:hlink>
+        <a:srgbClr val="2200CC"/>
+      </a:hlink>
+      <a:folHlink>
+        <a:srgbClr val="551A8B"/>
+      </a:folHlink>
+    </a:clrScheme>
+    <a:fontScheme name="Office">
+      <a:majorFont>
+        <a:latin typeface="Arial"/>
+        <a:ea typeface=""/>
+        <a:cs typeface=""/>
+        <a:font script="Jpan" typeface="ＭＳ Ｐゴシック"/>
+        <a:font script="Hang" typeface="맑은 고딕"/>
+        <a:font script="Hans" typeface="宋体"/>
+        <a:font script="Hant" typeface="新細明體"/>
+        <a:font script="Arab" typeface="Times New Roman"/>
+        <a:font script="Hebr" typeface="Times New Roman"/>
+        <a:font script="Thai" typeface="Angsana New"/>
+        <a:font script="Ethi" typeface="Nyala"/>
+        <a:font script="Beng" typeface="Vrinda"/>
+        <a:font script="Gujr" typeface="Shruti"/>
+        <a:font script="Khmr" typeface="MoolBoran"/>
+        <a:font script="Knda" typeface="Tunga"/>
+        <a:font script="Guru" typeface="Raavi"/>
+        <a:font script="Cans" typeface="Euphemia"/>
+        <a:font script="Cher" typeface="Plantagenet Cherokee"/>
+        <a:font script="Yiii" typeface="Microsoft Yi Baiti"/>
+        <a:font script="Tibt" typeface="Microsoft Himalaya"/>
+        <a:font script="Thaa" typeface="MV Boli"/>
+        <a:font script="Deva" typeface="Mangal"/>
+        <a:font script="Telu" typeface="Gautami"/>
+        <a:font script="Taml" typeface="Latha"/>
+        <a:font script="Syrc" typeface="Estrangelo Edessa"/>
+        <a:font script="Orya" typeface="Kalinga"/>
+        <a:font script="Mlym" typeface="Kartika"/>
+        <a:font script="Laoo" typeface="DokChampa"/>
+        <a:font script="Sinh" typeface="Iskoola Pota"/>
+        <a:font script="Mong" typeface="Mongolian Baiti"/>
+        <a:font script="Viet" typeface="Times New Roman"/>
+        <a:font script="Uigh" typeface="Microsoft Uighur"/>
+        <a:font script="Geor" typeface="Sylfaen"/>
+      </a:majorFont>
+      <a:minorFont>
+        <a:latin typeface="Arial"/>
+        <a:ea typeface=""/>
+        <a:cs typeface=""/>
+        <a:font script="Jpan" typeface="ＭＳ Ｐゴシック"/>
+        <a:font script="Hang" typeface="맑은 고딕"/>
+        <a:font script="Hans" typeface="宋体"/>
+        <a:font script="Hant" typeface="新細明體"/>
+        <a:font script="Arab" typeface="Arial"/>
+        <a:font script="Hebr" typeface="Arial"/>
+        <a:font script="Thai" typeface="Cordia New"/>
+        <a:font script="Ethi" typeface="Nyala"/>
+        <a:font script="Beng" typeface="Vrinda"/>
+        <a:font script="Gujr" typeface="Shruti"/>
+        <a:font script="Khmr" typeface="DaunPenh"/>
+        <a:font script="Knda" typeface="Tunga"/>
+        <a:font script="Guru" typeface="Raavi"/>
+        <a:font script="Cans" typeface="Euphemia"/>
+        <a:font script="Cher" typeface="Plantagenet Cherokee"/>
+        <a:font script="Yiii" typeface="Microsoft Yi Baiti"/>
+        <a:font script="Tibt" typeface="Microsoft Himalaya"/>
+        <a:font script="Thaa" typeface="MV Boli"/>
+        <a:font script="Deva" typeface="Mangal"/>
+        <a:font script="Telu" typeface="Gautami"/>
+        <a:font script="Taml" typeface="Latha"/>
+        <a:font script="Syrc" typeface="Estrangelo Edessa"/>
+        <a:font script="Orya" typeface="Kalinga"/>
+        <a:font script="Mlym" typeface="Kartika"/>
+        <a:font script="Laoo" typeface="DokChampa"/>
+        <a:font script="Sinh" typeface="Iskoola Pota"/>
+        <a:font script="Mong" typeface="Mongolian Baiti"/>
+        <a:font script="Viet" typeface="Arial"/>
+        <a:font script="Uigh" typeface="Microsoft Uighur"/>
+        <a:font script="Geor" typeface="Sylfaen"/>
+      </a:minorFont>
+    </a:fontScheme>
+    <a:fmtScheme name="Office">
+      <a:fillStyleLst>
+        <a:solidFill>
+          <a:schemeClr val="phClr"/>
+        </a:solidFill>
+        <a:gradFill rotWithShape="1">
+          <a:gsLst>
+            <a:gs pos="0">
+              <a:schemeClr val="phClr">
+                <a:tint val="50000"/>
+                <a:satMod val="300000"/>
+              </a:schemeClr>
+            </a:gs>
+            <a:gs pos="35000">
+              <a:schemeClr val="phClr">
+                <a:tint val="37000"/>
+                <a:satMod val="300000"/>
+              </a:schemeClr>
+            </a:gs>
+            <a:gs pos="100000">
+              <a:schemeClr val="phClr">
+                <a:tint val="15000"/>
+                <a:satMod val="350000"/>
+              </a:schemeClr>
+            </a:gs>
+          </a:gsLst>
+          <a:lin ang="16200000" scaled="1"/>
+        </a:gradFill>
+        <a:gradFill rotWithShape="1">
+          <a:gsLst>
+            <a:gs pos="0">
+              <a:schemeClr val="phClr">
+                <a:tint val="100000"/>
+                <a:shade val="100000"/>
+                <a:satMod val="130000"/>
+              </a:schemeClr>
+            </a:gs>
+            <a:gs pos="100000">
+              <a:schemeClr val="phClr">
+                <a:tint val="50000"/>
+                <a:shade val="100000"/>
+                <a:satMod val="350000"/>
+              </a:schemeClr>
+            </a:gs>
+          </a:gsLst>
+          <a:lin ang="16200000" scaled="0"/>
+        </a:gradFill>
+      </a:fillStyleLst>
+      <a:lnStyleLst>
+        <a:ln w="9525" cap="flat" cmpd="sng" algn="ctr">
+          <a:solidFill>
+            <a:schemeClr val="phClr">
+              <a:shade val="95000"/>
+              <a:satMod val="105000"/>
+            </a:schemeClr>
+          </a:solidFill>
+          <a:prstDash val="solid"/>
+        </a:ln>
+        <a:ln w="25400" cap="flat" cmpd="sng" algn="ctr">
+          <a:solidFill>
+            <a:schemeClr val="phClr"/>
+          </a:solidFill>
+          <a:prstDash val="solid"/>
+        </a:ln>
+        <a:ln w="38100" cap="flat" cmpd="sng" algn="ctr">
+          <a:solidFill>
+            <a:schemeClr val="phClr"/>
+          </a:solidFill>
+          <a:prstDash val="solid"/>
+        </a:ln>
+      </a:lnStyleLst>
+      <a:effectStyleLst>
+        <a:effectStyle>
+          <a:effectLst>
+            <a:outerShdw blurRad="40000" dist="20000" dir="5400000" rotWithShape="0">
+              <a:srgbClr val="000000">
+                <a:alpha val="38000"/>
+              </a:srgbClr>
+            </a:outerShdw>
+          </a:effectLst>
+        </a:effectStyle>
+        <a:effectStyle>
+          <a:effectLst>
+            <a:outerShdw blurRad="40000" dist="23000" dir="5400000" rotWithShape="0">
+              <a:srgbClr val="000000">
+                <a:alpha val="35000"/>
+              </a:srgbClr>
+            </a:outerShdw>
+          </a:effectLst>
+        </a:effectStyle>
+        <a:effectStyle>
+          <a:effectLst>
+            <a:outerShdw blurRad="40000" dist="23000" dir="5400000" rotWithShape="0">
+              <a:srgbClr val="000000">
+                <a:alpha val="35000"/>
+              </a:srgbClr>
+            </a:outerShdw>
+          </a:effectLst>
+          <a:scene3d>
+            <a:camera prst="orthographicFront">
+              <a:rot lat="0" lon="0" rev="0"/>
+            </a:camera>
+            <a:lightRig rig="threePt" dir="t">
+              <a:rot lat="0" lon="0" rev="1200000"/>
+            </a:lightRig>
+          </a:scene3d>
+          <a:sp3d>
+            <a:bevelT w="63500" h="25400"/>
+          </a:sp3d>
+        </a:effectStyle>
+      </a:effectStyleLst>
+      <a:bgFillStyleLst>
+        <a:solidFill>
+          <a:schemeClr val="phClr"/>
+        </a:solidFill>
+        <a:gradFill rotWithShape="1">
+          <a:gsLst>
+            <a:gs pos="0">
+              <a:schemeClr val="phClr">
+                <a:tint val="40000"/>
+                <a:satMod val="350000"/>
+              </a:schemeClr>
+            </a:gs>
+            <a:gs pos="40000">
+              <a:schemeClr val="phClr">
+                <a:tint val="45000"/>
+                <a:shade val="99000"/>
+                <a:satMod val="350000"/>
+              </a:schemeClr>
+            </a:gs>
+            <a:gs pos="100000">
+              <a:schemeClr val="phClr">
+                <a:shade val="20000"/>
+                <a:satMod val="255000"/>
+              </a:schemeClr>
+            </a:gs>
+          </a:gsLst>
+          <a:path path="circle">
+            <a:fillToRect l="50000" t="-80000" r="50000" b="180000"/>
+          </a:path>
+        </a:gradFill>
+        <a:gradFill rotWithShape="1">
+          <a:gsLst>
+            <a:gs pos="0">
+              <a:schemeClr val="phClr">
+                <a:tint val="80000"/>
+                <a:satMod val="300000"/>
+              </a:schemeClr>
+            </a:gs>
+            <a:gs pos="100000">
+              <a:schemeClr val="phClr">
+                <a:shade val="30000"/>
+                <a:satMod val="200000"/>
+              </a:schemeClr>
+            </a:gs>
+          </a:gsLst>
+          <a:path path="circle">
+            <a:fillToRect l="50000" t="50000" r="50000" b="50000"/>
+          </a:path>
+        </a:gradFill>
+      </a:bgFillStyleLst>
+    </a:fmtScheme>
+  </a:themeElements>
+</a:theme>
+</file>
+
+<file path=ppt/theme/theme2.xml><?xml version="1.0" encoding="utf-8"?>
 <a:theme xmlns:a="http://schemas.openxmlformats.org/drawingml/2006/main" xmlns:r="http://schemas.openxmlformats.org/officeDocument/2006/relationships" name="Focus">
   <a:themeElements>
     <a:clrScheme name="Focus">
@@ -17937,283 +18244,4 @@
     </a:fmtScheme>
   </a:themeElements>
 </a:theme>
-</file>
-
-<file path=ppt/theme/theme2.xml><?xml version="1.0" encoding="utf-8"?>
-<a:theme xmlns:a="http://schemas.openxmlformats.org/drawingml/2006/main" xmlns:r="http://schemas.openxmlformats.org/officeDocument/2006/relationships">
-  <a:themeElements>
-    <a:clrScheme name="Default">
-      <a:dk1>
-        <a:srgbClr val="000000"/>
-      </a:dk1>
-      <a:lt1>
-        <a:srgbClr val="FFFFFF"/>
-      </a:lt1>
-      <a:dk2>
-        <a:srgbClr val="158158"/>
-      </a:dk2>
-      <a:lt2>
-        <a:srgbClr val="F3F3F3"/>
-      </a:lt2>
-      <a:accent1>
-        <a:srgbClr val="058DC7"/>
-      </a:accent1>
-      <a:accent2>
-        <a:srgbClr val="50B432"/>
-      </a:accent2>
-      <a:accent3>
-        <a:srgbClr val="ED561B"/>
-      </a:accent3>
-      <a:accent4>
-        <a:srgbClr val="EDEF00"/>
-      </a:accent4>
-      <a:accent5>
-        <a:srgbClr val="24CBE5"/>
-      </a:accent5>
-      <a:accent6>
-        <a:srgbClr val="64E572"/>
-      </a:accent6>
-      <a:hlink>
-        <a:srgbClr val="2200CC"/>
-      </a:hlink>
-      <a:folHlink>
-        <a:srgbClr val="551A8B"/>
-      </a:folHlink>
-    </a:clrScheme>
-    <a:fontScheme name="Office">
-      <a:majorFont>
-        <a:latin typeface="Arial"/>
-        <a:ea typeface=""/>
-        <a:cs typeface=""/>
-        <a:font script="Jpan" typeface="ＭＳ Ｐゴシック"/>
-        <a:font script="Hang" typeface="맑은 고딕"/>
-        <a:font script="Hans" typeface="宋体"/>
-        <a:font script="Hant" typeface="新細明體"/>
-        <a:font script="Arab" typeface="Times New Roman"/>
-        <a:font script="Hebr" typeface="Times New Roman"/>
-        <a:font script="Thai" typeface="Angsana New"/>
-        <a:font script="Ethi" typeface="Nyala"/>
-        <a:font script="Beng" typeface="Vrinda"/>
-        <a:font script="Gujr" typeface="Shruti"/>
-        <a:font script="Khmr" typeface="MoolBoran"/>
-        <a:font script="Knda" typeface="Tunga"/>
-        <a:font script="Guru" typeface="Raavi"/>
-        <a:font script="Cans" typeface="Euphemia"/>
-        <a:font script="Cher" typeface="Plantagenet Cherokee"/>
-        <a:font script="Yiii" typeface="Microsoft Yi Baiti"/>
-        <a:font script="Tibt" typeface="Microsoft Himalaya"/>
-        <a:font script="Thaa" typeface="MV Boli"/>
-        <a:font script="Deva" typeface="Mangal"/>
-        <a:font script="Telu" typeface="Gautami"/>
-        <a:font script="Taml" typeface="Latha"/>
-        <a:font script="Syrc" typeface="Estrangelo Edessa"/>
-        <a:font script="Orya" typeface="Kalinga"/>
-        <a:font script="Mlym" typeface="Kartika"/>
-        <a:font script="Laoo" typeface="DokChampa"/>
-        <a:font script="Sinh" typeface="Iskoola Pota"/>
-        <a:font script="Mong" typeface="Mongolian Baiti"/>
-        <a:font script="Viet" typeface="Times New Roman"/>
-        <a:font script="Uigh" typeface="Microsoft Uighur"/>
-        <a:font script="Geor" typeface="Sylfaen"/>
-      </a:majorFont>
-      <a:minorFont>
-        <a:latin typeface="Arial"/>
-        <a:ea typeface=""/>
-        <a:cs typeface=""/>
-        <a:font script="Jpan" typeface="ＭＳ Ｐゴシック"/>
-        <a:font script="Hang" typeface="맑은 고딕"/>
-        <a:font script="Hans" typeface="宋体"/>
-        <a:font script="Hant" typeface="新細明體"/>
-        <a:font script="Arab" typeface="Arial"/>
-        <a:font script="Hebr" typeface="Arial"/>
-        <a:font script="Thai" typeface="Cordia New"/>
-        <a:font script="Ethi" typeface="Nyala"/>
-        <a:font script="Beng" typeface="Vrinda"/>
-        <a:font script="Gujr" typeface="Shruti"/>
-        <a:font script="Khmr" typeface="DaunPenh"/>
-        <a:font script="Knda" typeface="Tunga"/>
-        <a:font script="Guru" typeface="Raavi"/>
-        <a:font script="Cans" typeface="Euphemia"/>
-        <a:font script="Cher" typeface="Plantagenet Cherokee"/>
-        <a:font script="Yiii" typeface="Microsoft Yi Baiti"/>
-        <a:font script="Tibt" typeface="Microsoft Himalaya"/>
-        <a:font script="Thaa" typeface="MV Boli"/>
-        <a:font script="Deva" typeface="Mangal"/>
-        <a:font script="Telu" typeface="Gautami"/>
-        <a:font script="Taml" typeface="Latha"/>
-        <a:font script="Syrc" typeface="Estrangelo Edessa"/>
-        <a:font script="Orya" typeface="Kalinga"/>
-        <a:font script="Mlym" typeface="Kartika"/>
-        <a:font script="Laoo" typeface="DokChampa"/>
-        <a:font script="Sinh" typeface="Iskoola Pota"/>
-        <a:font script="Mong" typeface="Mongolian Baiti"/>
-        <a:font script="Viet" typeface="Arial"/>
-        <a:font script="Uigh" typeface="Microsoft Uighur"/>
-        <a:font script="Geor" typeface="Sylfaen"/>
-      </a:minorFont>
-    </a:fontScheme>
-    <a:fmtScheme name="Office">
-      <a:fillStyleLst>
-        <a:solidFill>
-          <a:schemeClr val="phClr"/>
-        </a:solidFill>
-        <a:gradFill rotWithShape="1">
-          <a:gsLst>
-            <a:gs pos="0">
-              <a:schemeClr val="phClr">
-                <a:tint val="50000"/>
-                <a:satMod val="300000"/>
-              </a:schemeClr>
-            </a:gs>
-            <a:gs pos="35000">
-              <a:schemeClr val="phClr">
-                <a:tint val="37000"/>
-                <a:satMod val="300000"/>
-              </a:schemeClr>
-            </a:gs>
-            <a:gs pos="100000">
-              <a:schemeClr val="phClr">
-                <a:tint val="15000"/>
-                <a:satMod val="350000"/>
-              </a:schemeClr>
-            </a:gs>
-          </a:gsLst>
-          <a:lin ang="16200000" scaled="1"/>
-        </a:gradFill>
-        <a:gradFill rotWithShape="1">
-          <a:gsLst>
-            <a:gs pos="0">
-              <a:schemeClr val="phClr">
-                <a:tint val="100000"/>
-                <a:shade val="100000"/>
-                <a:satMod val="130000"/>
-              </a:schemeClr>
-            </a:gs>
-            <a:gs pos="100000">
-              <a:schemeClr val="phClr">
-                <a:tint val="50000"/>
-                <a:shade val="100000"/>
-                <a:satMod val="350000"/>
-              </a:schemeClr>
-            </a:gs>
-          </a:gsLst>
-          <a:lin ang="16200000" scaled="0"/>
-        </a:gradFill>
-      </a:fillStyleLst>
-      <a:lnStyleLst>
-        <a:ln w="9525" cap="flat" cmpd="sng" algn="ctr">
-          <a:solidFill>
-            <a:schemeClr val="phClr">
-              <a:shade val="95000"/>
-              <a:satMod val="105000"/>
-            </a:schemeClr>
-          </a:solidFill>
-          <a:prstDash val="solid"/>
-        </a:ln>
-        <a:ln w="25400" cap="flat" cmpd="sng" algn="ctr">
-          <a:solidFill>
-            <a:schemeClr val="phClr"/>
-          </a:solidFill>
-          <a:prstDash val="solid"/>
-        </a:ln>
-        <a:ln w="38100" cap="flat" cmpd="sng" algn="ctr">
-          <a:solidFill>
-            <a:schemeClr val="phClr"/>
-          </a:solidFill>
-          <a:prstDash val="solid"/>
-        </a:ln>
-      </a:lnStyleLst>
-      <a:effectStyleLst>
-        <a:effectStyle>
-          <a:effectLst>
-            <a:outerShdw blurRad="40000" dist="20000" dir="5400000" rotWithShape="0">
-              <a:srgbClr val="000000">
-                <a:alpha val="38000"/>
-              </a:srgbClr>
-            </a:outerShdw>
-          </a:effectLst>
-        </a:effectStyle>
-        <a:effectStyle>
-          <a:effectLst>
-            <a:outerShdw blurRad="40000" dist="23000" dir="5400000" rotWithShape="0">
-              <a:srgbClr val="000000">
-                <a:alpha val="35000"/>
-              </a:srgbClr>
-            </a:outerShdw>
-          </a:effectLst>
-        </a:effectStyle>
-        <a:effectStyle>
-          <a:effectLst>
-            <a:outerShdw blurRad="40000" dist="23000" dir="5400000" rotWithShape="0">
-              <a:srgbClr val="000000">
-                <a:alpha val="35000"/>
-              </a:srgbClr>
-            </a:outerShdw>
-          </a:effectLst>
-          <a:scene3d>
-            <a:camera prst="orthographicFront">
-              <a:rot lat="0" lon="0" rev="0"/>
-            </a:camera>
-            <a:lightRig rig="threePt" dir="t">
-              <a:rot lat="0" lon="0" rev="1200000"/>
-            </a:lightRig>
-          </a:scene3d>
-          <a:sp3d>
-            <a:bevelT w="63500" h="25400"/>
-          </a:sp3d>
-        </a:effectStyle>
-      </a:effectStyleLst>
-      <a:bgFillStyleLst>
-        <a:solidFill>
-          <a:schemeClr val="phClr"/>
-        </a:solidFill>
-        <a:gradFill rotWithShape="1">
-          <a:gsLst>
-            <a:gs pos="0">
-              <a:schemeClr val="phClr">
-                <a:tint val="40000"/>
-                <a:satMod val="350000"/>
-              </a:schemeClr>
-            </a:gs>
-            <a:gs pos="40000">
-              <a:schemeClr val="phClr">
-                <a:tint val="45000"/>
-                <a:shade val="99000"/>
-                <a:satMod val="350000"/>
-              </a:schemeClr>
-            </a:gs>
-            <a:gs pos="100000">
-              <a:schemeClr val="phClr">
-                <a:shade val="20000"/>
-                <a:satMod val="255000"/>
-              </a:schemeClr>
-            </a:gs>
-          </a:gsLst>
-          <a:path path="circle">
-            <a:fillToRect l="50000" t="-80000" r="50000" b="180000"/>
-          </a:path>
-        </a:gradFill>
-        <a:gradFill rotWithShape="1">
-          <a:gsLst>
-            <a:gs pos="0">
-              <a:schemeClr val="phClr">
-                <a:tint val="80000"/>
-                <a:satMod val="300000"/>
-              </a:schemeClr>
-            </a:gs>
-            <a:gs pos="100000">
-              <a:schemeClr val="phClr">
-                <a:shade val="30000"/>
-                <a:satMod val="200000"/>
-              </a:schemeClr>
-            </a:gs>
-          </a:gsLst>
-          <a:path path="circle">
-            <a:fillToRect l="50000" t="50000" r="50000" b="50000"/>
-          </a:path>
-        </a:gradFill>
-      </a:bgFillStyleLst>
-    </a:fmtScheme>
-  </a:themeElements>
-</a:theme>
 </file>